--- a/de.rdnp.preflight.architecture/doc/Drawings.pptx
+++ b/de.rdnp.preflight.architecture/doc/Drawings.pptx
@@ -9,6 +9,7 @@
     <p:sldId id="258" r:id="rId3"/>
     <p:sldId id="259" r:id="rId4"/>
     <p:sldId id="260" r:id="rId5"/>
+    <p:sldId id="261" r:id="rId6"/>
   </p:sldIdLst>
   <p:sldSz cx="12192000" cy="6858000"/>
   <p:notesSz cx="6858000" cy="9144000"/>
@@ -9656,6 +9657,1536 @@
 </p:sld>
 </file>
 
+<file path=ppt/slides/slide5.xml><?xml version="1.0" encoding="utf-8"?>
+<p:sld xmlns:a="http://schemas.openxmlformats.org/drawingml/2006/main" xmlns:r="http://schemas.openxmlformats.org/officeDocument/2006/relationships" xmlns:p="http://schemas.openxmlformats.org/presentationml/2006/main">
+  <p:cSld>
+    <p:spTree>
+      <p:nvGrpSpPr>
+        <p:cNvPr id="1" name=""/>
+        <p:cNvGrpSpPr/>
+        <p:nvPr/>
+      </p:nvGrpSpPr>
+      <p:grpSpPr>
+        <a:xfrm>
+          <a:off x="0" y="0"/>
+          <a:ext cx="0" cy="0"/>
+          <a:chOff x="0" y="0"/>
+          <a:chExt cx="0" cy="0"/>
+        </a:xfrm>
+      </p:grpSpPr>
+      <p:sp>
+        <p:nvSpPr>
+          <p:cNvPr id="2" name="Rechteck 1">
+            <a:extLst>
+              <a:ext uri="{FF2B5EF4-FFF2-40B4-BE49-F238E27FC236}">
+                <a16:creationId xmlns:a16="http://schemas.microsoft.com/office/drawing/2014/main" id="{621D4A0E-334D-48A7-A171-7A507A4EB912}"/>
+              </a:ext>
+            </a:extLst>
+          </p:cNvPr>
+          <p:cNvSpPr/>
+          <p:nvPr/>
+        </p:nvSpPr>
+        <p:spPr>
+          <a:xfrm>
+            <a:off x="263236" y="3376622"/>
+            <a:ext cx="5486401" cy="1875097"/>
+          </a:xfrm>
+          <a:prstGeom prst="rect">
+            <a:avLst/>
+          </a:prstGeom>
+        </p:spPr>
+        <p:style>
+          <a:lnRef idx="2">
+            <a:schemeClr val="accent1">
+              <a:shade val="50000"/>
+            </a:schemeClr>
+          </a:lnRef>
+          <a:fillRef idx="1">
+            <a:schemeClr val="accent1"/>
+          </a:fillRef>
+          <a:effectRef idx="0">
+            <a:schemeClr val="accent1"/>
+          </a:effectRef>
+          <a:fontRef idx="minor">
+            <a:schemeClr val="lt1"/>
+          </a:fontRef>
+        </p:style>
+        <p:txBody>
+          <a:bodyPr rtlCol="0" anchor="ctr"/>
+          <a:lstStyle/>
+          <a:p>
+            <a:pPr algn="ctr"/>
+            <a:r>
+              <a:rPr lang="de-DE" dirty="0">
+                <a:solidFill>
+                  <a:schemeClr val="tx1"/>
+                </a:solidFill>
+              </a:rPr>
+              <a:t>Main </a:t>
+            </a:r>
+            <a:r>
+              <a:rPr lang="de-DE" dirty="0" err="1">
+                <a:solidFill>
+                  <a:schemeClr val="tx1"/>
+                </a:solidFill>
+              </a:rPr>
+              <a:t>Application</a:t>
+            </a:r>
+            <a:r>
+              <a:rPr lang="de-DE" dirty="0">
+                <a:solidFill>
+                  <a:schemeClr val="tx1"/>
+                </a:solidFill>
+              </a:rPr>
+              <a:t> Project – Spring </a:t>
+            </a:r>
+            <a:r>
+              <a:rPr lang="de-DE" dirty="0" err="1">
+                <a:solidFill>
+                  <a:schemeClr val="tx1"/>
+                </a:solidFill>
+              </a:rPr>
+              <a:t>Application</a:t>
+            </a:r>
+            <a:endParaRPr lang="de-DE" dirty="0">
+              <a:solidFill>
+                <a:schemeClr val="tx1"/>
+              </a:solidFill>
+            </a:endParaRPr>
+          </a:p>
+          <a:p>
+            <a:pPr algn="ctr"/>
+            <a:r>
+              <a:rPr lang="de-DE" dirty="0" err="1">
+                <a:solidFill>
+                  <a:schemeClr val="tx1"/>
+                </a:solidFill>
+              </a:rPr>
+              <a:t>de.rdnp.preflight.</a:t>
+            </a:r>
+            <a:r>
+              <a:rPr lang="de-DE" i="1" dirty="0" err="1">
+                <a:solidFill>
+                  <a:schemeClr val="tx1"/>
+                </a:solidFill>
+              </a:rPr>
+              <a:t>container</a:t>
+            </a:r>
+            <a:endParaRPr lang="de-DE" i="1" dirty="0">
+              <a:solidFill>
+                <a:schemeClr val="tx1"/>
+              </a:solidFill>
+            </a:endParaRPr>
+          </a:p>
+        </p:txBody>
+      </p:sp>
+      <p:sp>
+        <p:nvSpPr>
+          <p:cNvPr id="3" name="Rechteck 2">
+            <a:extLst>
+              <a:ext uri="{FF2B5EF4-FFF2-40B4-BE49-F238E27FC236}">
+                <a16:creationId xmlns:a16="http://schemas.microsoft.com/office/drawing/2014/main" id="{A0B1B308-88D1-4497-9D9E-E1DE03E993B0}"/>
+              </a:ext>
+            </a:extLst>
+          </p:cNvPr>
+          <p:cNvSpPr/>
+          <p:nvPr/>
+        </p:nvSpPr>
+        <p:spPr>
+          <a:xfrm>
+            <a:off x="263393" y="2103267"/>
+            <a:ext cx="5486400" cy="692728"/>
+          </a:xfrm>
+          <a:prstGeom prst="rect">
+            <a:avLst/>
+          </a:prstGeom>
+        </p:spPr>
+        <p:style>
+          <a:lnRef idx="2">
+            <a:schemeClr val="accent1">
+              <a:shade val="50000"/>
+            </a:schemeClr>
+          </a:lnRef>
+          <a:fillRef idx="1">
+            <a:schemeClr val="accent1"/>
+          </a:fillRef>
+          <a:effectRef idx="0">
+            <a:schemeClr val="accent1"/>
+          </a:effectRef>
+          <a:fontRef idx="minor">
+            <a:schemeClr val="lt1"/>
+          </a:fontRef>
+        </p:style>
+        <p:txBody>
+          <a:bodyPr rtlCol="0" anchor="ctr"/>
+          <a:lstStyle/>
+          <a:p>
+            <a:pPr algn="ctr"/>
+            <a:r>
+              <a:rPr lang="de-DE" dirty="0">
+                <a:solidFill>
+                  <a:schemeClr val="tx1"/>
+                </a:solidFill>
+              </a:rPr>
+              <a:t>UI Project – Angular </a:t>
+            </a:r>
+            <a:r>
+              <a:rPr lang="de-DE" dirty="0" err="1">
+                <a:solidFill>
+                  <a:schemeClr val="tx1"/>
+                </a:solidFill>
+              </a:rPr>
+              <a:t>Application</a:t>
+            </a:r>
+            <a:endParaRPr lang="de-DE" dirty="0">
+              <a:solidFill>
+                <a:schemeClr val="tx1"/>
+              </a:solidFill>
+            </a:endParaRPr>
+          </a:p>
+          <a:p>
+            <a:pPr algn="ctr"/>
+            <a:r>
+              <a:rPr lang="de-DE" dirty="0" err="1">
+                <a:solidFill>
+                  <a:schemeClr val="tx1"/>
+                </a:solidFill>
+              </a:rPr>
+              <a:t>de.rdnp.preflight.</a:t>
+            </a:r>
+            <a:r>
+              <a:rPr lang="de-DE" i="1" dirty="0" err="1">
+                <a:solidFill>
+                  <a:schemeClr val="tx1"/>
+                </a:solidFill>
+              </a:rPr>
+              <a:t>container.</a:t>
+            </a:r>
+            <a:r>
+              <a:rPr lang="de-DE" dirty="0" err="1">
+                <a:solidFill>
+                  <a:schemeClr val="tx1"/>
+                </a:solidFill>
+              </a:rPr>
+              <a:t>webui</a:t>
+            </a:r>
+            <a:endParaRPr lang="de-DE" dirty="0">
+              <a:solidFill>
+                <a:schemeClr val="tx1"/>
+              </a:solidFill>
+            </a:endParaRPr>
+          </a:p>
+        </p:txBody>
+      </p:sp>
+      <p:sp>
+        <p:nvSpPr>
+          <p:cNvPr id="4" name="Rechteck 3">
+            <a:extLst>
+              <a:ext uri="{FF2B5EF4-FFF2-40B4-BE49-F238E27FC236}">
+                <a16:creationId xmlns:a16="http://schemas.microsoft.com/office/drawing/2014/main" id="{E257ECA3-044D-4D1C-9F04-241AA8A10118}"/>
+              </a:ext>
+            </a:extLst>
+          </p:cNvPr>
+          <p:cNvSpPr/>
+          <p:nvPr/>
+        </p:nvSpPr>
+        <p:spPr>
+          <a:xfrm>
+            <a:off x="263236" y="703897"/>
+            <a:ext cx="5486400" cy="692728"/>
+          </a:xfrm>
+          <a:prstGeom prst="rect">
+            <a:avLst/>
+          </a:prstGeom>
+        </p:spPr>
+        <p:style>
+          <a:lnRef idx="2">
+            <a:schemeClr val="accent1">
+              <a:shade val="50000"/>
+            </a:schemeClr>
+          </a:lnRef>
+          <a:fillRef idx="1">
+            <a:schemeClr val="accent1"/>
+          </a:fillRef>
+          <a:effectRef idx="0">
+            <a:schemeClr val="accent1"/>
+          </a:effectRef>
+          <a:fontRef idx="minor">
+            <a:schemeClr val="lt1"/>
+          </a:fontRef>
+        </p:style>
+        <p:txBody>
+          <a:bodyPr rtlCol="0" anchor="ctr"/>
+          <a:lstStyle/>
+          <a:p>
+            <a:pPr algn="ctr"/>
+            <a:r>
+              <a:rPr lang="de-DE" dirty="0">
+                <a:solidFill>
+                  <a:schemeClr val="tx1"/>
+                </a:solidFill>
+              </a:rPr>
+              <a:t>Test Project – Spring </a:t>
+            </a:r>
+            <a:r>
+              <a:rPr lang="de-DE" dirty="0" err="1">
+                <a:solidFill>
+                  <a:schemeClr val="tx1"/>
+                </a:solidFill>
+              </a:rPr>
+              <a:t>Application</a:t>
+            </a:r>
+            <a:r>
+              <a:rPr lang="de-DE" dirty="0">
+                <a:solidFill>
+                  <a:schemeClr val="tx1"/>
+                </a:solidFill>
+              </a:rPr>
+              <a:t> </a:t>
+            </a:r>
+            <a:r>
+              <a:rPr lang="de-DE" dirty="0" err="1">
+                <a:solidFill>
+                  <a:schemeClr val="tx1"/>
+                </a:solidFill>
+              </a:rPr>
+              <a:t>with</a:t>
+            </a:r>
+            <a:r>
+              <a:rPr lang="de-DE" dirty="0">
+                <a:solidFill>
+                  <a:schemeClr val="tx1"/>
+                </a:solidFill>
+              </a:rPr>
+              <a:t> </a:t>
+            </a:r>
+            <a:r>
+              <a:rPr lang="de-DE" dirty="0" err="1">
+                <a:solidFill>
+                  <a:schemeClr val="tx1"/>
+                </a:solidFill>
+              </a:rPr>
+              <a:t>test</a:t>
+            </a:r>
+            <a:r>
+              <a:rPr lang="de-DE" dirty="0">
+                <a:solidFill>
+                  <a:schemeClr val="tx1"/>
+                </a:solidFill>
+              </a:rPr>
+              <a:t> </a:t>
+            </a:r>
+            <a:r>
+              <a:rPr lang="de-DE" dirty="0" err="1">
+                <a:solidFill>
+                  <a:schemeClr val="tx1"/>
+                </a:solidFill>
+              </a:rPr>
+              <a:t>services</a:t>
+            </a:r>
+            <a:endParaRPr lang="de-DE" dirty="0">
+              <a:solidFill>
+                <a:schemeClr val="tx1"/>
+              </a:solidFill>
+            </a:endParaRPr>
+          </a:p>
+          <a:p>
+            <a:pPr algn="ctr"/>
+            <a:r>
+              <a:rPr lang="de-DE" dirty="0" err="1">
+                <a:solidFill>
+                  <a:schemeClr val="tx1"/>
+                </a:solidFill>
+              </a:rPr>
+              <a:t>de.rdnp.preflight.</a:t>
+            </a:r>
+            <a:r>
+              <a:rPr lang="de-DE" i="1" dirty="0" err="1">
+                <a:solidFill>
+                  <a:schemeClr val="tx1"/>
+                </a:solidFill>
+              </a:rPr>
+              <a:t>container.</a:t>
+            </a:r>
+            <a:r>
+              <a:rPr lang="de-DE" dirty="0" err="1">
+                <a:solidFill>
+                  <a:schemeClr val="tx1"/>
+                </a:solidFill>
+              </a:rPr>
+              <a:t>testenv</a:t>
+            </a:r>
+            <a:endParaRPr lang="de-DE" dirty="0">
+              <a:solidFill>
+                <a:schemeClr val="tx1"/>
+              </a:solidFill>
+            </a:endParaRPr>
+          </a:p>
+        </p:txBody>
+      </p:sp>
+      <p:sp>
+        <p:nvSpPr>
+          <p:cNvPr id="7" name="Textfeld 6">
+            <a:extLst>
+              <a:ext uri="{FF2B5EF4-FFF2-40B4-BE49-F238E27FC236}">
+                <a16:creationId xmlns:a16="http://schemas.microsoft.com/office/drawing/2014/main" id="{5CCB9D48-6CE5-45B6-9731-7E2F9E6CAB05}"/>
+              </a:ext>
+            </a:extLst>
+          </p:cNvPr>
+          <p:cNvSpPr txBox="1"/>
+          <p:nvPr/>
+        </p:nvSpPr>
+        <p:spPr>
+          <a:xfrm>
+            <a:off x="124691" y="159679"/>
+            <a:ext cx="6251391" cy="369332"/>
+          </a:xfrm>
+          <a:prstGeom prst="rect">
+            <a:avLst/>
+          </a:prstGeom>
+          <a:noFill/>
+        </p:spPr>
+        <p:txBody>
+          <a:bodyPr wrap="none" rtlCol="0">
+            <a:spAutoFit/>
+          </a:bodyPr>
+          <a:lstStyle/>
+          <a:p>
+            <a:r>
+              <a:rPr lang="de-DE" b="1" dirty="0"/>
+              <a:t>Web-</a:t>
+            </a:r>
+            <a:r>
+              <a:rPr lang="de-DE" b="1" dirty="0" err="1"/>
+              <a:t>Application</a:t>
+            </a:r>
+            <a:r>
+              <a:rPr lang="de-DE" b="1" dirty="0"/>
+              <a:t> Project </a:t>
+            </a:r>
+            <a:r>
+              <a:rPr lang="de-DE" b="1" dirty="0" err="1"/>
+              <a:t>Structure</a:t>
+            </a:r>
+            <a:r>
+              <a:rPr lang="de-DE" b="1" dirty="0"/>
+              <a:t> and </a:t>
+            </a:r>
+            <a:r>
+              <a:rPr lang="de-DE" b="1" dirty="0" err="1"/>
+              <a:t>Build</a:t>
+            </a:r>
+            <a:r>
+              <a:rPr lang="de-DE" b="1" dirty="0"/>
+              <a:t> Pipeline </a:t>
+            </a:r>
+            <a:r>
+              <a:rPr lang="de-DE" b="1" dirty="0" err="1"/>
+              <a:t>Overview</a:t>
+            </a:r>
+            <a:r>
+              <a:rPr lang="de-DE" b="1" dirty="0"/>
+              <a:t> </a:t>
+            </a:r>
+          </a:p>
+        </p:txBody>
+      </p:sp>
+      <p:sp>
+        <p:nvSpPr>
+          <p:cNvPr id="9" name="Pfeil: nach unten 8">
+            <a:extLst>
+              <a:ext uri="{FF2B5EF4-FFF2-40B4-BE49-F238E27FC236}">
+                <a16:creationId xmlns:a16="http://schemas.microsoft.com/office/drawing/2014/main" id="{F051717E-CD3C-4EEA-BFF1-C532B6B1F17C}"/>
+              </a:ext>
+            </a:extLst>
+          </p:cNvPr>
+          <p:cNvSpPr/>
+          <p:nvPr/>
+        </p:nvSpPr>
+        <p:spPr>
+          <a:xfrm>
+            <a:off x="8128169" y="304801"/>
+            <a:ext cx="3800438" cy="6068290"/>
+          </a:xfrm>
+          <a:prstGeom prst="downArrow">
+            <a:avLst>
+              <a:gd name="adj1" fmla="val 59478"/>
+              <a:gd name="adj2" fmla="val 50000"/>
+            </a:avLst>
+          </a:prstGeom>
+        </p:spPr>
+        <p:style>
+          <a:lnRef idx="2">
+            <a:schemeClr val="accent1">
+              <a:shade val="50000"/>
+            </a:schemeClr>
+          </a:lnRef>
+          <a:fillRef idx="1">
+            <a:schemeClr val="accent1"/>
+          </a:fillRef>
+          <a:effectRef idx="0">
+            <a:schemeClr val="accent1"/>
+          </a:effectRef>
+          <a:fontRef idx="minor">
+            <a:schemeClr val="lt1"/>
+          </a:fontRef>
+        </p:style>
+        <p:txBody>
+          <a:bodyPr rtlCol="0" anchor="ctr"/>
+          <a:lstStyle/>
+          <a:p>
+            <a:pPr algn="ctr"/>
+            <a:endParaRPr lang="de-DE"/>
+          </a:p>
+        </p:txBody>
+      </p:sp>
+      <p:sp>
+        <p:nvSpPr>
+          <p:cNvPr id="10" name="Textfeld 9">
+            <a:extLst>
+              <a:ext uri="{FF2B5EF4-FFF2-40B4-BE49-F238E27FC236}">
+                <a16:creationId xmlns:a16="http://schemas.microsoft.com/office/drawing/2014/main" id="{B96C95D4-1518-43A7-B5F6-5BA6B1D86CC4}"/>
+              </a:ext>
+            </a:extLst>
+          </p:cNvPr>
+          <p:cNvSpPr txBox="1"/>
+          <p:nvPr/>
+        </p:nvSpPr>
+        <p:spPr>
+          <a:xfrm rot="5400000">
+            <a:off x="10279853" y="847178"/>
+            <a:ext cx="1463862" cy="369332"/>
+          </a:xfrm>
+          <a:prstGeom prst="rect">
+            <a:avLst/>
+          </a:prstGeom>
+          <a:noFill/>
+        </p:spPr>
+        <p:txBody>
+          <a:bodyPr wrap="none" rtlCol="0">
+            <a:spAutoFit/>
+          </a:bodyPr>
+          <a:lstStyle/>
+          <a:p>
+            <a:r>
+              <a:rPr lang="de-DE" dirty="0" err="1"/>
+              <a:t>Build</a:t>
+            </a:r>
+            <a:r>
+              <a:rPr lang="de-DE" dirty="0"/>
+              <a:t> Pipeline</a:t>
+            </a:r>
+          </a:p>
+        </p:txBody>
+      </p:sp>
+      <p:sp>
+        <p:nvSpPr>
+          <p:cNvPr id="11" name="Rechteck 10">
+            <a:extLst>
+              <a:ext uri="{FF2B5EF4-FFF2-40B4-BE49-F238E27FC236}">
+                <a16:creationId xmlns:a16="http://schemas.microsoft.com/office/drawing/2014/main" id="{DB73179C-B186-490F-B3B7-19EF88FBE970}"/>
+              </a:ext>
+            </a:extLst>
+          </p:cNvPr>
+          <p:cNvSpPr/>
+          <p:nvPr/>
+        </p:nvSpPr>
+        <p:spPr>
+          <a:xfrm>
+            <a:off x="7953639" y="2499402"/>
+            <a:ext cx="1254214" cy="692728"/>
+          </a:xfrm>
+          <a:prstGeom prst="rect">
+            <a:avLst/>
+          </a:prstGeom>
+          <a:solidFill>
+            <a:schemeClr val="tx1"/>
+          </a:solidFill>
+        </p:spPr>
+        <p:style>
+          <a:lnRef idx="2">
+            <a:schemeClr val="accent1">
+              <a:shade val="50000"/>
+            </a:schemeClr>
+          </a:lnRef>
+          <a:fillRef idx="1">
+            <a:schemeClr val="accent1"/>
+          </a:fillRef>
+          <a:effectRef idx="0">
+            <a:schemeClr val="accent1"/>
+          </a:effectRef>
+          <a:fontRef idx="minor">
+            <a:schemeClr val="lt1"/>
+          </a:fontRef>
+        </p:style>
+        <p:txBody>
+          <a:bodyPr rtlCol="0" anchor="ctr"/>
+          <a:lstStyle/>
+          <a:p>
+            <a:pPr algn="ctr"/>
+            <a:r>
+              <a:rPr lang="de-DE" dirty="0">
+                <a:solidFill>
+                  <a:schemeClr val="bg1"/>
+                </a:solidFill>
+              </a:rPr>
+              <a:t>HTML, CSS, JS </a:t>
+            </a:r>
+          </a:p>
+        </p:txBody>
+      </p:sp>
+      <p:grpSp>
+        <p:nvGrpSpPr>
+          <p:cNvPr id="18" name="Gruppieren 17">
+            <a:extLst>
+              <a:ext uri="{FF2B5EF4-FFF2-40B4-BE49-F238E27FC236}">
+                <a16:creationId xmlns:a16="http://schemas.microsoft.com/office/drawing/2014/main" id="{3B288A4C-A69E-45BA-985D-4FDA752BE6F8}"/>
+              </a:ext>
+            </a:extLst>
+          </p:cNvPr>
+          <p:cNvGrpSpPr/>
+          <p:nvPr/>
+        </p:nvGrpSpPr>
+        <p:grpSpPr>
+          <a:xfrm rot="1533681">
+            <a:off x="5500654" y="3113581"/>
+            <a:ext cx="2421904" cy="692728"/>
+            <a:chOff x="5845127" y="2411279"/>
+            <a:chExt cx="2421904" cy="692728"/>
+          </a:xfrm>
+        </p:grpSpPr>
+        <p:sp>
+          <p:nvSpPr>
+            <p:cNvPr id="13" name="Pfeil: nach rechts 12">
+              <a:extLst>
+                <a:ext uri="{FF2B5EF4-FFF2-40B4-BE49-F238E27FC236}">
+                  <a16:creationId xmlns:a16="http://schemas.microsoft.com/office/drawing/2014/main" id="{9843BAAF-8645-4C97-9E5D-804841EF525E}"/>
+                </a:ext>
+              </a:extLst>
+            </p:cNvPr>
+            <p:cNvSpPr/>
+            <p:nvPr/>
+          </p:nvSpPr>
+          <p:spPr>
+            <a:xfrm rot="8613553">
+              <a:off x="5845127" y="2411279"/>
+              <a:ext cx="2421904" cy="692728"/>
+            </a:xfrm>
+            <a:prstGeom prst="rightArrow">
+              <a:avLst/>
+            </a:prstGeom>
+          </p:spPr>
+          <p:style>
+            <a:lnRef idx="2">
+              <a:schemeClr val="accent1">
+                <a:shade val="50000"/>
+              </a:schemeClr>
+            </a:lnRef>
+            <a:fillRef idx="1">
+              <a:schemeClr val="accent1"/>
+            </a:fillRef>
+            <a:effectRef idx="0">
+              <a:schemeClr val="accent1"/>
+            </a:effectRef>
+            <a:fontRef idx="minor">
+              <a:schemeClr val="lt1"/>
+            </a:fontRef>
+          </p:style>
+          <p:txBody>
+            <a:bodyPr rtlCol="0" anchor="ctr"/>
+            <a:lstStyle/>
+            <a:p>
+              <a:pPr algn="ctr"/>
+              <a:endParaRPr lang="de-DE" dirty="0">
+                <a:solidFill>
+                  <a:schemeClr val="tx1"/>
+                </a:solidFill>
+              </a:endParaRPr>
+            </a:p>
+          </p:txBody>
+        </p:sp>
+        <p:sp>
+          <p:nvSpPr>
+            <p:cNvPr id="14" name="Textfeld 13">
+              <a:extLst>
+                <a:ext uri="{FF2B5EF4-FFF2-40B4-BE49-F238E27FC236}">
+                  <a16:creationId xmlns:a16="http://schemas.microsoft.com/office/drawing/2014/main" id="{49F09BC1-0FAB-4D55-8E36-30FBADD18CF1}"/>
+                </a:ext>
+              </a:extLst>
+            </p:cNvPr>
+            <p:cNvSpPr txBox="1"/>
+            <p:nvPr/>
+          </p:nvSpPr>
+          <p:spPr>
+            <a:xfrm rot="19384593">
+              <a:off x="5966177" y="2525591"/>
+              <a:ext cx="2253566" cy="369332"/>
+            </a:xfrm>
+            <a:prstGeom prst="rect">
+              <a:avLst/>
+            </a:prstGeom>
+            <a:noFill/>
+          </p:spPr>
+          <p:txBody>
+            <a:bodyPr wrap="none" rtlCol="0">
+              <a:spAutoFit/>
+            </a:bodyPr>
+            <a:lstStyle/>
+            <a:p>
+              <a:r>
+                <a:rPr lang="de-DE" dirty="0"/>
+                <a:t>Copy </a:t>
+              </a:r>
+              <a:r>
+                <a:rPr lang="de-DE" dirty="0" err="1"/>
+                <a:t>deployables</a:t>
+              </a:r>
+              <a:r>
+                <a:rPr lang="de-DE" dirty="0"/>
+                <a:t> </a:t>
+              </a:r>
+              <a:r>
+                <a:rPr lang="de-DE" dirty="0" err="1"/>
+                <a:t>into</a:t>
+              </a:r>
+              <a:endParaRPr lang="de-DE" dirty="0"/>
+            </a:p>
+          </p:txBody>
+        </p:sp>
+      </p:grpSp>
+      <p:sp>
+        <p:nvSpPr>
+          <p:cNvPr id="16" name="Rechteck 15">
+            <a:extLst>
+              <a:ext uri="{FF2B5EF4-FFF2-40B4-BE49-F238E27FC236}">
+                <a16:creationId xmlns:a16="http://schemas.microsoft.com/office/drawing/2014/main" id="{66E847D8-2E09-4247-8B66-ACC800393F91}"/>
+              </a:ext>
+            </a:extLst>
+          </p:cNvPr>
+          <p:cNvSpPr/>
+          <p:nvPr/>
+        </p:nvSpPr>
+        <p:spPr>
+          <a:xfrm>
+            <a:off x="9259698" y="680629"/>
+            <a:ext cx="1603720" cy="3926310"/>
+          </a:xfrm>
+          <a:prstGeom prst="rect">
+            <a:avLst/>
+          </a:prstGeom>
+          <a:solidFill>
+            <a:schemeClr val="tx1"/>
+          </a:solidFill>
+        </p:spPr>
+        <p:style>
+          <a:lnRef idx="2">
+            <a:schemeClr val="accent1">
+              <a:shade val="50000"/>
+            </a:schemeClr>
+          </a:lnRef>
+          <a:fillRef idx="1">
+            <a:schemeClr val="accent1"/>
+          </a:fillRef>
+          <a:effectRef idx="0">
+            <a:schemeClr val="accent1"/>
+          </a:effectRef>
+          <a:fontRef idx="minor">
+            <a:schemeClr val="lt1"/>
+          </a:fontRef>
+        </p:style>
+        <p:txBody>
+          <a:bodyPr rtlCol="0" anchor="ctr"/>
+          <a:lstStyle/>
+          <a:p>
+            <a:pPr algn="ctr"/>
+            <a:r>
+              <a:rPr lang="de-DE" dirty="0" err="1">
+                <a:solidFill>
+                  <a:schemeClr val="bg1"/>
+                </a:solidFill>
+              </a:rPr>
+              <a:t>Deployable</a:t>
+            </a:r>
+            <a:r>
+              <a:rPr lang="de-DE" dirty="0">
+                <a:solidFill>
+                  <a:schemeClr val="bg1"/>
+                </a:solidFill>
+              </a:rPr>
+              <a:t> Test-JAR</a:t>
+            </a:r>
+          </a:p>
+          <a:p>
+            <a:pPr algn="ctr"/>
+            <a:r>
+              <a:rPr lang="de-DE" dirty="0">
+                <a:solidFill>
+                  <a:schemeClr val="bg1"/>
+                </a:solidFill>
+              </a:rPr>
+              <a:t>w/o UI,</a:t>
+            </a:r>
+          </a:p>
+          <a:p>
+            <a:pPr algn="ctr"/>
+            <a:r>
+              <a:rPr lang="de-DE" dirty="0" err="1">
+                <a:solidFill>
+                  <a:schemeClr val="bg1"/>
+                </a:solidFill>
+              </a:rPr>
+              <a:t>with</a:t>
+            </a:r>
+            <a:r>
+              <a:rPr lang="de-DE" dirty="0">
+                <a:solidFill>
+                  <a:schemeClr val="bg1"/>
+                </a:solidFill>
+              </a:rPr>
+              <a:t> </a:t>
+            </a:r>
+            <a:r>
+              <a:rPr lang="de-DE" dirty="0" err="1">
+                <a:solidFill>
+                  <a:schemeClr val="bg1"/>
+                </a:solidFill>
+              </a:rPr>
+              <a:t>test</a:t>
+            </a:r>
+            <a:r>
+              <a:rPr lang="de-DE" dirty="0">
+                <a:solidFill>
+                  <a:schemeClr val="bg1"/>
+                </a:solidFill>
+              </a:rPr>
+              <a:t> </a:t>
+            </a:r>
+            <a:r>
+              <a:rPr lang="de-DE" dirty="0" err="1">
+                <a:solidFill>
+                  <a:schemeClr val="bg1"/>
+                </a:solidFill>
+              </a:rPr>
+              <a:t>services</a:t>
+            </a:r>
+            <a:endParaRPr lang="de-DE" dirty="0">
+              <a:solidFill>
+                <a:schemeClr val="bg1"/>
+              </a:solidFill>
+            </a:endParaRPr>
+          </a:p>
+          <a:p>
+            <a:pPr algn="ctr"/>
+            <a:r>
+              <a:rPr lang="de-DE" dirty="0">
+                <a:solidFill>
+                  <a:schemeClr val="bg1"/>
+                </a:solidFill>
+              </a:rPr>
+              <a:t> w/</a:t>
+            </a:r>
+            <a:r>
+              <a:rPr lang="de-DE" dirty="0" err="1">
+                <a:solidFill>
+                  <a:schemeClr val="bg1"/>
+                </a:solidFill>
+              </a:rPr>
+              <a:t>embedded</a:t>
+            </a:r>
+            <a:r>
+              <a:rPr lang="de-DE" dirty="0">
+                <a:solidFill>
+                  <a:schemeClr val="bg1"/>
+                </a:solidFill>
+              </a:rPr>
+              <a:t> </a:t>
+            </a:r>
+            <a:r>
+              <a:rPr lang="de-DE" dirty="0" err="1">
+                <a:solidFill>
+                  <a:schemeClr val="bg1"/>
+                </a:solidFill>
+              </a:rPr>
+              <a:t>Tomcat</a:t>
+            </a:r>
+            <a:r>
+              <a:rPr lang="de-DE" dirty="0">
+                <a:solidFill>
+                  <a:schemeClr val="bg1"/>
+                </a:solidFill>
+              </a:rPr>
+              <a:t> &amp; DB</a:t>
+            </a:r>
+          </a:p>
+        </p:txBody>
+      </p:sp>
+      <p:sp>
+        <p:nvSpPr>
+          <p:cNvPr id="19" name="Pfeil: nach rechts 18">
+            <a:extLst>
+              <a:ext uri="{FF2B5EF4-FFF2-40B4-BE49-F238E27FC236}">
+                <a16:creationId xmlns:a16="http://schemas.microsoft.com/office/drawing/2014/main" id="{6A665729-F7A8-49CC-BBCD-1A947B48D62F}"/>
+              </a:ext>
+            </a:extLst>
+          </p:cNvPr>
+          <p:cNvSpPr/>
+          <p:nvPr/>
+        </p:nvSpPr>
+        <p:spPr>
+          <a:xfrm>
+            <a:off x="5976011" y="1763775"/>
+            <a:ext cx="3135320" cy="692728"/>
+          </a:xfrm>
+          <a:prstGeom prst="rightArrow">
+            <a:avLst/>
+          </a:prstGeom>
+        </p:spPr>
+        <p:style>
+          <a:lnRef idx="2">
+            <a:schemeClr val="accent1">
+              <a:shade val="50000"/>
+            </a:schemeClr>
+          </a:lnRef>
+          <a:fillRef idx="1">
+            <a:schemeClr val="accent1"/>
+          </a:fillRef>
+          <a:effectRef idx="0">
+            <a:schemeClr val="accent1"/>
+          </a:effectRef>
+          <a:fontRef idx="minor">
+            <a:schemeClr val="lt1"/>
+          </a:fontRef>
+        </p:style>
+        <p:txBody>
+          <a:bodyPr rtlCol="0" anchor="ctr"/>
+          <a:lstStyle/>
+          <a:p>
+            <a:r>
+              <a:rPr lang="de-DE" dirty="0">
+                <a:solidFill>
+                  <a:schemeClr val="tx1"/>
+                </a:solidFill>
+              </a:rPr>
+              <a:t>Run </a:t>
+            </a:r>
+            <a:r>
+              <a:rPr lang="de-DE" dirty="0" err="1">
+                <a:solidFill>
+                  <a:schemeClr val="tx1"/>
+                </a:solidFill>
+              </a:rPr>
+              <a:t>webui</a:t>
+            </a:r>
+            <a:r>
+              <a:rPr lang="de-DE" dirty="0">
+                <a:solidFill>
+                  <a:schemeClr val="tx1"/>
+                </a:solidFill>
+              </a:rPr>
+              <a:t> </a:t>
+            </a:r>
+            <a:r>
+              <a:rPr lang="de-DE" dirty="0" err="1">
+                <a:solidFill>
+                  <a:schemeClr val="tx1"/>
+                </a:solidFill>
+              </a:rPr>
+              <a:t>tests</a:t>
+            </a:r>
+            <a:r>
+              <a:rPr lang="de-DE" dirty="0">
+                <a:solidFill>
+                  <a:schemeClr val="tx1"/>
+                </a:solidFill>
+              </a:rPr>
+              <a:t> </a:t>
+            </a:r>
+            <a:r>
+              <a:rPr lang="de-DE" dirty="0" err="1">
+                <a:solidFill>
+                  <a:schemeClr val="tx1"/>
+                </a:solidFill>
+              </a:rPr>
+              <a:t>using</a:t>
+            </a:r>
+            <a:endParaRPr lang="de-DE" dirty="0">
+              <a:solidFill>
+                <a:schemeClr val="tx1"/>
+              </a:solidFill>
+            </a:endParaRPr>
+          </a:p>
+        </p:txBody>
+      </p:sp>
+      <p:sp>
+        <p:nvSpPr>
+          <p:cNvPr id="20" name="Pfeil: nach rechts 19">
+            <a:extLst>
+              <a:ext uri="{FF2B5EF4-FFF2-40B4-BE49-F238E27FC236}">
+                <a16:creationId xmlns:a16="http://schemas.microsoft.com/office/drawing/2014/main" id="{357B33C2-F828-49A9-9F71-CD4D75E0164F}"/>
+              </a:ext>
+            </a:extLst>
+          </p:cNvPr>
+          <p:cNvSpPr/>
+          <p:nvPr/>
+        </p:nvSpPr>
+        <p:spPr>
+          <a:xfrm>
+            <a:off x="5981827" y="2337348"/>
+            <a:ext cx="1925782" cy="692728"/>
+          </a:xfrm>
+          <a:prstGeom prst="rightArrow">
+            <a:avLst/>
+          </a:prstGeom>
+        </p:spPr>
+        <p:style>
+          <a:lnRef idx="2">
+            <a:schemeClr val="accent1">
+              <a:shade val="50000"/>
+            </a:schemeClr>
+          </a:lnRef>
+          <a:fillRef idx="1">
+            <a:schemeClr val="accent1"/>
+          </a:fillRef>
+          <a:effectRef idx="0">
+            <a:schemeClr val="accent1"/>
+          </a:effectRef>
+          <a:fontRef idx="minor">
+            <a:schemeClr val="lt1"/>
+          </a:fontRef>
+        </p:style>
+        <p:txBody>
+          <a:bodyPr rtlCol="0" anchor="ctr"/>
+          <a:lstStyle/>
+          <a:p>
+            <a:r>
+              <a:rPr lang="de-DE" dirty="0" err="1">
+                <a:solidFill>
+                  <a:schemeClr val="tx1"/>
+                </a:solidFill>
+              </a:rPr>
+              <a:t>Build</a:t>
+            </a:r>
+            <a:endParaRPr lang="de-DE" dirty="0">
+              <a:solidFill>
+                <a:schemeClr val="tx1"/>
+              </a:solidFill>
+            </a:endParaRPr>
+          </a:p>
+        </p:txBody>
+      </p:sp>
+      <p:sp>
+        <p:nvSpPr>
+          <p:cNvPr id="15" name="Pfeil: nach rechts 14">
+            <a:extLst>
+              <a:ext uri="{FF2B5EF4-FFF2-40B4-BE49-F238E27FC236}">
+                <a16:creationId xmlns:a16="http://schemas.microsoft.com/office/drawing/2014/main" id="{AA7AD6C8-E452-47A0-A4D4-FD34AC0091AD}"/>
+              </a:ext>
+            </a:extLst>
+          </p:cNvPr>
+          <p:cNvSpPr/>
+          <p:nvPr/>
+        </p:nvSpPr>
+        <p:spPr>
+          <a:xfrm>
+            <a:off x="5976012" y="703897"/>
+            <a:ext cx="3135320" cy="692728"/>
+          </a:xfrm>
+          <a:prstGeom prst="rightArrow">
+            <a:avLst/>
+          </a:prstGeom>
+        </p:spPr>
+        <p:style>
+          <a:lnRef idx="2">
+            <a:schemeClr val="accent1">
+              <a:shade val="50000"/>
+            </a:schemeClr>
+          </a:lnRef>
+          <a:fillRef idx="1">
+            <a:schemeClr val="accent1"/>
+          </a:fillRef>
+          <a:effectRef idx="0">
+            <a:schemeClr val="accent1"/>
+          </a:effectRef>
+          <a:fontRef idx="minor">
+            <a:schemeClr val="lt1"/>
+          </a:fontRef>
+        </p:style>
+        <p:txBody>
+          <a:bodyPr rtlCol="0" anchor="ctr"/>
+          <a:lstStyle/>
+          <a:p>
+            <a:r>
+              <a:rPr lang="de-DE" dirty="0" err="1">
+                <a:solidFill>
+                  <a:schemeClr val="tx1"/>
+                </a:solidFill>
+              </a:rPr>
+              <a:t>Build</a:t>
+            </a:r>
+            <a:r>
+              <a:rPr lang="de-DE" dirty="0">
+                <a:solidFill>
+                  <a:schemeClr val="tx1"/>
+                </a:solidFill>
+              </a:rPr>
+              <a:t> and </a:t>
+            </a:r>
+            <a:r>
+              <a:rPr lang="de-DE" dirty="0" err="1">
+                <a:solidFill>
+                  <a:schemeClr val="tx1"/>
+                </a:solidFill>
+              </a:rPr>
+              <a:t>start</a:t>
+            </a:r>
+            <a:r>
+              <a:rPr lang="de-DE" dirty="0">
+                <a:solidFill>
+                  <a:schemeClr val="tx1"/>
+                </a:solidFill>
+              </a:rPr>
+              <a:t>!</a:t>
+            </a:r>
+          </a:p>
+        </p:txBody>
+      </p:sp>
+      <p:sp>
+        <p:nvSpPr>
+          <p:cNvPr id="21" name="Pfeil: nach rechts 20">
+            <a:extLst>
+              <a:ext uri="{FF2B5EF4-FFF2-40B4-BE49-F238E27FC236}">
+                <a16:creationId xmlns:a16="http://schemas.microsoft.com/office/drawing/2014/main" id="{78F15629-48C7-43C2-B228-BEEDF5F44BBB}"/>
+              </a:ext>
+            </a:extLst>
+          </p:cNvPr>
+          <p:cNvSpPr/>
+          <p:nvPr/>
+        </p:nvSpPr>
+        <p:spPr>
+          <a:xfrm>
+            <a:off x="5970197" y="3914211"/>
+            <a:ext cx="3237655" cy="692728"/>
+          </a:xfrm>
+          <a:prstGeom prst="rightArrow">
+            <a:avLst/>
+          </a:prstGeom>
+        </p:spPr>
+        <p:style>
+          <a:lnRef idx="2">
+            <a:schemeClr val="accent1">
+              <a:shade val="50000"/>
+            </a:schemeClr>
+          </a:lnRef>
+          <a:fillRef idx="1">
+            <a:schemeClr val="accent1"/>
+          </a:fillRef>
+          <a:effectRef idx="0">
+            <a:schemeClr val="accent1"/>
+          </a:effectRef>
+          <a:fontRef idx="minor">
+            <a:schemeClr val="lt1"/>
+          </a:fontRef>
+        </p:style>
+        <p:txBody>
+          <a:bodyPr rtlCol="0" anchor="ctr"/>
+          <a:lstStyle/>
+          <a:p>
+            <a:r>
+              <a:rPr lang="de-DE" dirty="0">
+                <a:solidFill>
+                  <a:schemeClr val="tx1"/>
+                </a:solidFill>
+              </a:rPr>
+              <a:t>Run </a:t>
+            </a:r>
+            <a:r>
+              <a:rPr lang="de-DE" dirty="0" err="1">
+                <a:solidFill>
+                  <a:schemeClr val="tx1"/>
+                </a:solidFill>
+              </a:rPr>
+              <a:t>service</a:t>
+            </a:r>
+            <a:r>
+              <a:rPr lang="de-DE" dirty="0">
+                <a:solidFill>
+                  <a:schemeClr val="tx1"/>
+                </a:solidFill>
+              </a:rPr>
+              <a:t> </a:t>
+            </a:r>
+            <a:r>
+              <a:rPr lang="de-DE" dirty="0" err="1">
+                <a:solidFill>
+                  <a:schemeClr val="tx1"/>
+                </a:solidFill>
+              </a:rPr>
+              <a:t>tests</a:t>
+            </a:r>
+            <a:r>
+              <a:rPr lang="de-DE" dirty="0">
+                <a:solidFill>
+                  <a:schemeClr val="tx1"/>
+                </a:solidFill>
+              </a:rPr>
+              <a:t> </a:t>
+            </a:r>
+            <a:r>
+              <a:rPr lang="de-DE" dirty="0" err="1">
+                <a:solidFill>
+                  <a:schemeClr val="tx1"/>
+                </a:solidFill>
+              </a:rPr>
+              <a:t>using</a:t>
+            </a:r>
+            <a:endParaRPr lang="de-DE" dirty="0">
+              <a:solidFill>
+                <a:schemeClr val="tx1"/>
+              </a:solidFill>
+            </a:endParaRPr>
+          </a:p>
+        </p:txBody>
+      </p:sp>
+      <p:sp>
+        <p:nvSpPr>
+          <p:cNvPr id="8" name="Pfeil: nach rechts 7">
+            <a:extLst>
+              <a:ext uri="{FF2B5EF4-FFF2-40B4-BE49-F238E27FC236}">
+                <a16:creationId xmlns:a16="http://schemas.microsoft.com/office/drawing/2014/main" id="{0804092C-5C87-4879-9A5A-079BDA6ACC1D}"/>
+              </a:ext>
+            </a:extLst>
+          </p:cNvPr>
+          <p:cNvSpPr/>
+          <p:nvPr/>
+        </p:nvSpPr>
+        <p:spPr>
+          <a:xfrm>
+            <a:off x="5970197" y="4685006"/>
+            <a:ext cx="3226025" cy="692728"/>
+          </a:xfrm>
+          <a:prstGeom prst="rightArrow">
+            <a:avLst/>
+          </a:prstGeom>
+        </p:spPr>
+        <p:style>
+          <a:lnRef idx="2">
+            <a:schemeClr val="accent1">
+              <a:shade val="50000"/>
+            </a:schemeClr>
+          </a:lnRef>
+          <a:fillRef idx="1">
+            <a:schemeClr val="accent1"/>
+          </a:fillRef>
+          <a:effectRef idx="0">
+            <a:schemeClr val="accent1"/>
+          </a:effectRef>
+          <a:fontRef idx="minor">
+            <a:schemeClr val="lt1"/>
+          </a:fontRef>
+        </p:style>
+        <p:txBody>
+          <a:bodyPr rtlCol="0" anchor="ctr"/>
+          <a:lstStyle/>
+          <a:p>
+            <a:r>
+              <a:rPr lang="de-DE" dirty="0" err="1">
+                <a:solidFill>
+                  <a:schemeClr val="tx1"/>
+                </a:solidFill>
+              </a:rPr>
+              <a:t>Build</a:t>
+            </a:r>
+            <a:r>
+              <a:rPr lang="de-DE" dirty="0">
+                <a:solidFill>
+                  <a:schemeClr val="tx1"/>
+                </a:solidFill>
+              </a:rPr>
+              <a:t> </a:t>
+            </a:r>
+            <a:r>
+              <a:rPr lang="de-DE" dirty="0" err="1">
+                <a:solidFill>
+                  <a:schemeClr val="tx1"/>
+                </a:solidFill>
+              </a:rPr>
+              <a:t>overall</a:t>
+            </a:r>
+            <a:r>
+              <a:rPr lang="de-DE" dirty="0">
+                <a:solidFill>
+                  <a:schemeClr val="tx1"/>
+                </a:solidFill>
+              </a:rPr>
+              <a:t> </a:t>
+            </a:r>
+            <a:r>
+              <a:rPr lang="de-DE" dirty="0" err="1">
+                <a:solidFill>
+                  <a:schemeClr val="tx1"/>
+                </a:solidFill>
+              </a:rPr>
+              <a:t>application</a:t>
+            </a:r>
+            <a:endParaRPr lang="de-DE" dirty="0">
+              <a:solidFill>
+                <a:schemeClr val="tx1"/>
+              </a:solidFill>
+            </a:endParaRPr>
+          </a:p>
+        </p:txBody>
+      </p:sp>
+      <p:sp>
+        <p:nvSpPr>
+          <p:cNvPr id="22" name="Rechteck 21">
+            <a:extLst>
+              <a:ext uri="{FF2B5EF4-FFF2-40B4-BE49-F238E27FC236}">
+                <a16:creationId xmlns:a16="http://schemas.microsoft.com/office/drawing/2014/main" id="{96286F04-7D64-432D-A9A6-03E2C742A4DE}"/>
+              </a:ext>
+            </a:extLst>
+          </p:cNvPr>
+          <p:cNvSpPr/>
+          <p:nvPr/>
+        </p:nvSpPr>
+        <p:spPr>
+          <a:xfrm>
+            <a:off x="9259698" y="4685005"/>
+            <a:ext cx="1567419" cy="1492365"/>
+          </a:xfrm>
+          <a:prstGeom prst="rect">
+            <a:avLst/>
+          </a:prstGeom>
+          <a:solidFill>
+            <a:schemeClr val="tx1"/>
+          </a:solidFill>
+        </p:spPr>
+        <p:style>
+          <a:lnRef idx="2">
+            <a:schemeClr val="accent1">
+              <a:shade val="50000"/>
+            </a:schemeClr>
+          </a:lnRef>
+          <a:fillRef idx="1">
+            <a:schemeClr val="accent1"/>
+          </a:fillRef>
+          <a:effectRef idx="0">
+            <a:schemeClr val="accent1"/>
+          </a:effectRef>
+          <a:fontRef idx="minor">
+            <a:schemeClr val="lt1"/>
+          </a:fontRef>
+        </p:style>
+        <p:txBody>
+          <a:bodyPr rtlCol="0" anchor="ctr"/>
+          <a:lstStyle/>
+          <a:p>
+            <a:pPr algn="ctr"/>
+            <a:r>
+              <a:rPr lang="de-DE" dirty="0">
+                <a:solidFill>
+                  <a:schemeClr val="bg1"/>
+                </a:solidFill>
+              </a:rPr>
+              <a:t>Product-JAR w/</a:t>
+            </a:r>
+            <a:r>
+              <a:rPr lang="de-DE" dirty="0" err="1">
+                <a:solidFill>
+                  <a:schemeClr val="bg1"/>
+                </a:solidFill>
+              </a:rPr>
+              <a:t>embedded</a:t>
+            </a:r>
+            <a:r>
+              <a:rPr lang="de-DE" dirty="0">
+                <a:solidFill>
+                  <a:schemeClr val="bg1"/>
+                </a:solidFill>
+              </a:rPr>
+              <a:t> </a:t>
+            </a:r>
+            <a:r>
+              <a:rPr lang="de-DE" dirty="0" err="1">
+                <a:solidFill>
+                  <a:schemeClr val="bg1"/>
+                </a:solidFill>
+              </a:rPr>
+              <a:t>Tomcat</a:t>
+            </a:r>
+            <a:r>
+              <a:rPr lang="de-DE" dirty="0">
+                <a:solidFill>
+                  <a:schemeClr val="bg1"/>
+                </a:solidFill>
+              </a:rPr>
+              <a:t> &amp; DB</a:t>
+            </a:r>
+          </a:p>
+        </p:txBody>
+      </p:sp>
+      <p:sp>
+        <p:nvSpPr>
+          <p:cNvPr id="23" name="Rechteck 22">
+            <a:extLst>
+              <a:ext uri="{FF2B5EF4-FFF2-40B4-BE49-F238E27FC236}">
+                <a16:creationId xmlns:a16="http://schemas.microsoft.com/office/drawing/2014/main" id="{CE6EA9E6-F475-437E-AACD-FB6606CA4D23}"/>
+              </a:ext>
+            </a:extLst>
+          </p:cNvPr>
+          <p:cNvSpPr/>
+          <p:nvPr/>
+        </p:nvSpPr>
+        <p:spPr>
+          <a:xfrm>
+            <a:off x="263236" y="5574541"/>
+            <a:ext cx="5486401" cy="849826"/>
+          </a:xfrm>
+          <a:prstGeom prst="rect">
+            <a:avLst/>
+          </a:prstGeom>
+        </p:spPr>
+        <p:style>
+          <a:lnRef idx="2">
+            <a:schemeClr val="accent1">
+              <a:shade val="50000"/>
+            </a:schemeClr>
+          </a:lnRef>
+          <a:fillRef idx="1">
+            <a:schemeClr val="accent1"/>
+          </a:fillRef>
+          <a:effectRef idx="0">
+            <a:schemeClr val="accent1"/>
+          </a:effectRef>
+          <a:fontRef idx="minor">
+            <a:schemeClr val="lt1"/>
+          </a:fontRef>
+        </p:style>
+        <p:txBody>
+          <a:bodyPr rtlCol="0" anchor="ctr"/>
+          <a:lstStyle/>
+          <a:p>
+            <a:pPr algn="ctr"/>
+            <a:r>
+              <a:rPr lang="de-DE" dirty="0">
+                <a:solidFill>
+                  <a:schemeClr val="tx1"/>
+                </a:solidFill>
+              </a:rPr>
+              <a:t>System Test Project – </a:t>
+            </a:r>
+            <a:r>
+              <a:rPr lang="de-DE" dirty="0" err="1">
+                <a:solidFill>
+                  <a:schemeClr val="tx1"/>
+                </a:solidFill>
+              </a:rPr>
+              <a:t>Selenium</a:t>
+            </a:r>
+            <a:r>
+              <a:rPr lang="de-DE" dirty="0">
+                <a:solidFill>
+                  <a:schemeClr val="tx1"/>
+                </a:solidFill>
+              </a:rPr>
+              <a:t> Tests</a:t>
+            </a:r>
+          </a:p>
+          <a:p>
+            <a:pPr algn="ctr"/>
+            <a:r>
+              <a:rPr lang="de-DE" dirty="0" err="1">
+                <a:solidFill>
+                  <a:schemeClr val="tx1"/>
+                </a:solidFill>
+              </a:rPr>
+              <a:t>de.rdnp.preflight.test</a:t>
+            </a:r>
+            <a:endParaRPr lang="de-DE" i="1" dirty="0">
+              <a:solidFill>
+                <a:schemeClr val="tx1"/>
+              </a:solidFill>
+            </a:endParaRPr>
+          </a:p>
+        </p:txBody>
+      </p:sp>
+      <p:sp>
+        <p:nvSpPr>
+          <p:cNvPr id="24" name="Pfeil: nach rechts 23">
+            <a:extLst>
+              <a:ext uri="{FF2B5EF4-FFF2-40B4-BE49-F238E27FC236}">
+                <a16:creationId xmlns:a16="http://schemas.microsoft.com/office/drawing/2014/main" id="{36335172-B635-4E97-B288-9A04E25BB746}"/>
+              </a:ext>
+            </a:extLst>
+          </p:cNvPr>
+          <p:cNvSpPr/>
+          <p:nvPr/>
+        </p:nvSpPr>
+        <p:spPr>
+          <a:xfrm>
+            <a:off x="5970196" y="5653090"/>
+            <a:ext cx="3226025" cy="692728"/>
+          </a:xfrm>
+          <a:prstGeom prst="rightArrow">
+            <a:avLst/>
+          </a:prstGeom>
+        </p:spPr>
+        <p:style>
+          <a:lnRef idx="2">
+            <a:schemeClr val="accent1">
+              <a:shade val="50000"/>
+            </a:schemeClr>
+          </a:lnRef>
+          <a:fillRef idx="1">
+            <a:schemeClr val="accent1"/>
+          </a:fillRef>
+          <a:effectRef idx="0">
+            <a:schemeClr val="accent1"/>
+          </a:effectRef>
+          <a:fontRef idx="minor">
+            <a:schemeClr val="lt1"/>
+          </a:fontRef>
+        </p:style>
+        <p:txBody>
+          <a:bodyPr rtlCol="0" anchor="ctr"/>
+          <a:lstStyle/>
+          <a:p>
+            <a:r>
+              <a:rPr lang="de-DE" dirty="0">
+                <a:solidFill>
+                  <a:schemeClr val="tx1"/>
+                </a:solidFill>
+              </a:rPr>
+              <a:t>Run </a:t>
+            </a:r>
+            <a:r>
+              <a:rPr lang="de-DE" dirty="0" err="1">
+                <a:solidFill>
+                  <a:schemeClr val="tx1"/>
+                </a:solidFill>
+              </a:rPr>
+              <a:t>tests</a:t>
+            </a:r>
+            <a:endParaRPr lang="de-DE" dirty="0">
+              <a:solidFill>
+                <a:schemeClr val="tx1"/>
+              </a:solidFill>
+            </a:endParaRPr>
+          </a:p>
+        </p:txBody>
+      </p:sp>
+    </p:spTree>
+    <p:extLst>
+      <p:ext uri="{BB962C8B-B14F-4D97-AF65-F5344CB8AC3E}">
+        <p14:creationId xmlns:p14="http://schemas.microsoft.com/office/powerpoint/2010/main" val="2034121769"/>
+      </p:ext>
+    </p:extLst>
+  </p:cSld>
+  <p:clrMapOvr>
+    <a:masterClrMapping/>
+  </p:clrMapOvr>
+</p:sld>
+</file>
+
 <file path=ppt/theme/theme1.xml><?xml version="1.0" encoding="utf-8"?>
 <a:theme xmlns:a="http://schemas.openxmlformats.org/drawingml/2006/main" name="Office">
   <a:themeElements>

--- a/de.rdnp.preflight.architecture/doc/Drawings.pptx
+++ b/de.rdnp.preflight.architecture/doc/Drawings.pptx
@@ -10,6 +10,7 @@
     <p:sldId id="259" r:id="rId4"/>
     <p:sldId id="260" r:id="rId5"/>
     <p:sldId id="261" r:id="rId6"/>
+    <p:sldId id="262" r:id="rId7"/>
   </p:sldIdLst>
   <p:sldSz cx="12192000" cy="6858000"/>
   <p:notesSz cx="6858000" cy="9144000"/>
@@ -263,7 +264,7 @@
           <a:p>
             <a:fld id="{C4675E62-1FC4-4F30-8C85-2A3A0655F04F}" type="datetimeFigureOut">
               <a:rPr lang="de-DE" smtClean="0"/>
-              <a:t>07.12.2019</a:t>
+              <a:t>19.12.2019</a:t>
             </a:fld>
             <a:endParaRPr lang="de-DE"/>
           </a:p>
@@ -461,7 +462,7 @@
           <a:p>
             <a:fld id="{C4675E62-1FC4-4F30-8C85-2A3A0655F04F}" type="datetimeFigureOut">
               <a:rPr lang="de-DE" smtClean="0"/>
-              <a:t>07.12.2019</a:t>
+              <a:t>19.12.2019</a:t>
             </a:fld>
             <a:endParaRPr lang="de-DE"/>
           </a:p>
@@ -669,7 +670,7 @@
           <a:p>
             <a:fld id="{C4675E62-1FC4-4F30-8C85-2A3A0655F04F}" type="datetimeFigureOut">
               <a:rPr lang="de-DE" smtClean="0"/>
-              <a:t>07.12.2019</a:t>
+              <a:t>19.12.2019</a:t>
             </a:fld>
             <a:endParaRPr lang="de-DE"/>
           </a:p>
@@ -867,7 +868,7 @@
           <a:p>
             <a:fld id="{C4675E62-1FC4-4F30-8C85-2A3A0655F04F}" type="datetimeFigureOut">
               <a:rPr lang="de-DE" smtClean="0"/>
-              <a:t>07.12.2019</a:t>
+              <a:t>19.12.2019</a:t>
             </a:fld>
             <a:endParaRPr lang="de-DE"/>
           </a:p>
@@ -1142,7 +1143,7 @@
           <a:p>
             <a:fld id="{C4675E62-1FC4-4F30-8C85-2A3A0655F04F}" type="datetimeFigureOut">
               <a:rPr lang="de-DE" smtClean="0"/>
-              <a:t>07.12.2019</a:t>
+              <a:t>19.12.2019</a:t>
             </a:fld>
             <a:endParaRPr lang="de-DE"/>
           </a:p>
@@ -1407,7 +1408,7 @@
           <a:p>
             <a:fld id="{C4675E62-1FC4-4F30-8C85-2A3A0655F04F}" type="datetimeFigureOut">
               <a:rPr lang="de-DE" smtClean="0"/>
-              <a:t>07.12.2019</a:t>
+              <a:t>19.12.2019</a:t>
             </a:fld>
             <a:endParaRPr lang="de-DE"/>
           </a:p>
@@ -1819,7 +1820,7 @@
           <a:p>
             <a:fld id="{C4675E62-1FC4-4F30-8C85-2A3A0655F04F}" type="datetimeFigureOut">
               <a:rPr lang="de-DE" smtClean="0"/>
-              <a:t>07.12.2019</a:t>
+              <a:t>19.12.2019</a:t>
             </a:fld>
             <a:endParaRPr lang="de-DE"/>
           </a:p>
@@ -1960,7 +1961,7 @@
           <a:p>
             <a:fld id="{C4675E62-1FC4-4F30-8C85-2A3A0655F04F}" type="datetimeFigureOut">
               <a:rPr lang="de-DE" smtClean="0"/>
-              <a:t>07.12.2019</a:t>
+              <a:t>19.12.2019</a:t>
             </a:fld>
             <a:endParaRPr lang="de-DE"/>
           </a:p>
@@ -2073,7 +2074,7 @@
           <a:p>
             <a:fld id="{C4675E62-1FC4-4F30-8C85-2A3A0655F04F}" type="datetimeFigureOut">
               <a:rPr lang="de-DE" smtClean="0"/>
-              <a:t>07.12.2019</a:t>
+              <a:t>19.12.2019</a:t>
             </a:fld>
             <a:endParaRPr lang="de-DE"/>
           </a:p>
@@ -2384,7 +2385,7 @@
           <a:p>
             <a:fld id="{C4675E62-1FC4-4F30-8C85-2A3A0655F04F}" type="datetimeFigureOut">
               <a:rPr lang="de-DE" smtClean="0"/>
-              <a:t>07.12.2019</a:t>
+              <a:t>19.12.2019</a:t>
             </a:fld>
             <a:endParaRPr lang="de-DE"/>
           </a:p>
@@ -2672,7 +2673,7 @@
           <a:p>
             <a:fld id="{C4675E62-1FC4-4F30-8C85-2A3A0655F04F}" type="datetimeFigureOut">
               <a:rPr lang="de-DE" smtClean="0"/>
-              <a:t>07.12.2019</a:t>
+              <a:t>19.12.2019</a:t>
             </a:fld>
             <a:endParaRPr lang="de-DE"/>
           </a:p>
@@ -2913,7 +2914,7 @@
           <a:p>
             <a:fld id="{C4675E62-1FC4-4F30-8C85-2A3A0655F04F}" type="datetimeFigureOut">
               <a:rPr lang="de-DE" smtClean="0"/>
-              <a:t>07.12.2019</a:t>
+              <a:t>19.12.2019</a:t>
             </a:fld>
             <a:endParaRPr lang="de-DE"/>
           </a:p>
@@ -11187,6 +11188,792 @@
 </p:sld>
 </file>
 
+<file path=ppt/slides/slide6.xml><?xml version="1.0" encoding="utf-8"?>
+<p:sld xmlns:a="http://schemas.openxmlformats.org/drawingml/2006/main" xmlns:r="http://schemas.openxmlformats.org/officeDocument/2006/relationships" xmlns:p="http://schemas.openxmlformats.org/presentationml/2006/main">
+  <p:cSld>
+    <p:spTree>
+      <p:nvGrpSpPr>
+        <p:cNvPr id="1" name=""/>
+        <p:cNvGrpSpPr/>
+        <p:nvPr/>
+      </p:nvGrpSpPr>
+      <p:grpSpPr>
+        <a:xfrm>
+          <a:off x="0" y="0"/>
+          <a:ext cx="0" cy="0"/>
+          <a:chOff x="0" y="0"/>
+          <a:chExt cx="0" cy="0"/>
+        </a:xfrm>
+      </p:grpSpPr>
+      <p:sp>
+        <p:nvSpPr>
+          <p:cNvPr id="2" name="Rechteck 1">
+            <a:extLst>
+              <a:ext uri="{FF2B5EF4-FFF2-40B4-BE49-F238E27FC236}">
+                <a16:creationId xmlns:a16="http://schemas.microsoft.com/office/drawing/2014/main" id="{FB4B0D6D-5891-40C6-BE91-4CE912FC33A1}"/>
+              </a:ext>
+            </a:extLst>
+          </p:cNvPr>
+          <p:cNvSpPr/>
+          <p:nvPr/>
+        </p:nvSpPr>
+        <p:spPr>
+          <a:xfrm>
+            <a:off x="1020932" y="1091953"/>
+            <a:ext cx="1837678" cy="1305018"/>
+          </a:xfrm>
+          <a:prstGeom prst="rect">
+            <a:avLst/>
+          </a:prstGeom>
+        </p:spPr>
+        <p:style>
+          <a:lnRef idx="2">
+            <a:schemeClr val="accent1">
+              <a:shade val="50000"/>
+            </a:schemeClr>
+          </a:lnRef>
+          <a:fillRef idx="1">
+            <a:schemeClr val="accent1"/>
+          </a:fillRef>
+          <a:effectRef idx="0">
+            <a:schemeClr val="accent1"/>
+          </a:effectRef>
+          <a:fontRef idx="minor">
+            <a:schemeClr val="lt1"/>
+          </a:fontRef>
+        </p:style>
+        <p:txBody>
+          <a:bodyPr rtlCol="0" anchor="ctr"/>
+          <a:lstStyle/>
+          <a:p>
+            <a:pPr algn="ctr"/>
+            <a:r>
+              <a:rPr lang="de-DE" dirty="0">
+                <a:solidFill>
+                  <a:schemeClr val="tx1"/>
+                </a:solidFill>
+              </a:rPr>
+              <a:t>Web UI</a:t>
+            </a:r>
+          </a:p>
+        </p:txBody>
+      </p:sp>
+      <p:sp>
+        <p:nvSpPr>
+          <p:cNvPr id="3" name="Rechteck 2">
+            <a:extLst>
+              <a:ext uri="{FF2B5EF4-FFF2-40B4-BE49-F238E27FC236}">
+                <a16:creationId xmlns:a16="http://schemas.microsoft.com/office/drawing/2014/main" id="{26C119B7-529B-420B-B7B6-2040FC2A3670}"/>
+              </a:ext>
+            </a:extLst>
+          </p:cNvPr>
+          <p:cNvSpPr/>
+          <p:nvPr/>
+        </p:nvSpPr>
+        <p:spPr>
+          <a:xfrm>
+            <a:off x="4136995" y="1091953"/>
+            <a:ext cx="1837678" cy="1305018"/>
+          </a:xfrm>
+          <a:prstGeom prst="rect">
+            <a:avLst/>
+          </a:prstGeom>
+        </p:spPr>
+        <p:style>
+          <a:lnRef idx="2">
+            <a:schemeClr val="accent1">
+              <a:shade val="50000"/>
+            </a:schemeClr>
+          </a:lnRef>
+          <a:fillRef idx="1">
+            <a:schemeClr val="accent1"/>
+          </a:fillRef>
+          <a:effectRef idx="0">
+            <a:schemeClr val="accent1"/>
+          </a:effectRef>
+          <a:fontRef idx="minor">
+            <a:schemeClr val="lt1"/>
+          </a:fontRef>
+        </p:style>
+        <p:txBody>
+          <a:bodyPr rtlCol="0" anchor="ctr"/>
+          <a:lstStyle/>
+          <a:p>
+            <a:pPr algn="ctr"/>
+            <a:r>
+              <a:rPr lang="de-DE" dirty="0">
+                <a:solidFill>
+                  <a:schemeClr val="tx1"/>
+                </a:solidFill>
+              </a:rPr>
+              <a:t>Flight Editor </a:t>
+            </a:r>
+            <a:r>
+              <a:rPr lang="de-DE" dirty="0" err="1">
+                <a:solidFill>
+                  <a:schemeClr val="tx1"/>
+                </a:solidFill>
+              </a:rPr>
+              <a:t>Component</a:t>
+            </a:r>
+            <a:r>
+              <a:rPr lang="de-DE" dirty="0">
+                <a:solidFill>
+                  <a:schemeClr val="tx1"/>
+                </a:solidFill>
+              </a:rPr>
+              <a:t> (Model: Flight, Route Segments, Trip Segments)</a:t>
+            </a:r>
+          </a:p>
+        </p:txBody>
+      </p:sp>
+      <p:cxnSp>
+        <p:nvCxnSpPr>
+          <p:cNvPr id="5" name="Gerade Verbindung mit Pfeil 4">
+            <a:extLst>
+              <a:ext uri="{FF2B5EF4-FFF2-40B4-BE49-F238E27FC236}">
+                <a16:creationId xmlns:a16="http://schemas.microsoft.com/office/drawing/2014/main" id="{FC4A3FAD-B64E-46D8-9455-C310309A25B9}"/>
+              </a:ext>
+            </a:extLst>
+          </p:cNvPr>
+          <p:cNvCxnSpPr>
+            <a:cxnSpLocks/>
+          </p:cNvCxnSpPr>
+          <p:nvPr/>
+        </p:nvCxnSpPr>
+        <p:spPr>
+          <a:xfrm>
+            <a:off x="2858610" y="1349406"/>
+            <a:ext cx="1278385" cy="0"/>
+          </a:xfrm>
+          <a:prstGeom prst="straightConnector1">
+            <a:avLst/>
+          </a:prstGeom>
+          <a:ln>
+            <a:tailEnd type="triangle"/>
+          </a:ln>
+        </p:spPr>
+        <p:style>
+          <a:lnRef idx="1">
+            <a:schemeClr val="dk1"/>
+          </a:lnRef>
+          <a:fillRef idx="0">
+            <a:schemeClr val="dk1"/>
+          </a:fillRef>
+          <a:effectRef idx="0">
+            <a:schemeClr val="dk1"/>
+          </a:effectRef>
+          <a:fontRef idx="minor">
+            <a:schemeClr val="tx1"/>
+          </a:fontRef>
+        </p:style>
+      </p:cxnSp>
+      <p:sp>
+        <p:nvSpPr>
+          <p:cNvPr id="6" name="Textfeld 5">
+            <a:extLst>
+              <a:ext uri="{FF2B5EF4-FFF2-40B4-BE49-F238E27FC236}">
+                <a16:creationId xmlns:a16="http://schemas.microsoft.com/office/drawing/2014/main" id="{9F564F46-3CC5-4570-914E-E75919EAFE5F}"/>
+              </a:ext>
+            </a:extLst>
+          </p:cNvPr>
+          <p:cNvSpPr txBox="1"/>
+          <p:nvPr/>
+        </p:nvSpPr>
+        <p:spPr>
+          <a:xfrm>
+            <a:off x="2808351" y="1004471"/>
+            <a:ext cx="1378904" cy="1200329"/>
+          </a:xfrm>
+          <a:prstGeom prst="rect">
+            <a:avLst/>
+          </a:prstGeom>
+          <a:noFill/>
+        </p:spPr>
+        <p:txBody>
+          <a:bodyPr wrap="none" rtlCol="0">
+            <a:spAutoFit/>
+          </a:bodyPr>
+          <a:lstStyle/>
+          <a:p>
+            <a:r>
+              <a:rPr lang="de-DE" dirty="0"/>
+              <a:t>Send</a:t>
+            </a:r>
+            <a:br>
+              <a:rPr lang="de-DE" dirty="0"/>
+            </a:br>
+            <a:r>
+              <a:rPr lang="de-DE" dirty="0"/>
+              <a:t>UI </a:t>
+            </a:r>
+            <a:r>
+              <a:rPr lang="de-DE" dirty="0" err="1"/>
+              <a:t>input</a:t>
+            </a:r>
+            <a:endParaRPr lang="de-DE" dirty="0"/>
+          </a:p>
+          <a:p>
+            <a:r>
+              <a:rPr lang="de-DE" dirty="0"/>
+              <a:t>(via </a:t>
+            </a:r>
+            <a:r>
+              <a:rPr lang="de-DE" dirty="0" err="1"/>
+              <a:t>accessor</a:t>
+            </a:r>
+            <a:endParaRPr lang="de-DE" dirty="0"/>
+          </a:p>
+          <a:p>
+            <a:r>
+              <a:rPr lang="de-DE" dirty="0"/>
+              <a:t>Methods)</a:t>
+            </a:r>
+          </a:p>
+        </p:txBody>
+      </p:sp>
+      <p:sp>
+        <p:nvSpPr>
+          <p:cNvPr id="7" name="Rechteck 6">
+            <a:extLst>
+              <a:ext uri="{FF2B5EF4-FFF2-40B4-BE49-F238E27FC236}">
+                <a16:creationId xmlns:a16="http://schemas.microsoft.com/office/drawing/2014/main" id="{1CADF33F-2ADA-494F-94E4-8B122D0726A1}"/>
+              </a:ext>
+            </a:extLst>
+          </p:cNvPr>
+          <p:cNvSpPr/>
+          <p:nvPr/>
+        </p:nvSpPr>
+        <p:spPr>
+          <a:xfrm>
+            <a:off x="7883373" y="1094169"/>
+            <a:ext cx="1837678" cy="510467"/>
+          </a:xfrm>
+          <a:prstGeom prst="rect">
+            <a:avLst/>
+          </a:prstGeom>
+        </p:spPr>
+        <p:style>
+          <a:lnRef idx="2">
+            <a:schemeClr val="accent1">
+              <a:shade val="50000"/>
+            </a:schemeClr>
+          </a:lnRef>
+          <a:fillRef idx="1">
+            <a:schemeClr val="accent1"/>
+          </a:fillRef>
+          <a:effectRef idx="0">
+            <a:schemeClr val="accent1"/>
+          </a:effectRef>
+          <a:fontRef idx="minor">
+            <a:schemeClr val="lt1"/>
+          </a:fontRef>
+        </p:style>
+        <p:txBody>
+          <a:bodyPr rtlCol="0" anchor="ctr"/>
+          <a:lstStyle/>
+          <a:p>
+            <a:pPr algn="ctr"/>
+            <a:r>
+              <a:rPr lang="de-DE" dirty="0">
+                <a:solidFill>
+                  <a:schemeClr val="tx1"/>
+                </a:solidFill>
+              </a:rPr>
+              <a:t>Input </a:t>
+            </a:r>
+            <a:r>
+              <a:rPr lang="de-DE" dirty="0" err="1">
+                <a:solidFill>
+                  <a:schemeClr val="tx1"/>
+                </a:solidFill>
+              </a:rPr>
+              <a:t>Validator</a:t>
+            </a:r>
+            <a:endParaRPr lang="de-DE" dirty="0">
+              <a:solidFill>
+                <a:schemeClr val="tx1"/>
+              </a:solidFill>
+            </a:endParaRPr>
+          </a:p>
+        </p:txBody>
+      </p:sp>
+      <p:cxnSp>
+        <p:nvCxnSpPr>
+          <p:cNvPr id="9" name="Gerade Verbindung mit Pfeil 8">
+            <a:extLst>
+              <a:ext uri="{FF2B5EF4-FFF2-40B4-BE49-F238E27FC236}">
+                <a16:creationId xmlns:a16="http://schemas.microsoft.com/office/drawing/2014/main" id="{276A2D74-F7FB-4198-BED4-586CFFFD5A08}"/>
+              </a:ext>
+            </a:extLst>
+          </p:cNvPr>
+          <p:cNvCxnSpPr>
+            <a:cxnSpLocks/>
+            <a:endCxn id="7" idx="1"/>
+          </p:cNvCxnSpPr>
+          <p:nvPr/>
+        </p:nvCxnSpPr>
+        <p:spPr>
+          <a:xfrm>
+            <a:off x="5974673" y="1349403"/>
+            <a:ext cx="1908700" cy="0"/>
+          </a:xfrm>
+          <a:prstGeom prst="straightConnector1">
+            <a:avLst/>
+          </a:prstGeom>
+          <a:ln>
+            <a:tailEnd type="triangle"/>
+          </a:ln>
+        </p:spPr>
+        <p:style>
+          <a:lnRef idx="1">
+            <a:schemeClr val="dk1"/>
+          </a:lnRef>
+          <a:fillRef idx="0">
+            <a:schemeClr val="dk1"/>
+          </a:fillRef>
+          <a:effectRef idx="0">
+            <a:schemeClr val="dk1"/>
+          </a:effectRef>
+          <a:fontRef idx="minor">
+            <a:schemeClr val="tx1"/>
+          </a:fontRef>
+        </p:style>
+      </p:cxnSp>
+      <p:sp>
+        <p:nvSpPr>
+          <p:cNvPr id="12" name="Rechteck 11">
+            <a:extLst>
+              <a:ext uri="{FF2B5EF4-FFF2-40B4-BE49-F238E27FC236}">
+                <a16:creationId xmlns:a16="http://schemas.microsoft.com/office/drawing/2014/main" id="{4FBFBB6C-A1F0-4D93-9F4E-DEB6704DE3A2}"/>
+              </a:ext>
+            </a:extLst>
+          </p:cNvPr>
+          <p:cNvSpPr/>
+          <p:nvPr/>
+        </p:nvSpPr>
+        <p:spPr>
+          <a:xfrm>
+            <a:off x="7883373" y="1815438"/>
+            <a:ext cx="1837678" cy="510467"/>
+          </a:xfrm>
+          <a:prstGeom prst="rect">
+            <a:avLst/>
+          </a:prstGeom>
+        </p:spPr>
+        <p:style>
+          <a:lnRef idx="2">
+            <a:schemeClr val="accent1">
+              <a:shade val="50000"/>
+            </a:schemeClr>
+          </a:lnRef>
+          <a:fillRef idx="1">
+            <a:schemeClr val="accent1"/>
+          </a:fillRef>
+          <a:effectRef idx="0">
+            <a:schemeClr val="accent1"/>
+          </a:effectRef>
+          <a:fontRef idx="minor">
+            <a:schemeClr val="lt1"/>
+          </a:fontRef>
+        </p:style>
+        <p:txBody>
+          <a:bodyPr rtlCol="0" anchor="ctr"/>
+          <a:lstStyle/>
+          <a:p>
+            <a:pPr algn="ctr"/>
+            <a:r>
+              <a:rPr lang="de-DE" dirty="0">
+                <a:solidFill>
+                  <a:schemeClr val="tx1"/>
+                </a:solidFill>
+              </a:rPr>
+              <a:t>Trip Segment Manager</a:t>
+            </a:r>
+          </a:p>
+        </p:txBody>
+      </p:sp>
+      <p:cxnSp>
+        <p:nvCxnSpPr>
+          <p:cNvPr id="13" name="Gerade Verbindung mit Pfeil 12">
+            <a:extLst>
+              <a:ext uri="{FF2B5EF4-FFF2-40B4-BE49-F238E27FC236}">
+                <a16:creationId xmlns:a16="http://schemas.microsoft.com/office/drawing/2014/main" id="{308C5597-52EC-42F0-8993-64704259EC53}"/>
+              </a:ext>
+            </a:extLst>
+          </p:cNvPr>
+          <p:cNvCxnSpPr>
+            <a:cxnSpLocks/>
+            <a:endCxn id="12" idx="1"/>
+          </p:cNvCxnSpPr>
+          <p:nvPr/>
+        </p:nvCxnSpPr>
+        <p:spPr>
+          <a:xfrm>
+            <a:off x="5974672" y="2070672"/>
+            <a:ext cx="1908701" cy="0"/>
+          </a:xfrm>
+          <a:prstGeom prst="straightConnector1">
+            <a:avLst/>
+          </a:prstGeom>
+          <a:ln>
+            <a:tailEnd type="triangle"/>
+          </a:ln>
+        </p:spPr>
+        <p:style>
+          <a:lnRef idx="1">
+            <a:schemeClr val="dk1"/>
+          </a:lnRef>
+          <a:fillRef idx="0">
+            <a:schemeClr val="dk1"/>
+          </a:fillRef>
+          <a:effectRef idx="0">
+            <a:schemeClr val="dk1"/>
+          </a:effectRef>
+          <a:fontRef idx="minor">
+            <a:schemeClr val="tx1"/>
+          </a:fontRef>
+        </p:style>
+      </p:cxnSp>
+      <p:sp>
+        <p:nvSpPr>
+          <p:cNvPr id="15" name="Rechteck 14">
+            <a:extLst>
+              <a:ext uri="{FF2B5EF4-FFF2-40B4-BE49-F238E27FC236}">
+                <a16:creationId xmlns:a16="http://schemas.microsoft.com/office/drawing/2014/main" id="{6F81F931-2252-4CBF-AB48-024C53E0BE1B}"/>
+              </a:ext>
+            </a:extLst>
+          </p:cNvPr>
+          <p:cNvSpPr/>
+          <p:nvPr/>
+        </p:nvSpPr>
+        <p:spPr>
+          <a:xfrm>
+            <a:off x="4136995" y="3715307"/>
+            <a:ext cx="1837677" cy="1305018"/>
+          </a:xfrm>
+          <a:prstGeom prst="rect">
+            <a:avLst/>
+          </a:prstGeom>
+        </p:spPr>
+        <p:style>
+          <a:lnRef idx="2">
+            <a:schemeClr val="accent1">
+              <a:shade val="50000"/>
+            </a:schemeClr>
+          </a:lnRef>
+          <a:fillRef idx="1">
+            <a:schemeClr val="accent1"/>
+          </a:fillRef>
+          <a:effectRef idx="0">
+            <a:schemeClr val="accent1"/>
+          </a:effectRef>
+          <a:fontRef idx="minor">
+            <a:schemeClr val="lt1"/>
+          </a:fontRef>
+        </p:style>
+        <p:txBody>
+          <a:bodyPr rtlCol="0" anchor="ctr"/>
+          <a:lstStyle/>
+          <a:p>
+            <a:pPr algn="ctr"/>
+            <a:r>
+              <a:rPr lang="de-DE" dirty="0">
+                <a:solidFill>
+                  <a:schemeClr val="tx1"/>
+                </a:solidFill>
+              </a:rPr>
+              <a:t>Trip Computer Service</a:t>
+            </a:r>
+          </a:p>
+        </p:txBody>
+      </p:sp>
+      <p:sp>
+        <p:nvSpPr>
+          <p:cNvPr id="17" name="Textfeld 16">
+            <a:extLst>
+              <a:ext uri="{FF2B5EF4-FFF2-40B4-BE49-F238E27FC236}">
+                <a16:creationId xmlns:a16="http://schemas.microsoft.com/office/drawing/2014/main" id="{39AB554B-B695-4416-AE9F-580CAC7A9BDC}"/>
+              </a:ext>
+            </a:extLst>
+          </p:cNvPr>
+          <p:cNvSpPr txBox="1"/>
+          <p:nvPr/>
+        </p:nvSpPr>
+        <p:spPr>
+          <a:xfrm>
+            <a:off x="5974670" y="1023105"/>
+            <a:ext cx="1510157" cy="646331"/>
+          </a:xfrm>
+          <a:prstGeom prst="rect">
+            <a:avLst/>
+          </a:prstGeom>
+          <a:noFill/>
+        </p:spPr>
+        <p:txBody>
+          <a:bodyPr wrap="none" rtlCol="0">
+            <a:spAutoFit/>
+          </a:bodyPr>
+          <a:lstStyle/>
+          <a:p>
+            <a:r>
+              <a:rPr lang="de-DE" dirty="0"/>
+              <a:t>Send UI </a:t>
+            </a:r>
+            <a:r>
+              <a:rPr lang="de-DE" dirty="0" err="1"/>
+              <a:t>input</a:t>
+            </a:r>
+            <a:r>
+              <a:rPr lang="de-DE" dirty="0"/>
+              <a:t> </a:t>
+            </a:r>
+            <a:br>
+              <a:rPr lang="de-DE" dirty="0"/>
+            </a:br>
+            <a:r>
+              <a:rPr lang="de-DE" dirty="0" err="1"/>
+              <a:t>data</a:t>
+            </a:r>
+            <a:r>
+              <a:rPr lang="de-DE" dirty="0"/>
+              <a:t> </a:t>
+            </a:r>
+            <a:r>
+              <a:rPr lang="de-DE" dirty="0" err="1"/>
+              <a:t>for</a:t>
+            </a:r>
+            <a:r>
+              <a:rPr lang="de-DE" dirty="0"/>
+              <a:t> check</a:t>
+            </a:r>
+          </a:p>
+        </p:txBody>
+      </p:sp>
+      <p:sp>
+        <p:nvSpPr>
+          <p:cNvPr id="18" name="Textfeld 17">
+            <a:extLst>
+              <a:ext uri="{FF2B5EF4-FFF2-40B4-BE49-F238E27FC236}">
+                <a16:creationId xmlns:a16="http://schemas.microsoft.com/office/drawing/2014/main" id="{47DED8D7-331C-4587-AD8F-5E86A3D4523E}"/>
+              </a:ext>
+            </a:extLst>
+          </p:cNvPr>
+          <p:cNvSpPr txBox="1"/>
+          <p:nvPr/>
+        </p:nvSpPr>
+        <p:spPr>
+          <a:xfrm>
+            <a:off x="5974670" y="1718735"/>
+            <a:ext cx="1837677" cy="923330"/>
+          </a:xfrm>
+          <a:prstGeom prst="rect">
+            <a:avLst/>
+          </a:prstGeom>
+          <a:noFill/>
+        </p:spPr>
+        <p:txBody>
+          <a:bodyPr wrap="square" rtlCol="0">
+            <a:spAutoFit/>
+          </a:bodyPr>
+          <a:lstStyle/>
+          <a:p>
+            <a:r>
+              <a:rPr lang="de-DE" dirty="0" err="1"/>
+              <a:t>Requests</a:t>
+            </a:r>
+            <a:r>
+              <a:rPr lang="de-DE" dirty="0"/>
+              <a:t> </a:t>
+            </a:r>
+            <a:r>
+              <a:rPr lang="de-DE" dirty="0" err="1"/>
+              <a:t>add</a:t>
+            </a:r>
+            <a:r>
+              <a:rPr lang="de-DE" dirty="0"/>
+              <a:t>, </a:t>
+            </a:r>
+            <a:r>
+              <a:rPr lang="de-DE" dirty="0" err="1"/>
+              <a:t>remove</a:t>
+            </a:r>
+            <a:r>
+              <a:rPr lang="de-DE" dirty="0"/>
+              <a:t>, </a:t>
+            </a:r>
+            <a:r>
+              <a:rPr lang="de-DE" dirty="0" err="1"/>
+              <a:t>lookup</a:t>
+            </a:r>
+            <a:r>
+              <a:rPr lang="de-DE" dirty="0"/>
+              <a:t> on </a:t>
+            </a:r>
+            <a:r>
+              <a:rPr lang="de-DE" dirty="0" err="1"/>
+              <a:t>data</a:t>
+            </a:r>
+            <a:r>
+              <a:rPr lang="de-DE" dirty="0"/>
+              <a:t> </a:t>
+            </a:r>
+            <a:r>
+              <a:rPr lang="de-DE" dirty="0" err="1"/>
+              <a:t>model</a:t>
+            </a:r>
+            <a:endParaRPr lang="de-DE" dirty="0"/>
+          </a:p>
+        </p:txBody>
+      </p:sp>
+      <p:cxnSp>
+        <p:nvCxnSpPr>
+          <p:cNvPr id="23" name="Gerade Verbindung mit Pfeil 22">
+            <a:extLst>
+              <a:ext uri="{FF2B5EF4-FFF2-40B4-BE49-F238E27FC236}">
+                <a16:creationId xmlns:a16="http://schemas.microsoft.com/office/drawing/2014/main" id="{43432252-ABC3-4C61-BAA4-D1CE15A1C2C8}"/>
+              </a:ext>
+            </a:extLst>
+          </p:cNvPr>
+          <p:cNvCxnSpPr/>
+          <p:nvPr/>
+        </p:nvCxnSpPr>
+        <p:spPr>
+          <a:xfrm>
+            <a:off x="5055833" y="2396971"/>
+            <a:ext cx="0" cy="1293529"/>
+          </a:xfrm>
+          <a:prstGeom prst="straightConnector1">
+            <a:avLst/>
+          </a:prstGeom>
+          <a:ln>
+            <a:tailEnd type="triangle"/>
+          </a:ln>
+        </p:spPr>
+        <p:style>
+          <a:lnRef idx="1">
+            <a:schemeClr val="dk1"/>
+          </a:lnRef>
+          <a:fillRef idx="0">
+            <a:schemeClr val="dk1"/>
+          </a:fillRef>
+          <a:effectRef idx="0">
+            <a:schemeClr val="dk1"/>
+          </a:effectRef>
+          <a:fontRef idx="minor">
+            <a:schemeClr val="tx1"/>
+          </a:fontRef>
+        </p:style>
+      </p:cxnSp>
+      <p:sp>
+        <p:nvSpPr>
+          <p:cNvPr id="24" name="Textfeld 23">
+            <a:extLst>
+              <a:ext uri="{FF2B5EF4-FFF2-40B4-BE49-F238E27FC236}">
+                <a16:creationId xmlns:a16="http://schemas.microsoft.com/office/drawing/2014/main" id="{EC6092E2-C46A-4EA4-8E46-3C1964668F13}"/>
+              </a:ext>
+            </a:extLst>
+          </p:cNvPr>
+          <p:cNvSpPr txBox="1"/>
+          <p:nvPr/>
+        </p:nvSpPr>
+        <p:spPr>
+          <a:xfrm>
+            <a:off x="5055831" y="2578522"/>
+            <a:ext cx="1837677" cy="1200329"/>
+          </a:xfrm>
+          <a:prstGeom prst="rect">
+            <a:avLst/>
+          </a:prstGeom>
+          <a:noFill/>
+        </p:spPr>
+        <p:txBody>
+          <a:bodyPr wrap="square" rtlCol="0">
+            <a:spAutoFit/>
+          </a:bodyPr>
+          <a:lstStyle/>
+          <a:p>
+            <a:r>
+              <a:rPr lang="de-DE" dirty="0"/>
+              <a:t>Send </a:t>
+            </a:r>
+            <a:r>
+              <a:rPr lang="de-DE" dirty="0" err="1"/>
+              <a:t>data</a:t>
+            </a:r>
+            <a:r>
+              <a:rPr lang="de-DE" dirty="0"/>
+              <a:t> </a:t>
+            </a:r>
+            <a:r>
+              <a:rPr lang="de-DE" dirty="0" err="1"/>
+              <a:t>model</a:t>
+            </a:r>
+            <a:r>
+              <a:rPr lang="de-DE" dirty="0"/>
+              <a:t> </a:t>
+            </a:r>
+            <a:r>
+              <a:rPr lang="de-DE" dirty="0" err="1"/>
+              <a:t>with</a:t>
+            </a:r>
+            <a:r>
+              <a:rPr lang="de-DE" dirty="0"/>
+              <a:t> valid UI </a:t>
+            </a:r>
+            <a:r>
+              <a:rPr lang="de-DE" dirty="0" err="1"/>
+              <a:t>input</a:t>
+            </a:r>
+            <a:r>
+              <a:rPr lang="de-DE" dirty="0"/>
+              <a:t> </a:t>
+            </a:r>
+            <a:r>
+              <a:rPr lang="de-DE" dirty="0" err="1"/>
+              <a:t>for</a:t>
+            </a:r>
+            <a:r>
+              <a:rPr lang="de-DE" dirty="0"/>
+              <a:t> </a:t>
+            </a:r>
+            <a:r>
+              <a:rPr lang="de-DE" dirty="0" err="1"/>
+              <a:t>filling</a:t>
+            </a:r>
+            <a:r>
+              <a:rPr lang="de-DE" dirty="0"/>
+              <a:t> </a:t>
+            </a:r>
+            <a:r>
+              <a:rPr lang="de-DE" dirty="0" err="1"/>
+              <a:t>derived</a:t>
+            </a:r>
+            <a:r>
+              <a:rPr lang="de-DE" dirty="0"/>
+              <a:t> </a:t>
+            </a:r>
+            <a:r>
+              <a:rPr lang="de-DE" dirty="0" err="1"/>
+              <a:t>values</a:t>
+            </a:r>
+            <a:endParaRPr lang="de-DE" dirty="0"/>
+          </a:p>
+        </p:txBody>
+      </p:sp>
+    </p:spTree>
+    <p:extLst>
+      <p:ext uri="{BB962C8B-B14F-4D97-AF65-F5344CB8AC3E}">
+        <p14:creationId xmlns:p14="http://schemas.microsoft.com/office/powerpoint/2010/main" val="2574485548"/>
+      </p:ext>
+    </p:extLst>
+  </p:cSld>
+  <p:clrMapOvr>
+    <a:masterClrMapping/>
+  </p:clrMapOvr>
+</p:sld>
+</file>
+
 <file path=ppt/theme/theme1.xml><?xml version="1.0" encoding="utf-8"?>
 <a:theme xmlns:a="http://schemas.openxmlformats.org/drawingml/2006/main" name="Office">
   <a:themeElements>

--- a/de.rdnp.preflight.architecture/doc/Drawings.pptx
+++ b/de.rdnp.preflight.architecture/doc/Drawings.pptx
@@ -7,7 +7,7 @@
   <p:sldIdLst>
     <p:sldId id="257" r:id="rId2"/>
     <p:sldId id="258" r:id="rId3"/>
-    <p:sldId id="259" r:id="rId4"/>
+    <p:sldId id="263" r:id="rId4"/>
     <p:sldId id="260" r:id="rId5"/>
     <p:sldId id="261" r:id="rId6"/>
     <p:sldId id="262" r:id="rId7"/>
@@ -264,7 +264,7 @@
           <a:p>
             <a:fld id="{C4675E62-1FC4-4F30-8C85-2A3A0655F04F}" type="datetimeFigureOut">
               <a:rPr lang="de-DE" smtClean="0"/>
-              <a:t>19.12.2019</a:t>
+              <a:t>21.12.2019</a:t>
             </a:fld>
             <a:endParaRPr lang="de-DE"/>
           </a:p>
@@ -462,7 +462,7 @@
           <a:p>
             <a:fld id="{C4675E62-1FC4-4F30-8C85-2A3A0655F04F}" type="datetimeFigureOut">
               <a:rPr lang="de-DE" smtClean="0"/>
-              <a:t>19.12.2019</a:t>
+              <a:t>21.12.2019</a:t>
             </a:fld>
             <a:endParaRPr lang="de-DE"/>
           </a:p>
@@ -670,7 +670,7 @@
           <a:p>
             <a:fld id="{C4675E62-1FC4-4F30-8C85-2A3A0655F04F}" type="datetimeFigureOut">
               <a:rPr lang="de-DE" smtClean="0"/>
-              <a:t>19.12.2019</a:t>
+              <a:t>21.12.2019</a:t>
             </a:fld>
             <a:endParaRPr lang="de-DE"/>
           </a:p>
@@ -868,7 +868,7 @@
           <a:p>
             <a:fld id="{C4675E62-1FC4-4F30-8C85-2A3A0655F04F}" type="datetimeFigureOut">
               <a:rPr lang="de-DE" smtClean="0"/>
-              <a:t>19.12.2019</a:t>
+              <a:t>21.12.2019</a:t>
             </a:fld>
             <a:endParaRPr lang="de-DE"/>
           </a:p>
@@ -1143,7 +1143,7 @@
           <a:p>
             <a:fld id="{C4675E62-1FC4-4F30-8C85-2A3A0655F04F}" type="datetimeFigureOut">
               <a:rPr lang="de-DE" smtClean="0"/>
-              <a:t>19.12.2019</a:t>
+              <a:t>21.12.2019</a:t>
             </a:fld>
             <a:endParaRPr lang="de-DE"/>
           </a:p>
@@ -1408,7 +1408,7 @@
           <a:p>
             <a:fld id="{C4675E62-1FC4-4F30-8C85-2A3A0655F04F}" type="datetimeFigureOut">
               <a:rPr lang="de-DE" smtClean="0"/>
-              <a:t>19.12.2019</a:t>
+              <a:t>21.12.2019</a:t>
             </a:fld>
             <a:endParaRPr lang="de-DE"/>
           </a:p>
@@ -1820,7 +1820,7 @@
           <a:p>
             <a:fld id="{C4675E62-1FC4-4F30-8C85-2A3A0655F04F}" type="datetimeFigureOut">
               <a:rPr lang="de-DE" smtClean="0"/>
-              <a:t>19.12.2019</a:t>
+              <a:t>21.12.2019</a:t>
             </a:fld>
             <a:endParaRPr lang="de-DE"/>
           </a:p>
@@ -1961,7 +1961,7 @@
           <a:p>
             <a:fld id="{C4675E62-1FC4-4F30-8C85-2A3A0655F04F}" type="datetimeFigureOut">
               <a:rPr lang="de-DE" smtClean="0"/>
-              <a:t>19.12.2019</a:t>
+              <a:t>21.12.2019</a:t>
             </a:fld>
             <a:endParaRPr lang="de-DE"/>
           </a:p>
@@ -2074,7 +2074,7 @@
           <a:p>
             <a:fld id="{C4675E62-1FC4-4F30-8C85-2A3A0655F04F}" type="datetimeFigureOut">
               <a:rPr lang="de-DE" smtClean="0"/>
-              <a:t>19.12.2019</a:t>
+              <a:t>21.12.2019</a:t>
             </a:fld>
             <a:endParaRPr lang="de-DE"/>
           </a:p>
@@ -2385,7 +2385,7 @@
           <a:p>
             <a:fld id="{C4675E62-1FC4-4F30-8C85-2A3A0655F04F}" type="datetimeFigureOut">
               <a:rPr lang="de-DE" smtClean="0"/>
-              <a:t>19.12.2019</a:t>
+              <a:t>21.12.2019</a:t>
             </a:fld>
             <a:endParaRPr lang="de-DE"/>
           </a:p>
@@ -2673,7 +2673,7 @@
           <a:p>
             <a:fld id="{C4675E62-1FC4-4F30-8C85-2A3A0655F04F}" type="datetimeFigureOut">
               <a:rPr lang="de-DE" smtClean="0"/>
-              <a:t>19.12.2019</a:t>
+              <a:t>21.12.2019</a:t>
             </a:fld>
             <a:endParaRPr lang="de-DE"/>
           </a:p>
@@ -2914,7 +2914,7 @@
           <a:p>
             <a:fld id="{C4675E62-1FC4-4F30-8C85-2A3A0655F04F}" type="datetimeFigureOut">
               <a:rPr lang="de-DE" smtClean="0"/>
-              <a:t>19.12.2019</a:t>
+              <a:t>21.12.2019</a:t>
             </a:fld>
             <a:endParaRPr lang="de-DE"/>
           </a:p>
@@ -7143,10 +7143,10 @@
       </p:grpSpPr>
       <p:sp>
         <p:nvSpPr>
-          <p:cNvPr id="29" name="Rechteck 28">
-            <a:extLst>
-              <a:ext uri="{FF2B5EF4-FFF2-40B4-BE49-F238E27FC236}">
-                <a16:creationId xmlns:a16="http://schemas.microsoft.com/office/drawing/2014/main" id="{A196FB9A-918A-4885-8862-FC6161DF727C}"/>
+          <p:cNvPr id="4" name="Rechteck 3">
+            <a:extLst>
+              <a:ext uri="{FF2B5EF4-FFF2-40B4-BE49-F238E27FC236}">
+                <a16:creationId xmlns:a16="http://schemas.microsoft.com/office/drawing/2014/main" id="{1BF327DB-D5CE-4DFC-AB19-955030E12BBF}"/>
               </a:ext>
             </a:extLst>
           </p:cNvPr>
@@ -7155,57 +7155,8 @@
         </p:nvSpPr>
         <p:spPr>
           <a:xfrm>
-            <a:off x="4197927" y="3428999"/>
-            <a:ext cx="1977566" cy="1946566"/>
-          </a:xfrm>
-          <a:prstGeom prst="rect">
-            <a:avLst/>
-          </a:prstGeom>
-          <a:ln>
-            <a:prstDash val="dash"/>
-          </a:ln>
-        </p:spPr>
-        <p:style>
-          <a:lnRef idx="2">
-            <a:schemeClr val="accent6"/>
-          </a:lnRef>
-          <a:fillRef idx="1">
-            <a:schemeClr val="lt1"/>
-          </a:fillRef>
-          <a:effectRef idx="0">
-            <a:schemeClr val="accent6"/>
-          </a:effectRef>
-          <a:fontRef idx="minor">
-            <a:schemeClr val="dk1"/>
-          </a:fontRef>
-        </p:style>
-        <p:txBody>
-          <a:bodyPr rtlCol="0" anchor="b"/>
-          <a:lstStyle/>
-          <a:p>
-            <a:r>
-              <a:rPr lang="de-DE" dirty="0"/>
-              <a:t>Optional</a:t>
-            </a:r>
-          </a:p>
-        </p:txBody>
-      </p:sp>
-      <p:sp>
-        <p:nvSpPr>
-          <p:cNvPr id="2" name="Rechteck 1">
-            <a:extLst>
-              <a:ext uri="{FF2B5EF4-FFF2-40B4-BE49-F238E27FC236}">
-                <a16:creationId xmlns:a16="http://schemas.microsoft.com/office/drawing/2014/main" id="{05C2A7D3-F07B-4682-A3A2-86AA8B6815DC}"/>
-              </a:ext>
-            </a:extLst>
-          </p:cNvPr>
-          <p:cNvSpPr/>
-          <p:nvPr/>
-        </p:nvSpPr>
-        <p:spPr>
-          <a:xfrm>
-            <a:off x="1115090" y="1122218"/>
-            <a:ext cx="1624613" cy="777873"/>
+            <a:off x="8871796" y="2460273"/>
+            <a:ext cx="2366353" cy="3013794"/>
           </a:xfrm>
           <a:prstGeom prst="rect">
             <a:avLst/>
@@ -7232,39 +7183,16 @@
           <a:lstStyle/>
           <a:p>
             <a:pPr algn="ctr"/>
-            <a:r>
-              <a:rPr lang="de-DE" dirty="0" err="1">
-                <a:solidFill>
-                  <a:schemeClr val="tx1"/>
-                </a:solidFill>
-              </a:rPr>
-              <a:t>WebClient</a:t>
-            </a:r>
-            <a:endParaRPr lang="de-DE" dirty="0">
-              <a:solidFill>
-                <a:schemeClr val="tx1"/>
-              </a:solidFill>
-            </a:endParaRPr>
-          </a:p>
-          <a:p>
-            <a:pPr algn="ctr"/>
-            <a:r>
-              <a:rPr lang="de-DE" dirty="0">
-                <a:solidFill>
-                  <a:schemeClr val="tx1"/>
-                </a:solidFill>
-              </a:rPr>
-              <a:t>AngularJS</a:t>
-            </a:r>
-          </a:p>
-        </p:txBody>
-      </p:sp>
-      <p:sp>
-        <p:nvSpPr>
-          <p:cNvPr id="3" name="Rechteck 2">
-            <a:extLst>
-              <a:ext uri="{FF2B5EF4-FFF2-40B4-BE49-F238E27FC236}">
-                <a16:creationId xmlns:a16="http://schemas.microsoft.com/office/drawing/2014/main" id="{90A58F83-651C-4E63-B8EB-2E348227B9F3}"/>
+            <a:endParaRPr lang="de-DE"/>
+          </a:p>
+        </p:txBody>
+      </p:sp>
+      <p:sp>
+        <p:nvSpPr>
+          <p:cNvPr id="29" name="Rechteck 28">
+            <a:extLst>
+              <a:ext uri="{FF2B5EF4-FFF2-40B4-BE49-F238E27FC236}">
+                <a16:creationId xmlns:a16="http://schemas.microsoft.com/office/drawing/2014/main" id="{A196FB9A-918A-4885-8862-FC6161DF727C}"/>
               </a:ext>
             </a:extLst>
           </p:cNvPr>
@@ -7273,12 +7201,15 @@
         </p:nvSpPr>
         <p:spPr>
           <a:xfrm>
-            <a:off x="1115090" y="2651127"/>
-            <a:ext cx="1624613" cy="777873"/>
+            <a:off x="3504243" y="3428999"/>
+            <a:ext cx="1977566" cy="1946566"/>
           </a:xfrm>
           <a:prstGeom prst="rect">
             <a:avLst/>
           </a:prstGeom>
+          <a:ln>
+            <a:prstDash val="dash"/>
+          </a:ln>
         </p:spPr>
         <p:style>
           <a:lnRef idx="2">
@@ -7295,69 +7226,22 @@
           </a:fontRef>
         </p:style>
         <p:txBody>
-          <a:bodyPr rtlCol="0" anchor="ctr"/>
-          <a:lstStyle/>
-          <a:p>
-            <a:pPr algn="ctr"/>
-            <a:r>
-              <a:rPr lang="de-DE" dirty="0">
-                <a:solidFill>
-                  <a:schemeClr val="tx1"/>
-                </a:solidFill>
-              </a:rPr>
-              <a:t>Any Service</a:t>
-            </a:r>
-          </a:p>
-        </p:txBody>
-      </p:sp>
-      <p:cxnSp>
-        <p:nvCxnSpPr>
-          <p:cNvPr id="5" name="Gerade Verbindung mit Pfeil 4">
-            <a:extLst>
-              <a:ext uri="{FF2B5EF4-FFF2-40B4-BE49-F238E27FC236}">
-                <a16:creationId xmlns:a16="http://schemas.microsoft.com/office/drawing/2014/main" id="{E49FBB10-4C46-405F-88E6-264B99A69E74}"/>
-              </a:ext>
-            </a:extLst>
-          </p:cNvPr>
-          <p:cNvCxnSpPr>
-            <a:stCxn id="2" idx="2"/>
-            <a:endCxn id="3" idx="0"/>
-          </p:cNvCxnSpPr>
-          <p:nvPr/>
-        </p:nvCxnSpPr>
-        <p:spPr>
-          <a:xfrm>
-            <a:off x="1927397" y="1900091"/>
-            <a:ext cx="0" cy="751036"/>
-          </a:xfrm>
-          <a:prstGeom prst="straightConnector1">
-            <a:avLst/>
-          </a:prstGeom>
-          <a:ln>
-            <a:tailEnd type="triangle"/>
-          </a:ln>
-        </p:spPr>
-        <p:style>
-          <a:lnRef idx="1">
-            <a:schemeClr val="dk1"/>
-          </a:lnRef>
-          <a:fillRef idx="0">
-            <a:schemeClr val="dk1"/>
-          </a:fillRef>
-          <a:effectRef idx="0">
-            <a:schemeClr val="dk1"/>
-          </a:effectRef>
-          <a:fontRef idx="minor">
-            <a:schemeClr val="tx1"/>
-          </a:fontRef>
-        </p:style>
-      </p:cxnSp>
-      <p:sp>
-        <p:nvSpPr>
-          <p:cNvPr id="7" name="Rechteck 6">
-            <a:extLst>
-              <a:ext uri="{FF2B5EF4-FFF2-40B4-BE49-F238E27FC236}">
-                <a16:creationId xmlns:a16="http://schemas.microsoft.com/office/drawing/2014/main" id="{DE3EB66D-1B9A-4D0D-ADEA-66E943D00C30}"/>
+          <a:bodyPr rtlCol="0" anchor="b"/>
+          <a:lstStyle/>
+          <a:p>
+            <a:r>
+              <a:rPr lang="de-DE" dirty="0"/>
+              <a:t>Optional</a:t>
+            </a:r>
+          </a:p>
+        </p:txBody>
+      </p:sp>
+      <p:sp>
+        <p:nvSpPr>
+          <p:cNvPr id="2" name="Rechteck 1">
+            <a:extLst>
+              <a:ext uri="{FF2B5EF4-FFF2-40B4-BE49-F238E27FC236}">
+                <a16:creationId xmlns:a16="http://schemas.microsoft.com/office/drawing/2014/main" id="{05C2A7D3-F07B-4682-A3A2-86AA8B6815DC}"/>
               </a:ext>
             </a:extLst>
           </p:cNvPr>
@@ -7366,58 +7250,7 @@
         </p:nvSpPr>
         <p:spPr>
           <a:xfrm>
-            <a:off x="7682144" y="1122217"/>
-            <a:ext cx="1624613" cy="777873"/>
-          </a:xfrm>
-          <a:prstGeom prst="rect">
-            <a:avLst/>
-          </a:prstGeom>
-        </p:spPr>
-        <p:style>
-          <a:lnRef idx="2">
-            <a:schemeClr val="accent6"/>
-          </a:lnRef>
-          <a:fillRef idx="1">
-            <a:schemeClr val="lt1"/>
-          </a:fillRef>
-          <a:effectRef idx="0">
-            <a:schemeClr val="accent6"/>
-          </a:effectRef>
-          <a:fontRef idx="minor">
-            <a:schemeClr val="dk1"/>
-          </a:fontRef>
-        </p:style>
-        <p:txBody>
-          <a:bodyPr rtlCol="0" anchor="ctr"/>
-          <a:lstStyle/>
-          <a:p>
-            <a:pPr algn="ctr"/>
-            <a:r>
-              <a:rPr lang="de-DE" dirty="0">
-                <a:solidFill>
-                  <a:schemeClr val="tx1"/>
-                </a:solidFill>
-              </a:rPr>
-              <a:t>Any Client</a:t>
-            </a:r>
-          </a:p>
-        </p:txBody>
-      </p:sp>
-      <p:sp>
-        <p:nvSpPr>
-          <p:cNvPr id="8" name="Rechteck 7">
-            <a:extLst>
-              <a:ext uri="{FF2B5EF4-FFF2-40B4-BE49-F238E27FC236}">
-                <a16:creationId xmlns:a16="http://schemas.microsoft.com/office/drawing/2014/main" id="{83B3544B-E6FF-4A05-8EB0-8BFB114E91AA}"/>
-              </a:ext>
-            </a:extLst>
-          </p:cNvPr>
-          <p:cNvSpPr/>
-          <p:nvPr/>
-        </p:nvSpPr>
-        <p:spPr>
-          <a:xfrm>
-            <a:off x="7682144" y="2651126"/>
+            <a:off x="1115090" y="1122218"/>
             <a:ext cx="1624613" cy="777873"/>
           </a:xfrm>
           <a:prstGeom prst="rect">
@@ -7451,45 +7284,93 @@
                   <a:schemeClr val="tx1"/>
                 </a:solidFill>
               </a:rPr>
-              <a:t>Repository Service </a:t>
-            </a:r>
-            <a:br>
+              <a:t>Angular </a:t>
+            </a:r>
+            <a:r>
+              <a:rPr lang="de-DE" dirty="0" err="1">
+                <a:solidFill>
+                  <a:schemeClr val="tx1"/>
+                </a:solidFill>
+              </a:rPr>
+              <a:t>Component</a:t>
+            </a:r>
+            <a:endParaRPr lang="de-DE" dirty="0">
+              <a:solidFill>
+                <a:schemeClr val="tx1"/>
+              </a:solidFill>
+            </a:endParaRPr>
+          </a:p>
+        </p:txBody>
+      </p:sp>
+      <p:sp>
+        <p:nvSpPr>
+          <p:cNvPr id="3" name="Rechteck 2">
+            <a:extLst>
+              <a:ext uri="{FF2B5EF4-FFF2-40B4-BE49-F238E27FC236}">
+                <a16:creationId xmlns:a16="http://schemas.microsoft.com/office/drawing/2014/main" id="{90A58F83-651C-4E63-B8EB-2E348227B9F3}"/>
+              </a:ext>
+            </a:extLst>
+          </p:cNvPr>
+          <p:cNvSpPr/>
+          <p:nvPr/>
+        </p:nvSpPr>
+        <p:spPr>
+          <a:xfrm>
+            <a:off x="1115090" y="2651127"/>
+            <a:ext cx="1624613" cy="777873"/>
+          </a:xfrm>
+          <a:prstGeom prst="rect">
+            <a:avLst/>
+          </a:prstGeom>
+        </p:spPr>
+        <p:style>
+          <a:lnRef idx="2">
+            <a:schemeClr val="accent6"/>
+          </a:lnRef>
+          <a:fillRef idx="1">
+            <a:schemeClr val="lt1"/>
+          </a:fillRef>
+          <a:effectRef idx="0">
+            <a:schemeClr val="accent6"/>
+          </a:effectRef>
+          <a:fontRef idx="minor">
+            <a:schemeClr val="dk1"/>
+          </a:fontRef>
+        </p:style>
+        <p:txBody>
+          <a:bodyPr rtlCol="0" anchor="ctr"/>
+          <a:lstStyle/>
+          <a:p>
+            <a:pPr algn="ctr"/>
+            <a:r>
               <a:rPr lang="de-DE" dirty="0">
                 <a:solidFill>
                   <a:schemeClr val="tx1"/>
                 </a:solidFill>
               </a:rPr>
-            </a:br>
-            <a:r>
-              <a:rPr lang="de-DE" dirty="0">
-                <a:solidFill>
-                  <a:schemeClr val="tx1"/>
-                </a:solidFill>
-              </a:rPr>
-              <a:t>Spring</a:t>
+              <a:t>Any Service</a:t>
             </a:r>
           </a:p>
         </p:txBody>
       </p:sp>
       <p:cxnSp>
         <p:nvCxnSpPr>
-          <p:cNvPr id="9" name="Gerade Verbindung mit Pfeil 8">
-            <a:extLst>
-              <a:ext uri="{FF2B5EF4-FFF2-40B4-BE49-F238E27FC236}">
-                <a16:creationId xmlns:a16="http://schemas.microsoft.com/office/drawing/2014/main" id="{43A83754-663B-4DC1-ADD8-A4740DAEFBA1}"/>
+          <p:cNvPr id="5" name="Gerade Verbindung mit Pfeil 4">
+            <a:extLst>
+              <a:ext uri="{FF2B5EF4-FFF2-40B4-BE49-F238E27FC236}">
+                <a16:creationId xmlns:a16="http://schemas.microsoft.com/office/drawing/2014/main" id="{E49FBB10-4C46-405F-88E6-264B99A69E74}"/>
               </a:ext>
             </a:extLst>
           </p:cNvPr>
           <p:cNvCxnSpPr>
-            <a:cxnSpLocks/>
-            <a:stCxn id="7" idx="2"/>
-            <a:endCxn id="8" idx="0"/>
+            <a:stCxn id="2" idx="2"/>
+            <a:endCxn id="3" idx="0"/>
           </p:cNvCxnSpPr>
           <p:nvPr/>
         </p:nvCxnSpPr>
         <p:spPr>
           <a:xfrm>
-            <a:off x="8494451" y="1900090"/>
+            <a:off x="1927397" y="1900091"/>
             <a:ext cx="0" cy="751036"/>
           </a:xfrm>
           <a:prstGeom prst="straightConnector1">
@@ -7516,92 +7397,73 @@
       </p:cxnSp>
       <p:sp>
         <p:nvSpPr>
-          <p:cNvPr id="13" name="Textfeld 12">
-            <a:extLst>
-              <a:ext uri="{FF2B5EF4-FFF2-40B4-BE49-F238E27FC236}">
-                <a16:creationId xmlns:a16="http://schemas.microsoft.com/office/drawing/2014/main" id="{B706A0C7-5B4B-48DF-8E5A-E419BACCB607}"/>
-              </a:ext>
-            </a:extLst>
-          </p:cNvPr>
-          <p:cNvSpPr txBox="1"/>
-          <p:nvPr/>
-        </p:nvSpPr>
-        <p:spPr>
-          <a:xfrm>
-            <a:off x="2015514" y="2090943"/>
-            <a:ext cx="636072" cy="369332"/>
+          <p:cNvPr id="7" name="Rechteck 6">
+            <a:extLst>
+              <a:ext uri="{FF2B5EF4-FFF2-40B4-BE49-F238E27FC236}">
+                <a16:creationId xmlns:a16="http://schemas.microsoft.com/office/drawing/2014/main" id="{DE3EB66D-1B9A-4D0D-ADEA-66E943D00C30}"/>
+              </a:ext>
+            </a:extLst>
+          </p:cNvPr>
+          <p:cNvSpPr/>
+          <p:nvPr/>
+        </p:nvSpPr>
+        <p:spPr>
+          <a:xfrm>
+            <a:off x="9242668" y="1122217"/>
+            <a:ext cx="1624613" cy="777873"/>
           </a:xfrm>
           <a:prstGeom prst="rect">
             <a:avLst/>
           </a:prstGeom>
-          <a:noFill/>
-        </p:spPr>
-        <p:txBody>
-          <a:bodyPr wrap="none" rtlCol="0">
-            <a:spAutoFit/>
-          </a:bodyPr>
-          <a:lstStyle/>
-          <a:p>
-            <a:r>
-              <a:rPr lang="de-DE" dirty="0"/>
-              <a:t>REST</a:t>
-            </a:r>
-          </a:p>
-        </p:txBody>
-      </p:sp>
-      <p:sp>
-        <p:nvSpPr>
-          <p:cNvPr id="14" name="Textfeld 13">
-            <a:extLst>
-              <a:ext uri="{FF2B5EF4-FFF2-40B4-BE49-F238E27FC236}">
-                <a16:creationId xmlns:a16="http://schemas.microsoft.com/office/drawing/2014/main" id="{FAE100DF-FC24-4285-B771-C443B7E80A3A}"/>
-              </a:ext>
-            </a:extLst>
-          </p:cNvPr>
-          <p:cNvSpPr txBox="1"/>
-          <p:nvPr/>
-        </p:nvSpPr>
-        <p:spPr>
-          <a:xfrm>
-            <a:off x="8494450" y="2090942"/>
-            <a:ext cx="636072" cy="369332"/>
+        </p:spPr>
+        <p:style>
+          <a:lnRef idx="2">
+            <a:schemeClr val="accent6"/>
+          </a:lnRef>
+          <a:fillRef idx="1">
+            <a:schemeClr val="lt1"/>
+          </a:fillRef>
+          <a:effectRef idx="0">
+            <a:schemeClr val="accent6"/>
+          </a:effectRef>
+          <a:fontRef idx="minor">
+            <a:schemeClr val="dk1"/>
+          </a:fontRef>
+        </p:style>
+        <p:txBody>
+          <a:bodyPr rtlCol="0" anchor="ctr"/>
+          <a:lstStyle/>
+          <a:p>
+            <a:pPr algn="ctr"/>
+            <a:r>
+              <a:rPr lang="de-DE" dirty="0">
+                <a:solidFill>
+                  <a:schemeClr val="tx1"/>
+                </a:solidFill>
+              </a:rPr>
+              <a:t>Any Client</a:t>
+            </a:r>
+          </a:p>
+        </p:txBody>
+      </p:sp>
+      <p:sp>
+        <p:nvSpPr>
+          <p:cNvPr id="8" name="Rechteck 7">
+            <a:extLst>
+              <a:ext uri="{FF2B5EF4-FFF2-40B4-BE49-F238E27FC236}">
+                <a16:creationId xmlns:a16="http://schemas.microsoft.com/office/drawing/2014/main" id="{83B3544B-E6FF-4A05-8EB0-8BFB114E91AA}"/>
+              </a:ext>
+            </a:extLst>
+          </p:cNvPr>
+          <p:cNvSpPr/>
+          <p:nvPr/>
+        </p:nvSpPr>
+        <p:spPr>
+          <a:xfrm>
+            <a:off x="9242668" y="2730041"/>
+            <a:ext cx="1624613" cy="777873"/>
           </a:xfrm>
           <a:prstGeom prst="rect">
-            <a:avLst/>
-          </a:prstGeom>
-          <a:noFill/>
-        </p:spPr>
-        <p:txBody>
-          <a:bodyPr wrap="none" rtlCol="0">
-            <a:spAutoFit/>
-          </a:bodyPr>
-          <a:lstStyle/>
-          <a:p>
-            <a:r>
-              <a:rPr lang="de-DE" dirty="0"/>
-              <a:t>REST</a:t>
-            </a:r>
-          </a:p>
-        </p:txBody>
-      </p:sp>
-      <p:sp>
-        <p:nvSpPr>
-          <p:cNvPr id="15" name="Flussdiagramm: Magnetplattenspeicher 14">
-            <a:extLst>
-              <a:ext uri="{FF2B5EF4-FFF2-40B4-BE49-F238E27FC236}">
-                <a16:creationId xmlns:a16="http://schemas.microsoft.com/office/drawing/2014/main" id="{C16414A3-55B7-4594-AB42-11A53F51A88A}"/>
-              </a:ext>
-            </a:extLst>
-          </p:cNvPr>
-          <p:cNvSpPr/>
-          <p:nvPr/>
-        </p:nvSpPr>
-        <p:spPr>
-          <a:xfrm>
-            <a:off x="7682144" y="4081516"/>
-            <a:ext cx="1624613" cy="1023219"/>
-          </a:xfrm>
-          <a:prstGeom prst="flowChartMagneticDisk">
             <a:avLst/>
           </a:prstGeom>
         </p:spPr>
@@ -7632,45 +7494,37 @@
                   <a:schemeClr val="tx1"/>
                 </a:solidFill>
               </a:rPr>
-              <a:t>Database</a:t>
-            </a:r>
-          </a:p>
-          <a:p>
-            <a:pPr algn="ctr"/>
-            <a:r>
-              <a:rPr lang="de-DE" dirty="0">
-                <a:solidFill>
-                  <a:schemeClr val="tx1"/>
-                </a:solidFill>
-              </a:rPr>
-              <a:t>H2</a:t>
+              <a:t>Spring Repository</a:t>
             </a:r>
           </a:p>
         </p:txBody>
       </p:sp>
       <p:cxnSp>
         <p:nvCxnSpPr>
-          <p:cNvPr id="17" name="Gerader Verbinder 16">
-            <a:extLst>
-              <a:ext uri="{FF2B5EF4-FFF2-40B4-BE49-F238E27FC236}">
-                <a16:creationId xmlns:a16="http://schemas.microsoft.com/office/drawing/2014/main" id="{37A139F5-6234-42DF-9145-0910D7E3FDA8}"/>
+          <p:cNvPr id="9" name="Gerade Verbindung mit Pfeil 8">
+            <a:extLst>
+              <a:ext uri="{FF2B5EF4-FFF2-40B4-BE49-F238E27FC236}">
+                <a16:creationId xmlns:a16="http://schemas.microsoft.com/office/drawing/2014/main" id="{43A83754-663B-4DC1-ADD8-A4740DAEFBA1}"/>
               </a:ext>
             </a:extLst>
           </p:cNvPr>
           <p:cNvCxnSpPr>
-            <a:stCxn id="8" idx="2"/>
-            <a:endCxn id="15" idx="1"/>
+            <a:cxnSpLocks/>
+            <a:stCxn id="7" idx="2"/>
           </p:cNvCxnSpPr>
           <p:nvPr/>
         </p:nvCxnSpPr>
         <p:spPr>
           <a:xfrm>
-            <a:off x="8494451" y="3428999"/>
-            <a:ext cx="0" cy="652517"/>
-          </a:xfrm>
-          <a:prstGeom prst="line">
-            <a:avLst/>
-          </a:prstGeom>
+            <a:off x="10054975" y="1900090"/>
+            <a:ext cx="0" cy="829951"/>
+          </a:xfrm>
+          <a:prstGeom prst="straightConnector1">
+            <a:avLst/>
+          </a:prstGeom>
+          <a:ln>
+            <a:tailEnd type="triangle"/>
+          </a:ln>
         </p:spPr>
         <p:style>
           <a:lnRef idx="1">
@@ -7689,10 +7543,10 @@
       </p:cxnSp>
       <p:sp>
         <p:nvSpPr>
-          <p:cNvPr id="19" name="Textfeld 18">
-            <a:extLst>
-              <a:ext uri="{FF2B5EF4-FFF2-40B4-BE49-F238E27FC236}">
-                <a16:creationId xmlns:a16="http://schemas.microsoft.com/office/drawing/2014/main" id="{99C0BBAD-31EF-4C69-BBBD-18B55EF61216}"/>
+          <p:cNvPr id="13" name="Textfeld 12">
+            <a:extLst>
+              <a:ext uri="{FF2B5EF4-FFF2-40B4-BE49-F238E27FC236}">
+                <a16:creationId xmlns:a16="http://schemas.microsoft.com/office/drawing/2014/main" id="{B706A0C7-5B4B-48DF-8E5A-E419BACCB607}"/>
               </a:ext>
             </a:extLst>
           </p:cNvPr>
@@ -7701,8 +7555,8 @@
         </p:nvSpPr>
         <p:spPr>
           <a:xfrm>
-            <a:off x="8494450" y="3435185"/>
-            <a:ext cx="1219052" cy="646331"/>
+            <a:off x="2015514" y="1952443"/>
+            <a:ext cx="1417119" cy="646331"/>
           </a:xfrm>
           <a:prstGeom prst="rect">
             <a:avLst/>
@@ -7717,24 +7571,67 @@
           <a:p>
             <a:r>
               <a:rPr lang="de-DE" dirty="0" err="1"/>
-              <a:t>Configured</a:t>
+              <a:t>TypeScript</a:t>
+            </a:r>
+            <a:r>
+              <a:rPr lang="de-DE" dirty="0"/>
+              <a:t> </a:t>
+            </a:r>
+            <a:r>
+              <a:rPr lang="de-DE" dirty="0" err="1"/>
+              <a:t>or</a:t>
             </a:r>
             <a:endParaRPr lang="de-DE" dirty="0"/>
           </a:p>
           <a:p>
             <a:r>
               <a:rPr lang="de-DE" dirty="0"/>
-              <a:t>via Spring</a:t>
-            </a:r>
-          </a:p>
-        </p:txBody>
-      </p:sp>
-      <p:sp>
-        <p:nvSpPr>
-          <p:cNvPr id="21" name="Rechteck 20">
-            <a:extLst>
-              <a:ext uri="{FF2B5EF4-FFF2-40B4-BE49-F238E27FC236}">
-                <a16:creationId xmlns:a16="http://schemas.microsoft.com/office/drawing/2014/main" id="{E930251A-34FA-4948-80FF-127A92DDC3C3}"/>
+              <a:t>REST</a:t>
+            </a:r>
+          </a:p>
+        </p:txBody>
+      </p:sp>
+      <p:sp>
+        <p:nvSpPr>
+          <p:cNvPr id="14" name="Textfeld 13">
+            <a:extLst>
+              <a:ext uri="{FF2B5EF4-FFF2-40B4-BE49-F238E27FC236}">
+                <a16:creationId xmlns:a16="http://schemas.microsoft.com/office/drawing/2014/main" id="{FAE100DF-FC24-4285-B771-C443B7E80A3A}"/>
+              </a:ext>
+            </a:extLst>
+          </p:cNvPr>
+          <p:cNvSpPr txBox="1"/>
+          <p:nvPr/>
+        </p:nvSpPr>
+        <p:spPr>
+          <a:xfrm>
+            <a:off x="10028428" y="2011831"/>
+            <a:ext cx="636072" cy="369332"/>
+          </a:xfrm>
+          <a:prstGeom prst="rect">
+            <a:avLst/>
+          </a:prstGeom>
+          <a:noFill/>
+        </p:spPr>
+        <p:txBody>
+          <a:bodyPr wrap="none" rtlCol="0">
+            <a:spAutoFit/>
+          </a:bodyPr>
+          <a:lstStyle/>
+          <a:p>
+            <a:r>
+              <a:rPr lang="de-DE" dirty="0"/>
+              <a:t>REST</a:t>
+            </a:r>
+          </a:p>
+        </p:txBody>
+      </p:sp>
+      <p:sp>
+        <p:nvSpPr>
+          <p:cNvPr id="15" name="Flussdiagramm: Magnetplattenspeicher 14">
+            <a:extLst>
+              <a:ext uri="{FF2B5EF4-FFF2-40B4-BE49-F238E27FC236}">
+                <a16:creationId xmlns:a16="http://schemas.microsoft.com/office/drawing/2014/main" id="{C16414A3-55B7-4594-AB42-11A53F51A88A}"/>
               </a:ext>
             </a:extLst>
           </p:cNvPr>
@@ -7743,61 +7640,10 @@
         </p:nvSpPr>
         <p:spPr>
           <a:xfrm>
-            <a:off x="4391892" y="1122217"/>
-            <a:ext cx="1624613" cy="777873"/>
-          </a:xfrm>
-          <a:prstGeom prst="rect">
-            <a:avLst/>
-          </a:prstGeom>
-        </p:spPr>
-        <p:style>
-          <a:lnRef idx="2">
-            <a:schemeClr val="accent6"/>
-          </a:lnRef>
-          <a:fillRef idx="1">
-            <a:schemeClr val="lt1"/>
-          </a:fillRef>
-          <a:effectRef idx="0">
-            <a:schemeClr val="accent6"/>
-          </a:effectRef>
-          <a:fontRef idx="minor">
-            <a:schemeClr val="dk1"/>
-          </a:fontRef>
-        </p:style>
-        <p:txBody>
-          <a:bodyPr rtlCol="0" anchor="ctr"/>
-          <a:lstStyle/>
-          <a:p>
-            <a:pPr algn="ctr"/>
-            <a:r>
-              <a:rPr lang="de-DE" dirty="0">
-                <a:solidFill>
-                  <a:schemeClr val="tx1"/>
-                </a:solidFill>
-              </a:rPr>
-              <a:t>Any Client</a:t>
-            </a:r>
-          </a:p>
-        </p:txBody>
-      </p:sp>
-      <p:sp>
-        <p:nvSpPr>
-          <p:cNvPr id="22" name="Rechteck 21">
-            <a:extLst>
-              <a:ext uri="{FF2B5EF4-FFF2-40B4-BE49-F238E27FC236}">
-                <a16:creationId xmlns:a16="http://schemas.microsoft.com/office/drawing/2014/main" id="{81C118C5-677B-48EE-9242-F3AC8EAEB1E0}"/>
-              </a:ext>
-            </a:extLst>
-          </p:cNvPr>
-          <p:cNvSpPr/>
-          <p:nvPr/>
-        </p:nvSpPr>
-        <p:spPr>
-          <a:xfrm>
-            <a:off x="4391892" y="2651126"/>
-            <a:ext cx="1624613" cy="777873"/>
-          </a:xfrm>
-          <a:prstGeom prst="rect">
+            <a:off x="9242668" y="4081516"/>
+            <a:ext cx="1624613" cy="1023219"/>
+          </a:xfrm>
+          <a:prstGeom prst="flowChartMagneticDisk">
             <a:avLst/>
           </a:prstGeom>
         </p:spPr>
@@ -7828,7 +7674,7 @@
                   <a:schemeClr val="tx1"/>
                 </a:solidFill>
               </a:rPr>
-              <a:t>Service</a:t>
+              <a:t>Database</a:t>
             </a:r>
           </a:p>
           <a:p>
@@ -7839,37 +7685,34 @@
                   <a:schemeClr val="tx1"/>
                 </a:solidFill>
               </a:rPr>
-              <a:t>Spring</a:t>
+              <a:t>H2</a:t>
             </a:r>
           </a:p>
         </p:txBody>
       </p:sp>
       <p:cxnSp>
         <p:nvCxnSpPr>
-          <p:cNvPr id="23" name="Gerade Verbindung mit Pfeil 22">
-            <a:extLst>
-              <a:ext uri="{FF2B5EF4-FFF2-40B4-BE49-F238E27FC236}">
-                <a16:creationId xmlns:a16="http://schemas.microsoft.com/office/drawing/2014/main" id="{51A012DD-0F87-4DE0-88F7-BC82CAB23588}"/>
+          <p:cNvPr id="17" name="Gerader Verbinder 16">
+            <a:extLst>
+              <a:ext uri="{FF2B5EF4-FFF2-40B4-BE49-F238E27FC236}">
+                <a16:creationId xmlns:a16="http://schemas.microsoft.com/office/drawing/2014/main" id="{37A139F5-6234-42DF-9145-0910D7E3FDA8}"/>
               </a:ext>
             </a:extLst>
           </p:cNvPr>
           <p:cNvCxnSpPr>
-            <a:stCxn id="21" idx="2"/>
-            <a:endCxn id="22" idx="0"/>
+            <a:stCxn id="8" idx="2"/>
+            <a:endCxn id="15" idx="1"/>
           </p:cNvCxnSpPr>
           <p:nvPr/>
         </p:nvCxnSpPr>
         <p:spPr>
           <a:xfrm>
-            <a:off x="5204199" y="1900090"/>
-            <a:ext cx="0" cy="751036"/>
-          </a:xfrm>
-          <a:prstGeom prst="straightConnector1">
-            <a:avLst/>
-          </a:prstGeom>
-          <a:ln>
-            <a:tailEnd type="triangle"/>
-          </a:ln>
+            <a:off x="10054975" y="3507914"/>
+            <a:ext cx="0" cy="573602"/>
+          </a:xfrm>
+          <a:prstGeom prst="line">
+            <a:avLst/>
+          </a:prstGeom>
         </p:spPr>
         <p:style>
           <a:lnRef idx="1">
@@ -7888,10 +7731,10 @@
       </p:cxnSp>
       <p:sp>
         <p:nvSpPr>
-          <p:cNvPr id="24" name="Textfeld 23">
-            <a:extLst>
-              <a:ext uri="{FF2B5EF4-FFF2-40B4-BE49-F238E27FC236}">
-                <a16:creationId xmlns:a16="http://schemas.microsoft.com/office/drawing/2014/main" id="{10B19B0C-26E2-4B53-8DCF-740B85CC9467}"/>
+          <p:cNvPr id="19" name="Textfeld 18">
+            <a:extLst>
+              <a:ext uri="{FF2B5EF4-FFF2-40B4-BE49-F238E27FC236}">
+                <a16:creationId xmlns:a16="http://schemas.microsoft.com/office/drawing/2014/main" id="{99C0BBAD-31EF-4C69-BBBD-18B55EF61216}"/>
               </a:ext>
             </a:extLst>
           </p:cNvPr>
@@ -7900,8 +7743,8 @@
         </p:nvSpPr>
         <p:spPr>
           <a:xfrm>
-            <a:off x="5292316" y="2090942"/>
-            <a:ext cx="636072" cy="369332"/>
+            <a:off x="10054974" y="3435185"/>
+            <a:ext cx="1219052" cy="646331"/>
           </a:xfrm>
           <a:prstGeom prst="rect">
             <a:avLst/>
@@ -7915,18 +7758,25 @@
           <a:lstStyle/>
           <a:p>
             <a:r>
+              <a:rPr lang="de-DE" dirty="0" err="1"/>
+              <a:t>Configured</a:t>
+            </a:r>
+            <a:endParaRPr lang="de-DE" dirty="0"/>
+          </a:p>
+          <a:p>
+            <a:r>
               <a:rPr lang="de-DE" dirty="0"/>
-              <a:t>REST</a:t>
-            </a:r>
-          </a:p>
-        </p:txBody>
-      </p:sp>
-      <p:sp>
-        <p:nvSpPr>
-          <p:cNvPr id="25" name="Rechteck 24">
-            <a:extLst>
-              <a:ext uri="{FF2B5EF4-FFF2-40B4-BE49-F238E27FC236}">
-                <a16:creationId xmlns:a16="http://schemas.microsoft.com/office/drawing/2014/main" id="{55E74A26-C2B6-4708-8435-E8C29B8BD7F6}"/>
+              <a:t>via Spring</a:t>
+            </a:r>
+          </a:p>
+        </p:txBody>
+      </p:sp>
+      <p:sp>
+        <p:nvSpPr>
+          <p:cNvPr id="21" name="Rechteck 20">
+            <a:extLst>
+              <a:ext uri="{FF2B5EF4-FFF2-40B4-BE49-F238E27FC236}">
+                <a16:creationId xmlns:a16="http://schemas.microsoft.com/office/drawing/2014/main" id="{E930251A-34FA-4948-80FF-127A92DDC3C3}"/>
               </a:ext>
             </a:extLst>
           </p:cNvPr>
@@ -7935,7 +7785,7 @@
         </p:nvSpPr>
         <p:spPr>
           <a:xfrm>
-            <a:off x="4391892" y="4180038"/>
+            <a:off x="3698208" y="1122217"/>
             <a:ext cx="1624613" cy="777873"/>
           </a:xfrm>
           <a:prstGeom prst="rect">
@@ -7967,28 +7817,109 @@
                   <a:schemeClr val="tx1"/>
                 </a:solidFill>
               </a:rPr>
-              <a:t>Any Service</a:t>
+              <a:t>Any Client </a:t>
+            </a:r>
+            <a:r>
+              <a:rPr lang="de-DE" dirty="0" err="1">
+                <a:solidFill>
+                  <a:schemeClr val="tx1"/>
+                </a:solidFill>
+              </a:rPr>
+              <a:t>or</a:t>
+            </a:r>
+            <a:r>
+              <a:rPr lang="de-DE" dirty="0">
+                <a:solidFill>
+                  <a:schemeClr val="tx1"/>
+                </a:solidFill>
+              </a:rPr>
+              <a:t> Service</a:t>
+            </a:r>
+          </a:p>
+        </p:txBody>
+      </p:sp>
+      <p:sp>
+        <p:nvSpPr>
+          <p:cNvPr id="22" name="Rechteck 21">
+            <a:extLst>
+              <a:ext uri="{FF2B5EF4-FFF2-40B4-BE49-F238E27FC236}">
+                <a16:creationId xmlns:a16="http://schemas.microsoft.com/office/drawing/2014/main" id="{81C118C5-677B-48EE-9242-F3AC8EAEB1E0}"/>
+              </a:ext>
+            </a:extLst>
+          </p:cNvPr>
+          <p:cNvSpPr/>
+          <p:nvPr/>
+        </p:nvSpPr>
+        <p:spPr>
+          <a:xfrm>
+            <a:off x="3698208" y="2651126"/>
+            <a:ext cx="1624613" cy="777873"/>
+          </a:xfrm>
+          <a:prstGeom prst="rect">
+            <a:avLst/>
+          </a:prstGeom>
+        </p:spPr>
+        <p:style>
+          <a:lnRef idx="2">
+            <a:schemeClr val="accent1">
+              <a:shade val="50000"/>
+            </a:schemeClr>
+          </a:lnRef>
+          <a:fillRef idx="1">
+            <a:schemeClr val="accent1"/>
+          </a:fillRef>
+          <a:effectRef idx="0">
+            <a:schemeClr val="accent1"/>
+          </a:effectRef>
+          <a:fontRef idx="minor">
+            <a:schemeClr val="lt1"/>
+          </a:fontRef>
+        </p:style>
+        <p:txBody>
+          <a:bodyPr rtlCol="0" anchor="ctr"/>
+          <a:lstStyle/>
+          <a:p>
+            <a:pPr algn="ctr"/>
+            <a:r>
+              <a:rPr lang="de-DE" dirty="0">
+                <a:solidFill>
+                  <a:schemeClr val="tx1"/>
+                </a:solidFill>
+              </a:rPr>
+              <a:t>Service</a:t>
+            </a:r>
+          </a:p>
+          <a:p>
+            <a:pPr algn="ctr"/>
+            <a:r>
+              <a:rPr lang="de-DE" dirty="0">
+                <a:solidFill>
+                  <a:schemeClr val="tx1"/>
+                </a:solidFill>
+              </a:rPr>
+              <a:t>Angular</a:t>
             </a:r>
           </a:p>
         </p:txBody>
       </p:sp>
       <p:cxnSp>
         <p:nvCxnSpPr>
-          <p:cNvPr id="26" name="Gerade Verbindung mit Pfeil 25">
-            <a:extLst>
-              <a:ext uri="{FF2B5EF4-FFF2-40B4-BE49-F238E27FC236}">
-                <a16:creationId xmlns:a16="http://schemas.microsoft.com/office/drawing/2014/main" id="{927FFEEA-6068-423C-A9BA-50F148058AE4}"/>
+          <p:cNvPr id="23" name="Gerade Verbindung mit Pfeil 22">
+            <a:extLst>
+              <a:ext uri="{FF2B5EF4-FFF2-40B4-BE49-F238E27FC236}">
+                <a16:creationId xmlns:a16="http://schemas.microsoft.com/office/drawing/2014/main" id="{51A012DD-0F87-4DE0-88F7-BC82CAB23588}"/>
               </a:ext>
             </a:extLst>
           </p:cNvPr>
           <p:cNvCxnSpPr>
-            <a:cxnSpLocks/>
+            <a:stCxn id="21" idx="2"/>
+            <a:endCxn id="22" idx="0"/>
           </p:cNvCxnSpPr>
           <p:nvPr/>
         </p:nvCxnSpPr>
         <p:spPr>
           <a:xfrm>
-            <a:off x="5204199" y="3429002"/>
+            <a:off x="4510515" y="1900090"/>
             <a:ext cx="0" cy="751036"/>
           </a:xfrm>
           <a:prstGeom prst="straightConnector1">
@@ -8015,10 +7946,10 @@
       </p:cxnSp>
       <p:sp>
         <p:nvSpPr>
-          <p:cNvPr id="27" name="Textfeld 26">
-            <a:extLst>
-              <a:ext uri="{FF2B5EF4-FFF2-40B4-BE49-F238E27FC236}">
-                <a16:creationId xmlns:a16="http://schemas.microsoft.com/office/drawing/2014/main" id="{846C57A8-298E-453B-9058-B0513606F444}"/>
+          <p:cNvPr id="24" name="Textfeld 23">
+            <a:extLst>
+              <a:ext uri="{FF2B5EF4-FFF2-40B4-BE49-F238E27FC236}">
+                <a16:creationId xmlns:a16="http://schemas.microsoft.com/office/drawing/2014/main" id="{10B19B0C-26E2-4B53-8DCF-740B85CC9467}"/>
               </a:ext>
             </a:extLst>
           </p:cNvPr>
@@ -8027,8 +7958,8 @@
         </p:nvSpPr>
         <p:spPr>
           <a:xfrm>
-            <a:off x="5292316" y="3619851"/>
-            <a:ext cx="636072" cy="369332"/>
+            <a:off x="4598632" y="2090942"/>
+            <a:ext cx="1162241" cy="369332"/>
           </a:xfrm>
           <a:prstGeom prst="rect">
             <a:avLst/>
@@ -8042,18 +7973,111 @@
           <a:lstStyle/>
           <a:p>
             <a:r>
-              <a:rPr lang="de-DE" dirty="0"/>
-              <a:t>REST</a:t>
-            </a:r>
-          </a:p>
-        </p:txBody>
-      </p:sp>
-      <p:sp>
-        <p:nvSpPr>
-          <p:cNvPr id="30" name="Textfeld 29">
-            <a:extLst>
-              <a:ext uri="{FF2B5EF4-FFF2-40B4-BE49-F238E27FC236}">
-                <a16:creationId xmlns:a16="http://schemas.microsoft.com/office/drawing/2014/main" id="{09EF0339-D02A-499B-98C4-419FBF15B727}"/>
+              <a:rPr lang="de-DE" dirty="0" err="1"/>
+              <a:t>TypeScript</a:t>
+            </a:r>
+            <a:endParaRPr lang="de-DE" dirty="0"/>
+          </a:p>
+        </p:txBody>
+      </p:sp>
+      <p:sp>
+        <p:nvSpPr>
+          <p:cNvPr id="25" name="Rechteck 24">
+            <a:extLst>
+              <a:ext uri="{FF2B5EF4-FFF2-40B4-BE49-F238E27FC236}">
+                <a16:creationId xmlns:a16="http://schemas.microsoft.com/office/drawing/2014/main" id="{55E74A26-C2B6-4708-8435-E8C29B8BD7F6}"/>
+              </a:ext>
+            </a:extLst>
+          </p:cNvPr>
+          <p:cNvSpPr/>
+          <p:nvPr/>
+        </p:nvSpPr>
+        <p:spPr>
+          <a:xfrm>
+            <a:off x="3698208" y="4180038"/>
+            <a:ext cx="1624613" cy="777873"/>
+          </a:xfrm>
+          <a:prstGeom prst="rect">
+            <a:avLst/>
+          </a:prstGeom>
+        </p:spPr>
+        <p:style>
+          <a:lnRef idx="2">
+            <a:schemeClr val="accent6"/>
+          </a:lnRef>
+          <a:fillRef idx="1">
+            <a:schemeClr val="lt1"/>
+          </a:fillRef>
+          <a:effectRef idx="0">
+            <a:schemeClr val="accent6"/>
+          </a:effectRef>
+          <a:fontRef idx="minor">
+            <a:schemeClr val="dk1"/>
+          </a:fontRef>
+        </p:style>
+        <p:txBody>
+          <a:bodyPr rtlCol="0" anchor="ctr"/>
+          <a:lstStyle/>
+          <a:p>
+            <a:pPr algn="ctr"/>
+            <a:r>
+              <a:rPr lang="de-DE" dirty="0">
+                <a:solidFill>
+                  <a:schemeClr val="tx1"/>
+                </a:solidFill>
+              </a:rPr>
+              <a:t>Any Service</a:t>
+            </a:r>
+          </a:p>
+        </p:txBody>
+      </p:sp>
+      <p:cxnSp>
+        <p:nvCxnSpPr>
+          <p:cNvPr id="26" name="Gerade Verbindung mit Pfeil 25">
+            <a:extLst>
+              <a:ext uri="{FF2B5EF4-FFF2-40B4-BE49-F238E27FC236}">
+                <a16:creationId xmlns:a16="http://schemas.microsoft.com/office/drawing/2014/main" id="{927FFEEA-6068-423C-A9BA-50F148058AE4}"/>
+              </a:ext>
+            </a:extLst>
+          </p:cNvPr>
+          <p:cNvCxnSpPr>
+            <a:cxnSpLocks/>
+          </p:cNvCxnSpPr>
+          <p:nvPr/>
+        </p:nvCxnSpPr>
+        <p:spPr>
+          <a:xfrm>
+            <a:off x="4510515" y="3429002"/>
+            <a:ext cx="0" cy="751036"/>
+          </a:xfrm>
+          <a:prstGeom prst="straightConnector1">
+            <a:avLst/>
+          </a:prstGeom>
+          <a:ln>
+            <a:tailEnd type="triangle"/>
+          </a:ln>
+        </p:spPr>
+        <p:style>
+          <a:lnRef idx="1">
+            <a:schemeClr val="dk1"/>
+          </a:lnRef>
+          <a:fillRef idx="0">
+            <a:schemeClr val="dk1"/>
+          </a:fillRef>
+          <a:effectRef idx="0">
+            <a:schemeClr val="dk1"/>
+          </a:effectRef>
+          <a:fontRef idx="minor">
+            <a:schemeClr val="tx1"/>
+          </a:fontRef>
+        </p:style>
+      </p:cxnSp>
+      <p:sp>
+        <p:nvSpPr>
+          <p:cNvPr id="27" name="Textfeld 26">
+            <a:extLst>
+              <a:ext uri="{FF2B5EF4-FFF2-40B4-BE49-F238E27FC236}">
+                <a16:creationId xmlns:a16="http://schemas.microsoft.com/office/drawing/2014/main" id="{846C57A8-298E-453B-9058-B0513606F444}"/>
               </a:ext>
             </a:extLst>
           </p:cNvPr>
@@ -8062,8 +8086,8 @@
         </p:nvSpPr>
         <p:spPr>
           <a:xfrm>
-            <a:off x="124691" y="159679"/>
-            <a:ext cx="1715021" cy="369332"/>
+            <a:off x="4598632" y="3481353"/>
+            <a:ext cx="1417119" cy="646331"/>
           </a:xfrm>
           <a:prstGeom prst="rect">
             <a:avLst/>
@@ -8077,6 +8101,56 @@
           <a:lstStyle/>
           <a:p>
             <a:r>
+              <a:rPr lang="de-DE" dirty="0" err="1"/>
+              <a:t>TypeScript</a:t>
+            </a:r>
+            <a:r>
+              <a:rPr lang="de-DE" dirty="0"/>
+              <a:t> </a:t>
+            </a:r>
+            <a:r>
+              <a:rPr lang="de-DE" dirty="0" err="1"/>
+              <a:t>or</a:t>
+            </a:r>
+            <a:endParaRPr lang="de-DE" dirty="0"/>
+          </a:p>
+          <a:p>
+            <a:r>
+              <a:rPr lang="de-DE" dirty="0"/>
+              <a:t>REST</a:t>
+            </a:r>
+          </a:p>
+        </p:txBody>
+      </p:sp>
+      <p:sp>
+        <p:nvSpPr>
+          <p:cNvPr id="30" name="Textfeld 29">
+            <a:extLst>
+              <a:ext uri="{FF2B5EF4-FFF2-40B4-BE49-F238E27FC236}">
+                <a16:creationId xmlns:a16="http://schemas.microsoft.com/office/drawing/2014/main" id="{09EF0339-D02A-499B-98C4-419FBF15B727}"/>
+              </a:ext>
+            </a:extLst>
+          </p:cNvPr>
+          <p:cNvSpPr txBox="1"/>
+          <p:nvPr/>
+        </p:nvSpPr>
+        <p:spPr>
+          <a:xfrm>
+            <a:off x="124691" y="159679"/>
+            <a:ext cx="1715021" cy="369332"/>
+          </a:xfrm>
+          <a:prstGeom prst="rect">
+            <a:avLst/>
+          </a:prstGeom>
+          <a:noFill/>
+        </p:spPr>
+        <p:txBody>
+          <a:bodyPr wrap="none" rtlCol="0">
+            <a:spAutoFit/>
+          </a:bodyPr>
+          <a:lstStyle/>
+          <a:p>
+            <a:r>
               <a:rPr lang="de-DE" b="1" dirty="0" err="1"/>
               <a:t>Generic</a:t>
             </a:r>
@@ -8148,8 +8222,8 @@
         </p:nvSpPr>
         <p:spPr>
           <a:xfrm>
-            <a:off x="4391892" y="657460"/>
-            <a:ext cx="1502784" cy="369332"/>
+            <a:off x="3698208" y="657460"/>
+            <a:ext cx="2426113" cy="369332"/>
           </a:xfrm>
           <a:prstGeom prst="rect">
             <a:avLst/>
@@ -8171,7 +8245,7 @@
             </a:r>
             <a:r>
               <a:rPr lang="de-DE" b="1" dirty="0"/>
-              <a:t> a Service</a:t>
+              <a:t> an Angular Service</a:t>
             </a:r>
           </a:p>
         </p:txBody>
@@ -8190,7 +8264,7 @@
         </p:nvSpPr>
         <p:spPr>
           <a:xfrm>
-            <a:off x="7682144" y="657460"/>
+            <a:off x="9242668" y="657460"/>
             <a:ext cx="2585003" cy="369332"/>
           </a:xfrm>
           <a:prstGeom prst="rect">
@@ -8214,6 +8288,723 @@
             <a:r>
               <a:rPr lang="de-DE" b="1" dirty="0"/>
               <a:t> a Repository Service</a:t>
+            </a:r>
+          </a:p>
+        </p:txBody>
+      </p:sp>
+      <p:sp>
+        <p:nvSpPr>
+          <p:cNvPr id="28" name="Rechteck 27">
+            <a:extLst>
+              <a:ext uri="{FF2B5EF4-FFF2-40B4-BE49-F238E27FC236}">
+                <a16:creationId xmlns:a16="http://schemas.microsoft.com/office/drawing/2014/main" id="{2E7F8565-2FFF-4060-99DC-C7300A0145F2}"/>
+              </a:ext>
+            </a:extLst>
+          </p:cNvPr>
+          <p:cNvSpPr/>
+          <p:nvPr/>
+        </p:nvSpPr>
+        <p:spPr>
+          <a:xfrm>
+            <a:off x="6276786" y="3428999"/>
+            <a:ext cx="1977566" cy="1946566"/>
+          </a:xfrm>
+          <a:prstGeom prst="rect">
+            <a:avLst/>
+          </a:prstGeom>
+          <a:ln>
+            <a:prstDash val="dash"/>
+          </a:ln>
+        </p:spPr>
+        <p:style>
+          <a:lnRef idx="2">
+            <a:schemeClr val="accent6"/>
+          </a:lnRef>
+          <a:fillRef idx="1">
+            <a:schemeClr val="lt1"/>
+          </a:fillRef>
+          <a:effectRef idx="0">
+            <a:schemeClr val="accent6"/>
+          </a:effectRef>
+          <a:fontRef idx="minor">
+            <a:schemeClr val="dk1"/>
+          </a:fontRef>
+        </p:style>
+        <p:txBody>
+          <a:bodyPr rtlCol="0" anchor="b"/>
+          <a:lstStyle/>
+          <a:p>
+            <a:r>
+              <a:rPr lang="de-DE" dirty="0"/>
+              <a:t>Optional</a:t>
+            </a:r>
+          </a:p>
+        </p:txBody>
+      </p:sp>
+      <p:sp>
+        <p:nvSpPr>
+          <p:cNvPr id="34" name="Rechteck 33">
+            <a:extLst>
+              <a:ext uri="{FF2B5EF4-FFF2-40B4-BE49-F238E27FC236}">
+                <a16:creationId xmlns:a16="http://schemas.microsoft.com/office/drawing/2014/main" id="{FDE4D85F-806F-4D21-9190-B04582A2A3B0}"/>
+              </a:ext>
+            </a:extLst>
+          </p:cNvPr>
+          <p:cNvSpPr/>
+          <p:nvPr/>
+        </p:nvSpPr>
+        <p:spPr>
+          <a:xfrm>
+            <a:off x="6470751" y="1122217"/>
+            <a:ext cx="1624613" cy="777873"/>
+          </a:xfrm>
+          <a:prstGeom prst="rect">
+            <a:avLst/>
+          </a:prstGeom>
+        </p:spPr>
+        <p:style>
+          <a:lnRef idx="2">
+            <a:schemeClr val="accent6"/>
+          </a:lnRef>
+          <a:fillRef idx="1">
+            <a:schemeClr val="lt1"/>
+          </a:fillRef>
+          <a:effectRef idx="0">
+            <a:schemeClr val="accent6"/>
+          </a:effectRef>
+          <a:fontRef idx="minor">
+            <a:schemeClr val="dk1"/>
+          </a:fontRef>
+        </p:style>
+        <p:txBody>
+          <a:bodyPr rtlCol="0" anchor="ctr"/>
+          <a:lstStyle/>
+          <a:p>
+            <a:pPr algn="ctr"/>
+            <a:r>
+              <a:rPr lang="de-DE" dirty="0">
+                <a:solidFill>
+                  <a:schemeClr val="tx1"/>
+                </a:solidFill>
+              </a:rPr>
+              <a:t>Any Client </a:t>
+            </a:r>
+            <a:r>
+              <a:rPr lang="de-DE" dirty="0" err="1">
+                <a:solidFill>
+                  <a:schemeClr val="tx1"/>
+                </a:solidFill>
+              </a:rPr>
+              <a:t>or</a:t>
+            </a:r>
+            <a:r>
+              <a:rPr lang="de-DE" dirty="0">
+                <a:solidFill>
+                  <a:schemeClr val="tx1"/>
+                </a:solidFill>
+              </a:rPr>
+              <a:t> Service</a:t>
+            </a:r>
+          </a:p>
+        </p:txBody>
+      </p:sp>
+      <p:sp>
+        <p:nvSpPr>
+          <p:cNvPr id="35" name="Rechteck 34">
+            <a:extLst>
+              <a:ext uri="{FF2B5EF4-FFF2-40B4-BE49-F238E27FC236}">
+                <a16:creationId xmlns:a16="http://schemas.microsoft.com/office/drawing/2014/main" id="{0346E229-8D8A-4AB4-8BA1-7D177A23074D}"/>
+              </a:ext>
+            </a:extLst>
+          </p:cNvPr>
+          <p:cNvSpPr/>
+          <p:nvPr/>
+        </p:nvSpPr>
+        <p:spPr>
+          <a:xfrm>
+            <a:off x="6470751" y="2651126"/>
+            <a:ext cx="1624613" cy="777873"/>
+          </a:xfrm>
+          <a:prstGeom prst="rect">
+            <a:avLst/>
+          </a:prstGeom>
+        </p:spPr>
+        <p:style>
+          <a:lnRef idx="2">
+            <a:schemeClr val="accent1">
+              <a:shade val="50000"/>
+            </a:schemeClr>
+          </a:lnRef>
+          <a:fillRef idx="1">
+            <a:schemeClr val="accent1"/>
+          </a:fillRef>
+          <a:effectRef idx="0">
+            <a:schemeClr val="accent1"/>
+          </a:effectRef>
+          <a:fontRef idx="minor">
+            <a:schemeClr val="lt1"/>
+          </a:fontRef>
+        </p:style>
+        <p:txBody>
+          <a:bodyPr rtlCol="0" anchor="ctr"/>
+          <a:lstStyle/>
+          <a:p>
+            <a:pPr algn="ctr"/>
+            <a:r>
+              <a:rPr lang="de-DE" dirty="0">
+                <a:solidFill>
+                  <a:schemeClr val="tx1"/>
+                </a:solidFill>
+              </a:rPr>
+              <a:t>Service</a:t>
+            </a:r>
+          </a:p>
+          <a:p>
+            <a:pPr algn="ctr"/>
+            <a:r>
+              <a:rPr lang="de-DE" dirty="0">
+                <a:solidFill>
+                  <a:schemeClr val="tx1"/>
+                </a:solidFill>
+              </a:rPr>
+              <a:t>Spring</a:t>
+            </a:r>
+          </a:p>
+        </p:txBody>
+      </p:sp>
+      <p:cxnSp>
+        <p:nvCxnSpPr>
+          <p:cNvPr id="36" name="Gerade Verbindung mit Pfeil 35">
+            <a:extLst>
+              <a:ext uri="{FF2B5EF4-FFF2-40B4-BE49-F238E27FC236}">
+                <a16:creationId xmlns:a16="http://schemas.microsoft.com/office/drawing/2014/main" id="{E19994ED-0C91-4F96-BB51-DF7BFA867605}"/>
+              </a:ext>
+            </a:extLst>
+          </p:cNvPr>
+          <p:cNvCxnSpPr>
+            <a:stCxn id="34" idx="2"/>
+            <a:endCxn id="35" idx="0"/>
+          </p:cNvCxnSpPr>
+          <p:nvPr/>
+        </p:nvCxnSpPr>
+        <p:spPr>
+          <a:xfrm>
+            <a:off x="7283058" y="1900090"/>
+            <a:ext cx="0" cy="751036"/>
+          </a:xfrm>
+          <a:prstGeom prst="straightConnector1">
+            <a:avLst/>
+          </a:prstGeom>
+          <a:ln>
+            <a:tailEnd type="triangle"/>
+          </a:ln>
+        </p:spPr>
+        <p:style>
+          <a:lnRef idx="1">
+            <a:schemeClr val="dk1"/>
+          </a:lnRef>
+          <a:fillRef idx="0">
+            <a:schemeClr val="dk1"/>
+          </a:fillRef>
+          <a:effectRef idx="0">
+            <a:schemeClr val="dk1"/>
+          </a:effectRef>
+          <a:fontRef idx="minor">
+            <a:schemeClr val="tx1"/>
+          </a:fontRef>
+        </p:style>
+      </p:cxnSp>
+      <p:sp>
+        <p:nvSpPr>
+          <p:cNvPr id="37" name="Textfeld 36">
+            <a:extLst>
+              <a:ext uri="{FF2B5EF4-FFF2-40B4-BE49-F238E27FC236}">
+                <a16:creationId xmlns:a16="http://schemas.microsoft.com/office/drawing/2014/main" id="{7AE96E9E-2E42-45FF-BB97-871CE8FEF960}"/>
+              </a:ext>
+            </a:extLst>
+          </p:cNvPr>
+          <p:cNvSpPr txBox="1"/>
+          <p:nvPr/>
+        </p:nvSpPr>
+        <p:spPr>
+          <a:xfrm>
+            <a:off x="7371175" y="2090942"/>
+            <a:ext cx="636072" cy="369332"/>
+          </a:xfrm>
+          <a:prstGeom prst="rect">
+            <a:avLst/>
+          </a:prstGeom>
+          <a:noFill/>
+        </p:spPr>
+        <p:txBody>
+          <a:bodyPr wrap="none" rtlCol="0">
+            <a:spAutoFit/>
+          </a:bodyPr>
+          <a:lstStyle/>
+          <a:p>
+            <a:r>
+              <a:rPr lang="de-DE" dirty="0"/>
+              <a:t>REST</a:t>
+            </a:r>
+          </a:p>
+        </p:txBody>
+      </p:sp>
+      <p:sp>
+        <p:nvSpPr>
+          <p:cNvPr id="38" name="Rechteck 37">
+            <a:extLst>
+              <a:ext uri="{FF2B5EF4-FFF2-40B4-BE49-F238E27FC236}">
+                <a16:creationId xmlns:a16="http://schemas.microsoft.com/office/drawing/2014/main" id="{02DB0B7B-B5E7-4834-AFA6-320EA033A8C1}"/>
+              </a:ext>
+            </a:extLst>
+          </p:cNvPr>
+          <p:cNvSpPr/>
+          <p:nvPr/>
+        </p:nvSpPr>
+        <p:spPr>
+          <a:xfrm>
+            <a:off x="6470751" y="4180038"/>
+            <a:ext cx="1624613" cy="777873"/>
+          </a:xfrm>
+          <a:prstGeom prst="rect">
+            <a:avLst/>
+          </a:prstGeom>
+        </p:spPr>
+        <p:style>
+          <a:lnRef idx="2">
+            <a:schemeClr val="accent6"/>
+          </a:lnRef>
+          <a:fillRef idx="1">
+            <a:schemeClr val="lt1"/>
+          </a:fillRef>
+          <a:effectRef idx="0">
+            <a:schemeClr val="accent6"/>
+          </a:effectRef>
+          <a:fontRef idx="minor">
+            <a:schemeClr val="dk1"/>
+          </a:fontRef>
+        </p:style>
+        <p:txBody>
+          <a:bodyPr rtlCol="0" anchor="ctr"/>
+          <a:lstStyle/>
+          <a:p>
+            <a:pPr algn="ctr"/>
+            <a:r>
+              <a:rPr lang="de-DE" dirty="0">
+                <a:solidFill>
+                  <a:schemeClr val="tx1"/>
+                </a:solidFill>
+              </a:rPr>
+              <a:t>Any Service</a:t>
+            </a:r>
+          </a:p>
+        </p:txBody>
+      </p:sp>
+      <p:cxnSp>
+        <p:nvCxnSpPr>
+          <p:cNvPr id="39" name="Gerade Verbindung mit Pfeil 38">
+            <a:extLst>
+              <a:ext uri="{FF2B5EF4-FFF2-40B4-BE49-F238E27FC236}">
+                <a16:creationId xmlns:a16="http://schemas.microsoft.com/office/drawing/2014/main" id="{0F5DAB3D-1C32-4FDC-A0E0-5532B27131F0}"/>
+              </a:ext>
+            </a:extLst>
+          </p:cNvPr>
+          <p:cNvCxnSpPr>
+            <a:cxnSpLocks/>
+          </p:cNvCxnSpPr>
+          <p:nvPr/>
+        </p:nvCxnSpPr>
+        <p:spPr>
+          <a:xfrm>
+            <a:off x="7283058" y="3429002"/>
+            <a:ext cx="0" cy="751036"/>
+          </a:xfrm>
+          <a:prstGeom prst="straightConnector1">
+            <a:avLst/>
+          </a:prstGeom>
+          <a:ln>
+            <a:tailEnd type="triangle"/>
+          </a:ln>
+        </p:spPr>
+        <p:style>
+          <a:lnRef idx="1">
+            <a:schemeClr val="dk1"/>
+          </a:lnRef>
+          <a:fillRef idx="0">
+            <a:schemeClr val="dk1"/>
+          </a:fillRef>
+          <a:effectRef idx="0">
+            <a:schemeClr val="dk1"/>
+          </a:effectRef>
+          <a:fontRef idx="minor">
+            <a:schemeClr val="tx1"/>
+          </a:fontRef>
+        </p:style>
+      </p:cxnSp>
+      <p:sp>
+        <p:nvSpPr>
+          <p:cNvPr id="40" name="Textfeld 39">
+            <a:extLst>
+              <a:ext uri="{FF2B5EF4-FFF2-40B4-BE49-F238E27FC236}">
+                <a16:creationId xmlns:a16="http://schemas.microsoft.com/office/drawing/2014/main" id="{12B2FDD5-F9C9-4B53-ABE4-87A0275EA5DF}"/>
+              </a:ext>
+            </a:extLst>
+          </p:cNvPr>
+          <p:cNvSpPr txBox="1"/>
+          <p:nvPr/>
+        </p:nvSpPr>
+        <p:spPr>
+          <a:xfrm>
+            <a:off x="7371175" y="3619851"/>
+            <a:ext cx="636072" cy="369332"/>
+          </a:xfrm>
+          <a:prstGeom prst="rect">
+            <a:avLst/>
+          </a:prstGeom>
+          <a:noFill/>
+        </p:spPr>
+        <p:txBody>
+          <a:bodyPr wrap="none" rtlCol="0">
+            <a:spAutoFit/>
+          </a:bodyPr>
+          <a:lstStyle/>
+          <a:p>
+            <a:r>
+              <a:rPr lang="de-DE" dirty="0"/>
+              <a:t>REST</a:t>
+            </a:r>
+          </a:p>
+        </p:txBody>
+      </p:sp>
+      <p:sp>
+        <p:nvSpPr>
+          <p:cNvPr id="41" name="Rechteck 40">
+            <a:extLst>
+              <a:ext uri="{FF2B5EF4-FFF2-40B4-BE49-F238E27FC236}">
+                <a16:creationId xmlns:a16="http://schemas.microsoft.com/office/drawing/2014/main" id="{DF46C545-CBA5-4836-A4D4-6B1AE28CAD9B}"/>
+              </a:ext>
+            </a:extLst>
+          </p:cNvPr>
+          <p:cNvSpPr/>
+          <p:nvPr/>
+        </p:nvSpPr>
+        <p:spPr>
+          <a:xfrm>
+            <a:off x="6470751" y="657460"/>
+            <a:ext cx="2016065" cy="369332"/>
+          </a:xfrm>
+          <a:prstGeom prst="rect">
+            <a:avLst/>
+          </a:prstGeom>
+        </p:spPr>
+        <p:txBody>
+          <a:bodyPr wrap="none">
+            <a:spAutoFit/>
+          </a:bodyPr>
+          <a:lstStyle/>
+          <a:p>
+            <a:r>
+              <a:rPr lang="de-DE" b="1" dirty="0"/>
+              <a:t>… </a:t>
+            </a:r>
+            <a:r>
+              <a:rPr lang="de-DE" b="1" dirty="0" err="1"/>
+              <a:t>of</a:t>
+            </a:r>
+            <a:r>
+              <a:rPr lang="de-DE" b="1" dirty="0"/>
+              <a:t> a REST Service</a:t>
+            </a:r>
+          </a:p>
+        </p:txBody>
+      </p:sp>
+      <p:sp>
+        <p:nvSpPr>
+          <p:cNvPr id="42" name="Textfeld 41">
+            <a:extLst>
+              <a:ext uri="{FF2B5EF4-FFF2-40B4-BE49-F238E27FC236}">
+                <a16:creationId xmlns:a16="http://schemas.microsoft.com/office/drawing/2014/main" id="{EBEF9BAE-CD1F-4684-8F9E-FA0560DFD499}"/>
+              </a:ext>
+            </a:extLst>
+          </p:cNvPr>
+          <p:cNvSpPr txBox="1"/>
+          <p:nvPr/>
+        </p:nvSpPr>
+        <p:spPr>
+          <a:xfrm>
+            <a:off x="8832139" y="5104735"/>
+            <a:ext cx="2021900" cy="369332"/>
+          </a:xfrm>
+          <a:prstGeom prst="rect">
+            <a:avLst/>
+          </a:prstGeom>
+          <a:noFill/>
+        </p:spPr>
+        <p:txBody>
+          <a:bodyPr wrap="none" rtlCol="0">
+            <a:spAutoFit/>
+          </a:bodyPr>
+          <a:lstStyle/>
+          <a:p>
+            <a:r>
+              <a:rPr lang="de-DE" dirty="0"/>
+              <a:t>Repository  Service</a:t>
+            </a:r>
+          </a:p>
+        </p:txBody>
+      </p:sp>
+      <p:cxnSp>
+        <p:nvCxnSpPr>
+          <p:cNvPr id="18" name="Gerader Verbinder 17">
+            <a:extLst>
+              <a:ext uri="{FF2B5EF4-FFF2-40B4-BE49-F238E27FC236}">
+                <a16:creationId xmlns:a16="http://schemas.microsoft.com/office/drawing/2014/main" id="{3E8299EB-F845-4D6E-8519-51480FFA9285}"/>
+              </a:ext>
+            </a:extLst>
+          </p:cNvPr>
+          <p:cNvCxnSpPr>
+            <a:cxnSpLocks/>
+          </p:cNvCxnSpPr>
+          <p:nvPr/>
+        </p:nvCxnSpPr>
+        <p:spPr>
+          <a:xfrm>
+            <a:off x="6169981" y="101138"/>
+            <a:ext cx="0" cy="6461521"/>
+          </a:xfrm>
+          <a:prstGeom prst="line">
+            <a:avLst/>
+          </a:prstGeom>
+        </p:spPr>
+        <p:style>
+          <a:lnRef idx="1">
+            <a:schemeClr val="dk1"/>
+          </a:lnRef>
+          <a:fillRef idx="0">
+            <a:schemeClr val="dk1"/>
+          </a:fillRef>
+          <a:effectRef idx="0">
+            <a:schemeClr val="dk1"/>
+          </a:effectRef>
+          <a:fontRef idx="minor">
+            <a:schemeClr val="tx1"/>
+          </a:fontRef>
+        </p:style>
+      </p:cxnSp>
+      <p:sp>
+        <p:nvSpPr>
+          <p:cNvPr id="20" name="Rechteck 19">
+            <a:extLst>
+              <a:ext uri="{FF2B5EF4-FFF2-40B4-BE49-F238E27FC236}">
+                <a16:creationId xmlns:a16="http://schemas.microsoft.com/office/drawing/2014/main" id="{EB122BAD-4A75-4DCD-85B0-A8131CF97A2F}"/>
+              </a:ext>
+            </a:extLst>
+          </p:cNvPr>
+          <p:cNvSpPr/>
+          <p:nvPr/>
+        </p:nvSpPr>
+        <p:spPr>
+          <a:xfrm>
+            <a:off x="62151" y="6251940"/>
+            <a:ext cx="6033849" cy="310719"/>
+          </a:xfrm>
+          <a:prstGeom prst="rect">
+            <a:avLst/>
+          </a:prstGeom>
+        </p:spPr>
+        <p:style>
+          <a:lnRef idx="2">
+            <a:schemeClr val="accent1">
+              <a:shade val="50000"/>
+            </a:schemeClr>
+          </a:lnRef>
+          <a:fillRef idx="1">
+            <a:schemeClr val="accent1"/>
+          </a:fillRef>
+          <a:effectRef idx="0">
+            <a:schemeClr val="accent1"/>
+          </a:effectRef>
+          <a:fontRef idx="minor">
+            <a:schemeClr val="lt1"/>
+          </a:fontRef>
+        </p:style>
+        <p:txBody>
+          <a:bodyPr rtlCol="0" anchor="ctr"/>
+          <a:lstStyle/>
+          <a:p>
+            <a:pPr algn="ctr"/>
+            <a:r>
+              <a:rPr lang="de-DE" dirty="0">
+                <a:solidFill>
+                  <a:schemeClr val="tx1"/>
+                </a:solidFill>
+              </a:rPr>
+              <a:t>Client-</a:t>
+            </a:r>
+            <a:r>
+              <a:rPr lang="de-DE" dirty="0" err="1">
+                <a:solidFill>
+                  <a:schemeClr val="tx1"/>
+                </a:solidFill>
+              </a:rPr>
+              <a:t>side</a:t>
+            </a:r>
+            <a:r>
+              <a:rPr lang="de-DE" dirty="0">
+                <a:solidFill>
+                  <a:schemeClr val="tx1"/>
+                </a:solidFill>
+              </a:rPr>
+              <a:t> (</a:t>
+            </a:r>
+            <a:r>
+              <a:rPr lang="de-DE" dirty="0" err="1">
+                <a:solidFill>
+                  <a:schemeClr val="tx1"/>
+                </a:solidFill>
+              </a:rPr>
+              <a:t>runs</a:t>
+            </a:r>
+            <a:r>
+              <a:rPr lang="de-DE" dirty="0">
+                <a:solidFill>
+                  <a:schemeClr val="tx1"/>
+                </a:solidFill>
+              </a:rPr>
+              <a:t> in </a:t>
+            </a:r>
+            <a:r>
+              <a:rPr lang="de-DE" dirty="0" err="1">
+                <a:solidFill>
+                  <a:schemeClr val="tx1"/>
+                </a:solidFill>
+              </a:rPr>
+              <a:t>browser</a:t>
+            </a:r>
+            <a:r>
+              <a:rPr lang="de-DE" dirty="0">
+                <a:solidFill>
+                  <a:schemeClr val="tx1"/>
+                </a:solidFill>
+              </a:rPr>
+              <a:t>)</a:t>
+            </a:r>
+          </a:p>
+        </p:txBody>
+      </p:sp>
+      <p:sp>
+        <p:nvSpPr>
+          <p:cNvPr id="43" name="Rechteck 42">
+            <a:extLst>
+              <a:ext uri="{FF2B5EF4-FFF2-40B4-BE49-F238E27FC236}">
+                <a16:creationId xmlns:a16="http://schemas.microsoft.com/office/drawing/2014/main" id="{8D251701-AE76-4166-BF0D-B58F167E1205}"/>
+              </a:ext>
+            </a:extLst>
+          </p:cNvPr>
+          <p:cNvSpPr/>
+          <p:nvPr/>
+        </p:nvSpPr>
+        <p:spPr>
+          <a:xfrm>
+            <a:off x="6225744" y="6251940"/>
+            <a:ext cx="5904106" cy="310719"/>
+          </a:xfrm>
+          <a:prstGeom prst="rect">
+            <a:avLst/>
+          </a:prstGeom>
+        </p:spPr>
+        <p:style>
+          <a:lnRef idx="2">
+            <a:schemeClr val="accent1">
+              <a:shade val="50000"/>
+            </a:schemeClr>
+          </a:lnRef>
+          <a:fillRef idx="1">
+            <a:schemeClr val="accent1"/>
+          </a:fillRef>
+          <a:effectRef idx="0">
+            <a:schemeClr val="accent1"/>
+          </a:effectRef>
+          <a:fontRef idx="minor">
+            <a:schemeClr val="lt1"/>
+          </a:fontRef>
+        </p:style>
+        <p:txBody>
+          <a:bodyPr rtlCol="0" anchor="ctr"/>
+          <a:lstStyle/>
+          <a:p>
+            <a:pPr algn="ctr"/>
+            <a:r>
+              <a:rPr lang="de-DE" dirty="0">
+                <a:solidFill>
+                  <a:schemeClr val="tx1"/>
+                </a:solidFill>
+              </a:rPr>
+              <a:t>Server-</a:t>
+            </a:r>
+            <a:r>
+              <a:rPr lang="de-DE" dirty="0" err="1">
+                <a:solidFill>
+                  <a:schemeClr val="tx1"/>
+                </a:solidFill>
+              </a:rPr>
+              <a:t>side</a:t>
+            </a:r>
+            <a:r>
+              <a:rPr lang="de-DE" dirty="0">
+                <a:solidFill>
+                  <a:schemeClr val="tx1"/>
+                </a:solidFill>
+              </a:rPr>
+              <a:t> (</a:t>
+            </a:r>
+            <a:r>
+              <a:rPr lang="de-DE" dirty="0" err="1">
+                <a:solidFill>
+                  <a:schemeClr val="tx1"/>
+                </a:solidFill>
+              </a:rPr>
+              <a:t>runs</a:t>
+            </a:r>
+            <a:r>
+              <a:rPr lang="de-DE" dirty="0">
+                <a:solidFill>
+                  <a:schemeClr val="tx1"/>
+                </a:solidFill>
+              </a:rPr>
+              <a:t> on </a:t>
+            </a:r>
+            <a:r>
+              <a:rPr lang="de-DE" dirty="0" err="1">
+                <a:solidFill>
+                  <a:schemeClr val="tx1"/>
+                </a:solidFill>
+              </a:rPr>
+              <a:t>server</a:t>
+            </a:r>
+            <a:r>
+              <a:rPr lang="de-DE" dirty="0">
+                <a:solidFill>
+                  <a:schemeClr val="tx1"/>
+                </a:solidFill>
+              </a:rPr>
+              <a:t>, </a:t>
+            </a:r>
+            <a:r>
+              <a:rPr lang="de-DE" dirty="0" err="1">
+                <a:solidFill>
+                  <a:schemeClr val="tx1"/>
+                </a:solidFill>
+              </a:rPr>
+              <a:t>cloud</a:t>
+            </a:r>
+            <a:r>
+              <a:rPr lang="de-DE" dirty="0">
+                <a:solidFill>
+                  <a:schemeClr val="tx1"/>
+                </a:solidFill>
+              </a:rPr>
+              <a:t>, …)</a:t>
             </a:r>
           </a:p>
         </p:txBody>
@@ -8250,10 +9041,10 @@
       </p:grpSpPr>
       <p:sp>
         <p:nvSpPr>
-          <p:cNvPr id="2" name="Rechteck 1">
-            <a:extLst>
-              <a:ext uri="{FF2B5EF4-FFF2-40B4-BE49-F238E27FC236}">
-                <a16:creationId xmlns:a16="http://schemas.microsoft.com/office/drawing/2014/main" id="{08D7FEF8-3120-41A9-B64D-EB705BD022F6}"/>
+          <p:cNvPr id="4" name="Rechteck 3">
+            <a:extLst>
+              <a:ext uri="{FF2B5EF4-FFF2-40B4-BE49-F238E27FC236}">
+                <a16:creationId xmlns:a16="http://schemas.microsoft.com/office/drawing/2014/main" id="{1BF327DB-D5CE-4DFC-AB19-955030E12BBF}"/>
               </a:ext>
             </a:extLst>
           </p:cNvPr>
@@ -8262,57 +9053,8 @@
         </p:nvSpPr>
         <p:spPr>
           <a:xfrm>
-            <a:off x="4197927" y="3428999"/>
-            <a:ext cx="1977566" cy="1946566"/>
-          </a:xfrm>
-          <a:prstGeom prst="rect">
-            <a:avLst/>
-          </a:prstGeom>
-          <a:ln>
-            <a:prstDash val="dash"/>
-          </a:ln>
-        </p:spPr>
-        <p:style>
-          <a:lnRef idx="2">
-            <a:schemeClr val="accent6"/>
-          </a:lnRef>
-          <a:fillRef idx="1">
-            <a:schemeClr val="lt1"/>
-          </a:fillRef>
-          <a:effectRef idx="0">
-            <a:schemeClr val="accent6"/>
-          </a:effectRef>
-          <a:fontRef idx="minor">
-            <a:schemeClr val="dk1"/>
-          </a:fontRef>
-        </p:style>
-        <p:txBody>
-          <a:bodyPr rtlCol="0" anchor="b"/>
-          <a:lstStyle/>
-          <a:p>
-            <a:r>
-              <a:rPr lang="de-DE" dirty="0"/>
-              <a:t>Optional</a:t>
-            </a:r>
-          </a:p>
-        </p:txBody>
-      </p:sp>
-      <p:sp>
-        <p:nvSpPr>
-          <p:cNvPr id="3" name="Rechteck 2">
-            <a:extLst>
-              <a:ext uri="{FF2B5EF4-FFF2-40B4-BE49-F238E27FC236}">
-                <a16:creationId xmlns:a16="http://schemas.microsoft.com/office/drawing/2014/main" id="{89E2C3DE-D2A7-4B41-9802-59AC114C143A}"/>
-              </a:ext>
-            </a:extLst>
-          </p:cNvPr>
-          <p:cNvSpPr/>
-          <p:nvPr/>
-        </p:nvSpPr>
-        <p:spPr>
-          <a:xfrm>
-            <a:off x="1115090" y="1122218"/>
-            <a:ext cx="1624613" cy="777873"/>
+            <a:off x="8871796" y="2460273"/>
+            <a:ext cx="2366353" cy="3013794"/>
           </a:xfrm>
           <a:prstGeom prst="rect">
             <a:avLst/>
@@ -8339,39 +9081,16 @@
           <a:lstStyle/>
           <a:p>
             <a:pPr algn="ctr"/>
-            <a:r>
-              <a:rPr lang="de-DE" dirty="0" err="1">
-                <a:solidFill>
-                  <a:schemeClr val="tx1"/>
-                </a:solidFill>
-              </a:rPr>
-              <a:t>WebClient</a:t>
-            </a:r>
-            <a:endParaRPr lang="de-DE" dirty="0">
-              <a:solidFill>
-                <a:schemeClr val="tx1"/>
-              </a:solidFill>
-            </a:endParaRPr>
-          </a:p>
-          <a:p>
-            <a:pPr algn="ctr"/>
-            <a:r>
-              <a:rPr lang="de-DE" dirty="0">
-                <a:solidFill>
-                  <a:schemeClr val="tx1"/>
-                </a:solidFill>
-              </a:rPr>
-              <a:t>AngularJS</a:t>
-            </a:r>
-          </a:p>
-        </p:txBody>
-      </p:sp>
-      <p:sp>
-        <p:nvSpPr>
-          <p:cNvPr id="4" name="Rechteck 3">
-            <a:extLst>
-              <a:ext uri="{FF2B5EF4-FFF2-40B4-BE49-F238E27FC236}">
-                <a16:creationId xmlns:a16="http://schemas.microsoft.com/office/drawing/2014/main" id="{C418EA07-E9C7-4FA9-A57D-B151746C41A4}"/>
+            <a:endParaRPr lang="de-DE"/>
+          </a:p>
+        </p:txBody>
+      </p:sp>
+      <p:sp>
+        <p:nvSpPr>
+          <p:cNvPr id="29" name="Rechteck 28">
+            <a:extLst>
+              <a:ext uri="{FF2B5EF4-FFF2-40B4-BE49-F238E27FC236}">
+                <a16:creationId xmlns:a16="http://schemas.microsoft.com/office/drawing/2014/main" id="{A196FB9A-918A-4885-8862-FC6161DF727C}"/>
               </a:ext>
             </a:extLst>
           </p:cNvPr>
@@ -8380,15 +9099,15 @@
         </p:nvSpPr>
         <p:spPr>
           <a:xfrm>
-            <a:off x="1115090" y="2651127"/>
-            <a:ext cx="1624613" cy="777873"/>
+            <a:off x="3504243" y="3428999"/>
+            <a:ext cx="1977566" cy="1946566"/>
           </a:xfrm>
           <a:prstGeom prst="rect">
             <a:avLst/>
           </a:prstGeom>
-          <a:solidFill>
-            <a:schemeClr val="tx1"/>
-          </a:solidFill>
+          <a:ln>
+            <a:prstDash val="dash"/>
+          </a:ln>
         </p:spPr>
         <p:style>
           <a:lnRef idx="2">
@@ -8405,80 +9124,22 @@
           </a:fontRef>
         </p:style>
         <p:txBody>
-          <a:bodyPr rtlCol="0" anchor="ctr"/>
-          <a:lstStyle/>
-          <a:p>
-            <a:pPr algn="ctr"/>
-            <a:r>
-              <a:rPr lang="de-DE" dirty="0">
-                <a:solidFill>
-                  <a:schemeClr val="bg1"/>
-                </a:solidFill>
-              </a:rPr>
-              <a:t>Mock Service</a:t>
-            </a:r>
-          </a:p>
-          <a:p>
-            <a:pPr algn="ctr"/>
-            <a:r>
-              <a:rPr lang="de-DE" dirty="0">
-                <a:solidFill>
-                  <a:schemeClr val="bg1"/>
-                </a:solidFill>
-              </a:rPr>
-              <a:t>Spring</a:t>
-            </a:r>
-          </a:p>
-        </p:txBody>
-      </p:sp>
-      <p:cxnSp>
-        <p:nvCxnSpPr>
-          <p:cNvPr id="5" name="Gerade Verbindung mit Pfeil 4">
-            <a:extLst>
-              <a:ext uri="{FF2B5EF4-FFF2-40B4-BE49-F238E27FC236}">
-                <a16:creationId xmlns:a16="http://schemas.microsoft.com/office/drawing/2014/main" id="{C1BF9859-9745-47B9-B908-DEF9F48FAB97}"/>
-              </a:ext>
-            </a:extLst>
-          </p:cNvPr>
-          <p:cNvCxnSpPr>
-            <a:stCxn id="3" idx="2"/>
-            <a:endCxn id="4" idx="0"/>
-          </p:cNvCxnSpPr>
-          <p:nvPr/>
-        </p:nvCxnSpPr>
-        <p:spPr>
-          <a:xfrm>
-            <a:off x="1927397" y="1900091"/>
-            <a:ext cx="0" cy="751036"/>
-          </a:xfrm>
-          <a:prstGeom prst="straightConnector1">
-            <a:avLst/>
-          </a:prstGeom>
-          <a:ln>
-            <a:tailEnd type="triangle"/>
-          </a:ln>
-        </p:spPr>
-        <p:style>
-          <a:lnRef idx="1">
-            <a:schemeClr val="dk1"/>
-          </a:lnRef>
-          <a:fillRef idx="0">
-            <a:schemeClr val="dk1"/>
-          </a:fillRef>
-          <a:effectRef idx="0">
-            <a:schemeClr val="dk1"/>
-          </a:effectRef>
-          <a:fontRef idx="minor">
-            <a:schemeClr val="tx1"/>
-          </a:fontRef>
-        </p:style>
-      </p:cxnSp>
-      <p:sp>
-        <p:nvSpPr>
-          <p:cNvPr id="6" name="Rechteck 5">
-            <a:extLst>
-              <a:ext uri="{FF2B5EF4-FFF2-40B4-BE49-F238E27FC236}">
-                <a16:creationId xmlns:a16="http://schemas.microsoft.com/office/drawing/2014/main" id="{7C530E95-9049-4659-8C46-660AB4575175}"/>
+          <a:bodyPr rtlCol="0" anchor="b"/>
+          <a:lstStyle/>
+          <a:p>
+            <a:r>
+              <a:rPr lang="de-DE" dirty="0"/>
+              <a:t>Optional</a:t>
+            </a:r>
+          </a:p>
+        </p:txBody>
+      </p:sp>
+      <p:sp>
+        <p:nvSpPr>
+          <p:cNvPr id="2" name="Rechteck 1">
+            <a:extLst>
+              <a:ext uri="{FF2B5EF4-FFF2-40B4-BE49-F238E27FC236}">
+                <a16:creationId xmlns:a16="http://schemas.microsoft.com/office/drawing/2014/main" id="{05C2A7D3-F07B-4682-A3A2-86AA8B6815DC}"/>
               </a:ext>
             </a:extLst>
           </p:cNvPr>
@@ -8487,77 +9148,7 @@
         </p:nvSpPr>
         <p:spPr>
           <a:xfrm>
-            <a:off x="7682144" y="1122217"/>
-            <a:ext cx="1624613" cy="777873"/>
-          </a:xfrm>
-          <a:prstGeom prst="rect">
-            <a:avLst/>
-          </a:prstGeom>
-          <a:solidFill>
-            <a:schemeClr val="tx1"/>
-          </a:solidFill>
-        </p:spPr>
-        <p:style>
-          <a:lnRef idx="2">
-            <a:schemeClr val="accent6"/>
-          </a:lnRef>
-          <a:fillRef idx="1">
-            <a:schemeClr val="lt1"/>
-          </a:fillRef>
-          <a:effectRef idx="0">
-            <a:schemeClr val="accent6"/>
-          </a:effectRef>
-          <a:fontRef idx="minor">
-            <a:schemeClr val="dk1"/>
-          </a:fontRef>
-        </p:style>
-        <p:txBody>
-          <a:bodyPr rtlCol="0" anchor="ctr"/>
-          <a:lstStyle/>
-          <a:p>
-            <a:pPr algn="ctr"/>
-            <a:r>
-              <a:rPr lang="de-DE" dirty="0">
-                <a:solidFill>
-                  <a:schemeClr val="bg1"/>
-                </a:solidFill>
-              </a:rPr>
-              <a:t>Mock Client</a:t>
-            </a:r>
-          </a:p>
-          <a:p>
-            <a:pPr algn="ctr"/>
-            <a:r>
-              <a:rPr lang="de-DE" dirty="0" err="1">
-                <a:solidFill>
-                  <a:schemeClr val="bg1"/>
-                </a:solidFill>
-              </a:rPr>
-              <a:t>JUnit</a:t>
-            </a:r>
-            <a:endParaRPr lang="de-DE" dirty="0">
-              <a:solidFill>
-                <a:schemeClr val="bg1"/>
-              </a:solidFill>
-            </a:endParaRPr>
-          </a:p>
-        </p:txBody>
-      </p:sp>
-      <p:sp>
-        <p:nvSpPr>
-          <p:cNvPr id="7" name="Rechteck 6">
-            <a:extLst>
-              <a:ext uri="{FF2B5EF4-FFF2-40B4-BE49-F238E27FC236}">
-                <a16:creationId xmlns:a16="http://schemas.microsoft.com/office/drawing/2014/main" id="{E91A103E-AAB6-413F-A436-A68018325CE7}"/>
-              </a:ext>
-            </a:extLst>
-          </p:cNvPr>
-          <p:cNvSpPr/>
-          <p:nvPr/>
-        </p:nvSpPr>
-        <p:spPr>
-          <a:xfrm>
-            <a:off x="7682144" y="2651126"/>
+            <a:off x="1115090" y="1122218"/>
             <a:ext cx="1624613" cy="777873"/>
           </a:xfrm>
           <a:prstGeom prst="rect">
@@ -8591,45 +9182,122 @@
                   <a:schemeClr val="tx1"/>
                 </a:solidFill>
               </a:rPr>
-              <a:t>Repository Service </a:t>
-            </a:r>
-            <a:br>
+              <a:t>Angular </a:t>
+            </a:r>
+            <a:r>
+              <a:rPr lang="de-DE" dirty="0" err="1">
+                <a:solidFill>
+                  <a:schemeClr val="tx1"/>
+                </a:solidFill>
+              </a:rPr>
+              <a:t>Component</a:t>
+            </a:r>
+            <a:endParaRPr lang="de-DE" dirty="0">
+              <a:solidFill>
+                <a:schemeClr val="tx1"/>
+              </a:solidFill>
+            </a:endParaRPr>
+          </a:p>
+        </p:txBody>
+      </p:sp>
+      <p:sp>
+        <p:nvSpPr>
+          <p:cNvPr id="3" name="Rechteck 2">
+            <a:extLst>
+              <a:ext uri="{FF2B5EF4-FFF2-40B4-BE49-F238E27FC236}">
+                <a16:creationId xmlns:a16="http://schemas.microsoft.com/office/drawing/2014/main" id="{90A58F83-651C-4E63-B8EB-2E348227B9F3}"/>
+              </a:ext>
+            </a:extLst>
+          </p:cNvPr>
+          <p:cNvSpPr/>
+          <p:nvPr/>
+        </p:nvSpPr>
+        <p:spPr>
+          <a:xfrm>
+            <a:off x="1115090" y="2651127"/>
+            <a:ext cx="1624613" cy="777873"/>
+          </a:xfrm>
+          <a:prstGeom prst="rect">
+            <a:avLst/>
+          </a:prstGeom>
+        </p:spPr>
+        <p:style>
+          <a:lnRef idx="2">
+            <a:schemeClr val="dk1">
+              <a:shade val="50000"/>
+            </a:schemeClr>
+          </a:lnRef>
+          <a:fillRef idx="1">
+            <a:schemeClr val="dk1"/>
+          </a:fillRef>
+          <a:effectRef idx="0">
+            <a:schemeClr val="dk1"/>
+          </a:effectRef>
+          <a:fontRef idx="minor">
+            <a:schemeClr val="lt1"/>
+          </a:fontRef>
+        </p:style>
+        <p:txBody>
+          <a:bodyPr rtlCol="0" anchor="ctr"/>
+          <a:lstStyle/>
+          <a:p>
+            <a:pPr algn="ctr"/>
+            <a:r>
               <a:rPr lang="de-DE" dirty="0">
                 <a:solidFill>
-                  <a:schemeClr val="tx1"/>
-                </a:solidFill>
-              </a:rPr>
-            </a:br>
+                  <a:schemeClr val="bg1"/>
+                </a:solidFill>
+              </a:rPr>
+              <a:t>Mock Service</a:t>
+            </a:r>
+          </a:p>
+          <a:p>
+            <a:pPr algn="ctr"/>
             <a:r>
               <a:rPr lang="de-DE" dirty="0">
                 <a:solidFill>
-                  <a:schemeClr val="tx1"/>
-                </a:solidFill>
-              </a:rPr>
-              <a:t>Spring</a:t>
+                  <a:schemeClr val="bg1"/>
+                </a:solidFill>
+              </a:rPr>
+              <a:t>Jasmine </a:t>
+            </a:r>
+            <a:r>
+              <a:rPr lang="de-DE" dirty="0" err="1">
+                <a:solidFill>
+                  <a:schemeClr val="bg1"/>
+                </a:solidFill>
+              </a:rPr>
+              <a:t>or</a:t>
+            </a:r>
+            <a:r>
+              <a:rPr lang="de-DE" dirty="0">
+                <a:solidFill>
+                  <a:schemeClr val="bg1"/>
+                </a:solidFill>
+              </a:rPr>
+              <a:t> Spring</a:t>
             </a:r>
           </a:p>
         </p:txBody>
       </p:sp>
       <p:cxnSp>
         <p:nvCxnSpPr>
-          <p:cNvPr id="8" name="Gerade Verbindung mit Pfeil 7">
-            <a:extLst>
-              <a:ext uri="{FF2B5EF4-FFF2-40B4-BE49-F238E27FC236}">
-                <a16:creationId xmlns:a16="http://schemas.microsoft.com/office/drawing/2014/main" id="{F254E567-3453-4873-A450-E38211F38B10}"/>
+          <p:cNvPr id="5" name="Gerade Verbindung mit Pfeil 4">
+            <a:extLst>
+              <a:ext uri="{FF2B5EF4-FFF2-40B4-BE49-F238E27FC236}">
+                <a16:creationId xmlns:a16="http://schemas.microsoft.com/office/drawing/2014/main" id="{E49FBB10-4C46-405F-88E6-264B99A69E74}"/>
               </a:ext>
             </a:extLst>
           </p:cNvPr>
           <p:cNvCxnSpPr>
-            <a:cxnSpLocks/>
-            <a:stCxn id="6" idx="2"/>
-            <a:endCxn id="7" idx="0"/>
+            <a:stCxn id="2" idx="2"/>
+            <a:endCxn id="3" idx="0"/>
           </p:cNvCxnSpPr>
           <p:nvPr/>
         </p:nvCxnSpPr>
         <p:spPr>
           <a:xfrm>
-            <a:off x="8494451" y="1900090"/>
+            <a:off x="1927397" y="1900091"/>
             <a:ext cx="0" cy="751036"/>
           </a:xfrm>
           <a:prstGeom prst="straightConnector1">
@@ -8656,92 +9324,91 @@
       </p:cxnSp>
       <p:sp>
         <p:nvSpPr>
-          <p:cNvPr id="9" name="Textfeld 8">
-            <a:extLst>
-              <a:ext uri="{FF2B5EF4-FFF2-40B4-BE49-F238E27FC236}">
-                <a16:creationId xmlns:a16="http://schemas.microsoft.com/office/drawing/2014/main" id="{AF20C7C7-0A92-473F-81AE-7868AF10100F}"/>
-              </a:ext>
-            </a:extLst>
-          </p:cNvPr>
-          <p:cNvSpPr txBox="1"/>
-          <p:nvPr/>
-        </p:nvSpPr>
-        <p:spPr>
-          <a:xfrm>
-            <a:off x="2015514" y="2090943"/>
-            <a:ext cx="636072" cy="369332"/>
+          <p:cNvPr id="7" name="Rechteck 6">
+            <a:extLst>
+              <a:ext uri="{FF2B5EF4-FFF2-40B4-BE49-F238E27FC236}">
+                <a16:creationId xmlns:a16="http://schemas.microsoft.com/office/drawing/2014/main" id="{DE3EB66D-1B9A-4D0D-ADEA-66E943D00C30}"/>
+              </a:ext>
+            </a:extLst>
+          </p:cNvPr>
+          <p:cNvSpPr/>
+          <p:nvPr/>
+        </p:nvSpPr>
+        <p:spPr>
+          <a:xfrm>
+            <a:off x="9242668" y="1122217"/>
+            <a:ext cx="1624613" cy="777873"/>
           </a:xfrm>
           <a:prstGeom prst="rect">
             <a:avLst/>
           </a:prstGeom>
-          <a:noFill/>
-        </p:spPr>
-        <p:txBody>
-          <a:bodyPr wrap="none" rtlCol="0">
-            <a:spAutoFit/>
-          </a:bodyPr>
-          <a:lstStyle/>
-          <a:p>
-            <a:r>
-              <a:rPr lang="de-DE" dirty="0"/>
-              <a:t>REST</a:t>
-            </a:r>
-          </a:p>
-        </p:txBody>
-      </p:sp>
-      <p:sp>
-        <p:nvSpPr>
-          <p:cNvPr id="10" name="Textfeld 9">
-            <a:extLst>
-              <a:ext uri="{FF2B5EF4-FFF2-40B4-BE49-F238E27FC236}">
-                <a16:creationId xmlns:a16="http://schemas.microsoft.com/office/drawing/2014/main" id="{95575FBE-30D8-4F55-ABDD-436381B8257C}"/>
-              </a:ext>
-            </a:extLst>
-          </p:cNvPr>
-          <p:cNvSpPr txBox="1"/>
-          <p:nvPr/>
-        </p:nvSpPr>
-        <p:spPr>
-          <a:xfrm>
-            <a:off x="8494450" y="2090942"/>
-            <a:ext cx="576568" cy="369332"/>
+        </p:spPr>
+        <p:style>
+          <a:lnRef idx="2">
+            <a:schemeClr val="dk1">
+              <a:shade val="50000"/>
+            </a:schemeClr>
+          </a:lnRef>
+          <a:fillRef idx="1">
+            <a:schemeClr val="dk1"/>
+          </a:fillRef>
+          <a:effectRef idx="0">
+            <a:schemeClr val="dk1"/>
+          </a:effectRef>
+          <a:fontRef idx="minor">
+            <a:schemeClr val="lt1"/>
+          </a:fontRef>
+        </p:style>
+        <p:txBody>
+          <a:bodyPr rtlCol="0" anchor="ctr"/>
+          <a:lstStyle/>
+          <a:p>
+            <a:pPr algn="ctr"/>
+            <a:r>
+              <a:rPr lang="de-DE" dirty="0">
+                <a:solidFill>
+                  <a:schemeClr val="bg1"/>
+                </a:solidFill>
+              </a:rPr>
+              <a:t>Mock Client</a:t>
+            </a:r>
+          </a:p>
+          <a:p>
+            <a:pPr algn="ctr"/>
+            <a:r>
+              <a:rPr lang="de-DE" dirty="0" err="1">
+                <a:solidFill>
+                  <a:schemeClr val="bg1"/>
+                </a:solidFill>
+              </a:rPr>
+              <a:t>JUnit</a:t>
+            </a:r>
+            <a:endParaRPr lang="de-DE" dirty="0">
+              <a:solidFill>
+                <a:schemeClr val="bg1"/>
+              </a:solidFill>
+            </a:endParaRPr>
+          </a:p>
+        </p:txBody>
+      </p:sp>
+      <p:sp>
+        <p:nvSpPr>
+          <p:cNvPr id="8" name="Rechteck 7">
+            <a:extLst>
+              <a:ext uri="{FF2B5EF4-FFF2-40B4-BE49-F238E27FC236}">
+                <a16:creationId xmlns:a16="http://schemas.microsoft.com/office/drawing/2014/main" id="{83B3544B-E6FF-4A05-8EB0-8BFB114E91AA}"/>
+              </a:ext>
+            </a:extLst>
+          </p:cNvPr>
+          <p:cNvSpPr/>
+          <p:nvPr/>
+        </p:nvSpPr>
+        <p:spPr>
+          <a:xfrm>
+            <a:off x="9242668" y="2730041"/>
+            <a:ext cx="1624613" cy="777873"/>
           </a:xfrm>
           <a:prstGeom prst="rect">
-            <a:avLst/>
-          </a:prstGeom>
-          <a:noFill/>
-        </p:spPr>
-        <p:txBody>
-          <a:bodyPr wrap="none" rtlCol="0">
-            <a:spAutoFit/>
-          </a:bodyPr>
-          <a:lstStyle/>
-          <a:p>
-            <a:r>
-              <a:rPr lang="de-DE" dirty="0"/>
-              <a:t>Java</a:t>
-            </a:r>
-          </a:p>
-        </p:txBody>
-      </p:sp>
-      <p:sp>
-        <p:nvSpPr>
-          <p:cNvPr id="11" name="Flussdiagramm: Magnetplattenspeicher 10">
-            <a:extLst>
-              <a:ext uri="{FF2B5EF4-FFF2-40B4-BE49-F238E27FC236}">
-                <a16:creationId xmlns:a16="http://schemas.microsoft.com/office/drawing/2014/main" id="{4378CD5B-3A84-401F-A454-945C416A07AC}"/>
-              </a:ext>
-            </a:extLst>
-          </p:cNvPr>
-          <p:cNvSpPr/>
-          <p:nvPr/>
-        </p:nvSpPr>
-        <p:spPr>
-          <a:xfrm>
-            <a:off x="7682144" y="4081516"/>
-            <a:ext cx="1624613" cy="1023219"/>
-          </a:xfrm>
-          <a:prstGeom prst="flowChartMagneticDisk">
             <a:avLst/>
           </a:prstGeom>
         </p:spPr>
@@ -8772,45 +9439,37 @@
                   <a:schemeClr val="tx1"/>
                 </a:solidFill>
               </a:rPr>
-              <a:t>Database</a:t>
-            </a:r>
-          </a:p>
-          <a:p>
-            <a:pPr algn="ctr"/>
-            <a:r>
-              <a:rPr lang="de-DE" dirty="0">
-                <a:solidFill>
-                  <a:schemeClr val="tx1"/>
-                </a:solidFill>
-              </a:rPr>
-              <a:t>H2</a:t>
+              <a:t>Spring Repository</a:t>
             </a:r>
           </a:p>
         </p:txBody>
       </p:sp>
       <p:cxnSp>
         <p:nvCxnSpPr>
-          <p:cNvPr id="12" name="Gerader Verbinder 11">
-            <a:extLst>
-              <a:ext uri="{FF2B5EF4-FFF2-40B4-BE49-F238E27FC236}">
-                <a16:creationId xmlns:a16="http://schemas.microsoft.com/office/drawing/2014/main" id="{8244ACCA-9A3B-4775-A12D-BD13B3F6E9B1}"/>
+          <p:cNvPr id="9" name="Gerade Verbindung mit Pfeil 8">
+            <a:extLst>
+              <a:ext uri="{FF2B5EF4-FFF2-40B4-BE49-F238E27FC236}">
+                <a16:creationId xmlns:a16="http://schemas.microsoft.com/office/drawing/2014/main" id="{43A83754-663B-4DC1-ADD8-A4740DAEFBA1}"/>
               </a:ext>
             </a:extLst>
           </p:cNvPr>
           <p:cNvCxnSpPr>
+            <a:cxnSpLocks/>
             <a:stCxn id="7" idx="2"/>
-            <a:endCxn id="11" idx="1"/>
           </p:cNvCxnSpPr>
           <p:nvPr/>
         </p:nvCxnSpPr>
         <p:spPr>
           <a:xfrm>
-            <a:off x="8494451" y="3428999"/>
-            <a:ext cx="0" cy="652517"/>
-          </a:xfrm>
-          <a:prstGeom prst="line">
-            <a:avLst/>
-          </a:prstGeom>
+            <a:off x="10054975" y="1900090"/>
+            <a:ext cx="0" cy="829951"/>
+          </a:xfrm>
+          <a:prstGeom prst="straightConnector1">
+            <a:avLst/>
+          </a:prstGeom>
+          <a:ln>
+            <a:tailEnd type="triangle"/>
+          </a:ln>
         </p:spPr>
         <p:style>
           <a:lnRef idx="1">
@@ -8832,7 +9491,7 @@
           <p:cNvPr id="13" name="Textfeld 12">
             <a:extLst>
               <a:ext uri="{FF2B5EF4-FFF2-40B4-BE49-F238E27FC236}">
-                <a16:creationId xmlns:a16="http://schemas.microsoft.com/office/drawing/2014/main" id="{DBAA7919-EC38-4CD0-AB81-275329793ECC}"/>
+                <a16:creationId xmlns:a16="http://schemas.microsoft.com/office/drawing/2014/main" id="{B706A0C7-5B4B-48DF-8E5A-E419BACCB607}"/>
               </a:ext>
             </a:extLst>
           </p:cNvPr>
@@ -8841,8 +9500,8 @@
         </p:nvSpPr>
         <p:spPr>
           <a:xfrm>
-            <a:off x="8494450" y="3435185"/>
-            <a:ext cx="1219052" cy="646331"/>
+            <a:off x="2015514" y="1952443"/>
+            <a:ext cx="1417119" cy="646331"/>
           </a:xfrm>
           <a:prstGeom prst="rect">
             <a:avLst/>
@@ -8857,24 +9516,67 @@
           <a:p>
             <a:r>
               <a:rPr lang="de-DE" dirty="0" err="1"/>
-              <a:t>Configured</a:t>
+              <a:t>TypeScript</a:t>
+            </a:r>
+            <a:r>
+              <a:rPr lang="de-DE" dirty="0"/>
+              <a:t> </a:t>
+            </a:r>
+            <a:r>
+              <a:rPr lang="de-DE" dirty="0" err="1"/>
+              <a:t>or</a:t>
             </a:r>
             <a:endParaRPr lang="de-DE" dirty="0"/>
           </a:p>
           <a:p>
             <a:r>
               <a:rPr lang="de-DE" dirty="0"/>
-              <a:t>via Spring</a:t>
-            </a:r>
-          </a:p>
-        </p:txBody>
-      </p:sp>
-      <p:sp>
-        <p:nvSpPr>
-          <p:cNvPr id="14" name="Rechteck 13">
-            <a:extLst>
-              <a:ext uri="{FF2B5EF4-FFF2-40B4-BE49-F238E27FC236}">
-                <a16:creationId xmlns:a16="http://schemas.microsoft.com/office/drawing/2014/main" id="{5FA42DCC-3F02-4917-BC90-37653CB9A4A0}"/>
+              <a:t>REST</a:t>
+            </a:r>
+          </a:p>
+        </p:txBody>
+      </p:sp>
+      <p:sp>
+        <p:nvSpPr>
+          <p:cNvPr id="14" name="Textfeld 13">
+            <a:extLst>
+              <a:ext uri="{FF2B5EF4-FFF2-40B4-BE49-F238E27FC236}">
+                <a16:creationId xmlns:a16="http://schemas.microsoft.com/office/drawing/2014/main" id="{FAE100DF-FC24-4285-B771-C443B7E80A3A}"/>
+              </a:ext>
+            </a:extLst>
+          </p:cNvPr>
+          <p:cNvSpPr txBox="1"/>
+          <p:nvPr/>
+        </p:nvSpPr>
+        <p:spPr>
+          <a:xfrm>
+            <a:off x="10028428" y="2011831"/>
+            <a:ext cx="636072" cy="369332"/>
+          </a:xfrm>
+          <a:prstGeom prst="rect">
+            <a:avLst/>
+          </a:prstGeom>
+          <a:noFill/>
+        </p:spPr>
+        <p:txBody>
+          <a:bodyPr wrap="none" rtlCol="0">
+            <a:spAutoFit/>
+          </a:bodyPr>
+          <a:lstStyle/>
+          <a:p>
+            <a:r>
+              <a:rPr lang="de-DE" dirty="0"/>
+              <a:t>REST</a:t>
+            </a:r>
+          </a:p>
+        </p:txBody>
+      </p:sp>
+      <p:sp>
+        <p:nvSpPr>
+          <p:cNvPr id="15" name="Flussdiagramm: Magnetplattenspeicher 14">
+            <a:extLst>
+              <a:ext uri="{FF2B5EF4-FFF2-40B4-BE49-F238E27FC236}">
+                <a16:creationId xmlns:a16="http://schemas.microsoft.com/office/drawing/2014/main" id="{C16414A3-55B7-4594-AB42-11A53F51A88A}"/>
               </a:ext>
             </a:extLst>
           </p:cNvPr>
@@ -8883,80 +9585,10 @@
         </p:nvSpPr>
         <p:spPr>
           <a:xfrm>
-            <a:off x="4391892" y="1122217"/>
-            <a:ext cx="1624613" cy="777873"/>
-          </a:xfrm>
-          <a:prstGeom prst="rect">
-            <a:avLst/>
-          </a:prstGeom>
-          <a:solidFill>
-            <a:schemeClr val="tx1"/>
-          </a:solidFill>
-        </p:spPr>
-        <p:style>
-          <a:lnRef idx="2">
-            <a:schemeClr val="accent6"/>
-          </a:lnRef>
-          <a:fillRef idx="1">
-            <a:schemeClr val="lt1"/>
-          </a:fillRef>
-          <a:effectRef idx="0">
-            <a:schemeClr val="accent6"/>
-          </a:effectRef>
-          <a:fontRef idx="minor">
-            <a:schemeClr val="dk1"/>
-          </a:fontRef>
-        </p:style>
-        <p:txBody>
-          <a:bodyPr rtlCol="0" anchor="ctr"/>
-          <a:lstStyle/>
-          <a:p>
-            <a:pPr algn="ctr"/>
-            <a:r>
-              <a:rPr lang="de-DE" dirty="0">
-                <a:solidFill>
-                  <a:schemeClr val="bg1"/>
-                </a:solidFill>
-              </a:rPr>
-              <a:t>Mock Client</a:t>
-            </a:r>
-          </a:p>
-          <a:p>
-            <a:pPr algn="ctr"/>
-            <a:r>
-              <a:rPr lang="de-DE" dirty="0" err="1">
-                <a:solidFill>
-                  <a:schemeClr val="bg1"/>
-                </a:solidFill>
-              </a:rPr>
-              <a:t>JUnit</a:t>
-            </a:r>
-            <a:endParaRPr lang="de-DE" dirty="0">
-              <a:solidFill>
-                <a:schemeClr val="bg1"/>
-              </a:solidFill>
-            </a:endParaRPr>
-          </a:p>
-        </p:txBody>
-      </p:sp>
-      <p:sp>
-        <p:nvSpPr>
-          <p:cNvPr id="15" name="Rechteck 14">
-            <a:extLst>
-              <a:ext uri="{FF2B5EF4-FFF2-40B4-BE49-F238E27FC236}">
-                <a16:creationId xmlns:a16="http://schemas.microsoft.com/office/drawing/2014/main" id="{38D2DA35-4788-4C68-A1CB-9CA2374A3203}"/>
-              </a:ext>
-            </a:extLst>
-          </p:cNvPr>
-          <p:cNvSpPr/>
-          <p:nvPr/>
-        </p:nvSpPr>
-        <p:spPr>
-          <a:xfrm>
-            <a:off x="4391892" y="2651126"/>
-            <a:ext cx="1624613" cy="777873"/>
-          </a:xfrm>
-          <a:prstGeom prst="rect">
+            <a:off x="9242668" y="4081516"/>
+            <a:ext cx="1624613" cy="1023219"/>
+          </a:xfrm>
+          <a:prstGeom prst="flowChartMagneticDisk">
             <a:avLst/>
           </a:prstGeom>
         </p:spPr>
@@ -8987,7 +9619,7 @@
                   <a:schemeClr val="tx1"/>
                 </a:solidFill>
               </a:rPr>
-              <a:t>Service</a:t>
+              <a:t>Database</a:t>
             </a:r>
           </a:p>
           <a:p>
@@ -8998,37 +9630,34 @@
                   <a:schemeClr val="tx1"/>
                 </a:solidFill>
               </a:rPr>
-              <a:t>Spring</a:t>
+              <a:t>H2</a:t>
             </a:r>
           </a:p>
         </p:txBody>
       </p:sp>
       <p:cxnSp>
         <p:nvCxnSpPr>
-          <p:cNvPr id="16" name="Gerade Verbindung mit Pfeil 15">
-            <a:extLst>
-              <a:ext uri="{FF2B5EF4-FFF2-40B4-BE49-F238E27FC236}">
-                <a16:creationId xmlns:a16="http://schemas.microsoft.com/office/drawing/2014/main" id="{3F8DE6D2-5E5A-4B8A-993C-85A4FC3F38BA}"/>
+          <p:cNvPr id="17" name="Gerader Verbinder 16">
+            <a:extLst>
+              <a:ext uri="{FF2B5EF4-FFF2-40B4-BE49-F238E27FC236}">
+                <a16:creationId xmlns:a16="http://schemas.microsoft.com/office/drawing/2014/main" id="{37A139F5-6234-42DF-9145-0910D7E3FDA8}"/>
               </a:ext>
             </a:extLst>
           </p:cNvPr>
           <p:cNvCxnSpPr>
-            <a:stCxn id="14" idx="2"/>
-            <a:endCxn id="15" idx="0"/>
+            <a:stCxn id="8" idx="2"/>
+            <a:endCxn id="15" idx="1"/>
           </p:cNvCxnSpPr>
           <p:nvPr/>
         </p:nvCxnSpPr>
         <p:spPr>
           <a:xfrm>
-            <a:off x="5204199" y="1900090"/>
-            <a:ext cx="0" cy="751036"/>
-          </a:xfrm>
-          <a:prstGeom prst="straightConnector1">
-            <a:avLst/>
-          </a:prstGeom>
-          <a:ln>
-            <a:tailEnd type="triangle"/>
-          </a:ln>
+            <a:off x="10054975" y="3507914"/>
+            <a:ext cx="0" cy="573602"/>
+          </a:xfrm>
+          <a:prstGeom prst="line">
+            <a:avLst/>
+          </a:prstGeom>
         </p:spPr>
         <p:style>
           <a:lnRef idx="1">
@@ -9047,10 +9676,10 @@
       </p:cxnSp>
       <p:sp>
         <p:nvSpPr>
-          <p:cNvPr id="17" name="Textfeld 16">
-            <a:extLst>
-              <a:ext uri="{FF2B5EF4-FFF2-40B4-BE49-F238E27FC236}">
-                <a16:creationId xmlns:a16="http://schemas.microsoft.com/office/drawing/2014/main" id="{8868D353-2B3F-4F01-A6B9-70E2CEF7B9BC}"/>
+          <p:cNvPr id="19" name="Textfeld 18">
+            <a:extLst>
+              <a:ext uri="{FF2B5EF4-FFF2-40B4-BE49-F238E27FC236}">
+                <a16:creationId xmlns:a16="http://schemas.microsoft.com/office/drawing/2014/main" id="{99C0BBAD-31EF-4C69-BBBD-18B55EF61216}"/>
               </a:ext>
             </a:extLst>
           </p:cNvPr>
@@ -9059,8 +9688,8 @@
         </p:nvSpPr>
         <p:spPr>
           <a:xfrm>
-            <a:off x="5292316" y="2090942"/>
-            <a:ext cx="576568" cy="369332"/>
+            <a:off x="10054974" y="3435185"/>
+            <a:ext cx="1219052" cy="646331"/>
           </a:xfrm>
           <a:prstGeom prst="rect">
             <a:avLst/>
@@ -9074,18 +9703,25 @@
           <a:lstStyle/>
           <a:p>
             <a:r>
+              <a:rPr lang="de-DE" dirty="0" err="1"/>
+              <a:t>Configured</a:t>
+            </a:r>
+            <a:endParaRPr lang="de-DE" dirty="0"/>
+          </a:p>
+          <a:p>
+            <a:r>
               <a:rPr lang="de-DE" dirty="0"/>
-              <a:t>Java</a:t>
-            </a:r>
-          </a:p>
-        </p:txBody>
-      </p:sp>
-      <p:sp>
-        <p:nvSpPr>
-          <p:cNvPr id="18" name="Rechteck 17">
-            <a:extLst>
-              <a:ext uri="{FF2B5EF4-FFF2-40B4-BE49-F238E27FC236}">
-                <a16:creationId xmlns:a16="http://schemas.microsoft.com/office/drawing/2014/main" id="{3F75C30D-C2D7-41EA-B5B5-3BB7E2F3FC88}"/>
+              <a:t>via Spring</a:t>
+            </a:r>
+          </a:p>
+        </p:txBody>
+      </p:sp>
+      <p:sp>
+        <p:nvSpPr>
+          <p:cNvPr id="21" name="Rechteck 20">
+            <a:extLst>
+              <a:ext uri="{FF2B5EF4-FFF2-40B4-BE49-F238E27FC236}">
+                <a16:creationId xmlns:a16="http://schemas.microsoft.com/office/drawing/2014/main" id="{E930251A-34FA-4948-80FF-127A92DDC3C3}"/>
               </a:ext>
             </a:extLst>
           </p:cNvPr>
@@ -9094,15 +9730,551 @@
         </p:nvSpPr>
         <p:spPr>
           <a:xfrm>
-            <a:off x="4391892" y="4180038"/>
+            <a:off x="3698208" y="1122217"/>
             <a:ext cx="1624613" cy="777873"/>
           </a:xfrm>
           <a:prstGeom prst="rect">
             <a:avLst/>
           </a:prstGeom>
-          <a:solidFill>
+        </p:spPr>
+        <p:style>
+          <a:lnRef idx="2">
+            <a:schemeClr val="dk1">
+              <a:shade val="50000"/>
+            </a:schemeClr>
+          </a:lnRef>
+          <a:fillRef idx="1">
+            <a:schemeClr val="dk1"/>
+          </a:fillRef>
+          <a:effectRef idx="0">
+            <a:schemeClr val="dk1"/>
+          </a:effectRef>
+          <a:fontRef idx="minor">
+            <a:schemeClr val="lt1"/>
+          </a:fontRef>
+        </p:style>
+        <p:txBody>
+          <a:bodyPr rtlCol="0" anchor="ctr"/>
+          <a:lstStyle/>
+          <a:p>
+            <a:pPr algn="ctr"/>
+            <a:r>
+              <a:rPr lang="de-DE" dirty="0">
+                <a:solidFill>
+                  <a:schemeClr val="bg1"/>
+                </a:solidFill>
+              </a:rPr>
+              <a:t>Mock Client Jasmine</a:t>
+            </a:r>
+          </a:p>
+        </p:txBody>
+      </p:sp>
+      <p:sp>
+        <p:nvSpPr>
+          <p:cNvPr id="22" name="Rechteck 21">
+            <a:extLst>
+              <a:ext uri="{FF2B5EF4-FFF2-40B4-BE49-F238E27FC236}">
+                <a16:creationId xmlns:a16="http://schemas.microsoft.com/office/drawing/2014/main" id="{81C118C5-677B-48EE-9242-F3AC8EAEB1E0}"/>
+              </a:ext>
+            </a:extLst>
+          </p:cNvPr>
+          <p:cNvSpPr/>
+          <p:nvPr/>
+        </p:nvSpPr>
+        <p:spPr>
+          <a:xfrm>
+            <a:off x="3698208" y="2651126"/>
+            <a:ext cx="1624613" cy="777873"/>
+          </a:xfrm>
+          <a:prstGeom prst="rect">
+            <a:avLst/>
+          </a:prstGeom>
+        </p:spPr>
+        <p:style>
+          <a:lnRef idx="2">
+            <a:schemeClr val="accent1">
+              <a:shade val="50000"/>
+            </a:schemeClr>
+          </a:lnRef>
+          <a:fillRef idx="1">
+            <a:schemeClr val="accent1"/>
+          </a:fillRef>
+          <a:effectRef idx="0">
+            <a:schemeClr val="accent1"/>
+          </a:effectRef>
+          <a:fontRef idx="minor">
+            <a:schemeClr val="lt1"/>
+          </a:fontRef>
+        </p:style>
+        <p:txBody>
+          <a:bodyPr rtlCol="0" anchor="ctr"/>
+          <a:lstStyle/>
+          <a:p>
+            <a:pPr algn="ctr"/>
+            <a:r>
+              <a:rPr lang="de-DE" dirty="0">
+                <a:solidFill>
+                  <a:schemeClr val="tx1"/>
+                </a:solidFill>
+              </a:rPr>
+              <a:t>Service</a:t>
+            </a:r>
+          </a:p>
+          <a:p>
+            <a:pPr algn="ctr"/>
+            <a:r>
+              <a:rPr lang="de-DE" dirty="0">
+                <a:solidFill>
+                  <a:schemeClr val="tx1"/>
+                </a:solidFill>
+              </a:rPr>
+              <a:t>Angular</a:t>
+            </a:r>
+          </a:p>
+        </p:txBody>
+      </p:sp>
+      <p:cxnSp>
+        <p:nvCxnSpPr>
+          <p:cNvPr id="23" name="Gerade Verbindung mit Pfeil 22">
+            <a:extLst>
+              <a:ext uri="{FF2B5EF4-FFF2-40B4-BE49-F238E27FC236}">
+                <a16:creationId xmlns:a16="http://schemas.microsoft.com/office/drawing/2014/main" id="{51A012DD-0F87-4DE0-88F7-BC82CAB23588}"/>
+              </a:ext>
+            </a:extLst>
+          </p:cNvPr>
+          <p:cNvCxnSpPr>
+            <a:stCxn id="21" idx="2"/>
+            <a:endCxn id="22" idx="0"/>
+          </p:cNvCxnSpPr>
+          <p:nvPr/>
+        </p:nvCxnSpPr>
+        <p:spPr>
+          <a:xfrm>
+            <a:off x="4510515" y="1900090"/>
+            <a:ext cx="0" cy="751036"/>
+          </a:xfrm>
+          <a:prstGeom prst="straightConnector1">
+            <a:avLst/>
+          </a:prstGeom>
+          <a:ln>
+            <a:tailEnd type="triangle"/>
+          </a:ln>
+        </p:spPr>
+        <p:style>
+          <a:lnRef idx="1">
+            <a:schemeClr val="dk1"/>
+          </a:lnRef>
+          <a:fillRef idx="0">
+            <a:schemeClr val="dk1"/>
+          </a:fillRef>
+          <a:effectRef idx="0">
+            <a:schemeClr val="dk1"/>
+          </a:effectRef>
+          <a:fontRef idx="minor">
             <a:schemeClr val="tx1"/>
-          </a:solidFill>
+          </a:fontRef>
+        </p:style>
+      </p:cxnSp>
+      <p:sp>
+        <p:nvSpPr>
+          <p:cNvPr id="24" name="Textfeld 23">
+            <a:extLst>
+              <a:ext uri="{FF2B5EF4-FFF2-40B4-BE49-F238E27FC236}">
+                <a16:creationId xmlns:a16="http://schemas.microsoft.com/office/drawing/2014/main" id="{10B19B0C-26E2-4B53-8DCF-740B85CC9467}"/>
+              </a:ext>
+            </a:extLst>
+          </p:cNvPr>
+          <p:cNvSpPr txBox="1"/>
+          <p:nvPr/>
+        </p:nvSpPr>
+        <p:spPr>
+          <a:xfrm>
+            <a:off x="4598632" y="2090942"/>
+            <a:ext cx="1162241" cy="369332"/>
+          </a:xfrm>
+          <a:prstGeom prst="rect">
+            <a:avLst/>
+          </a:prstGeom>
+          <a:noFill/>
+        </p:spPr>
+        <p:txBody>
+          <a:bodyPr wrap="none" rtlCol="0">
+            <a:spAutoFit/>
+          </a:bodyPr>
+          <a:lstStyle/>
+          <a:p>
+            <a:r>
+              <a:rPr lang="de-DE" dirty="0" err="1"/>
+              <a:t>TypeScript</a:t>
+            </a:r>
+            <a:endParaRPr lang="de-DE" dirty="0"/>
+          </a:p>
+        </p:txBody>
+      </p:sp>
+      <p:sp>
+        <p:nvSpPr>
+          <p:cNvPr id="25" name="Rechteck 24">
+            <a:extLst>
+              <a:ext uri="{FF2B5EF4-FFF2-40B4-BE49-F238E27FC236}">
+                <a16:creationId xmlns:a16="http://schemas.microsoft.com/office/drawing/2014/main" id="{55E74A26-C2B6-4708-8435-E8C29B8BD7F6}"/>
+              </a:ext>
+            </a:extLst>
+          </p:cNvPr>
+          <p:cNvSpPr/>
+          <p:nvPr/>
+        </p:nvSpPr>
+        <p:spPr>
+          <a:xfrm>
+            <a:off x="3698208" y="4180038"/>
+            <a:ext cx="1624613" cy="777873"/>
+          </a:xfrm>
+          <a:prstGeom prst="rect">
+            <a:avLst/>
+          </a:prstGeom>
+        </p:spPr>
+        <p:style>
+          <a:lnRef idx="2">
+            <a:schemeClr val="dk1">
+              <a:shade val="50000"/>
+            </a:schemeClr>
+          </a:lnRef>
+          <a:fillRef idx="1">
+            <a:schemeClr val="dk1"/>
+          </a:fillRef>
+          <a:effectRef idx="0">
+            <a:schemeClr val="dk1"/>
+          </a:effectRef>
+          <a:fontRef idx="minor">
+            <a:schemeClr val="lt1"/>
+          </a:fontRef>
+        </p:style>
+        <p:txBody>
+          <a:bodyPr rtlCol="0" anchor="ctr"/>
+          <a:lstStyle/>
+          <a:p>
+            <a:pPr algn="ctr"/>
+            <a:r>
+              <a:rPr lang="de-DE" dirty="0">
+                <a:solidFill>
+                  <a:schemeClr val="bg1"/>
+                </a:solidFill>
+              </a:rPr>
+              <a:t>Mock Service</a:t>
+            </a:r>
+          </a:p>
+          <a:p>
+            <a:pPr algn="ctr"/>
+            <a:r>
+              <a:rPr lang="de-DE" dirty="0">
+                <a:solidFill>
+                  <a:schemeClr val="bg1"/>
+                </a:solidFill>
+              </a:rPr>
+              <a:t>Jasmine </a:t>
+            </a:r>
+            <a:r>
+              <a:rPr lang="de-DE" dirty="0" err="1">
+                <a:solidFill>
+                  <a:schemeClr val="bg1"/>
+                </a:solidFill>
+              </a:rPr>
+              <a:t>or</a:t>
+            </a:r>
+            <a:r>
+              <a:rPr lang="de-DE" dirty="0">
+                <a:solidFill>
+                  <a:schemeClr val="bg1"/>
+                </a:solidFill>
+              </a:rPr>
+              <a:t> Spring</a:t>
+            </a:r>
+          </a:p>
+        </p:txBody>
+      </p:sp>
+      <p:cxnSp>
+        <p:nvCxnSpPr>
+          <p:cNvPr id="26" name="Gerade Verbindung mit Pfeil 25">
+            <a:extLst>
+              <a:ext uri="{FF2B5EF4-FFF2-40B4-BE49-F238E27FC236}">
+                <a16:creationId xmlns:a16="http://schemas.microsoft.com/office/drawing/2014/main" id="{927FFEEA-6068-423C-A9BA-50F148058AE4}"/>
+              </a:ext>
+            </a:extLst>
+          </p:cNvPr>
+          <p:cNvCxnSpPr>
+            <a:cxnSpLocks/>
+          </p:cNvCxnSpPr>
+          <p:nvPr/>
+        </p:nvCxnSpPr>
+        <p:spPr>
+          <a:xfrm>
+            <a:off x="4510515" y="3429002"/>
+            <a:ext cx="0" cy="751036"/>
+          </a:xfrm>
+          <a:prstGeom prst="straightConnector1">
+            <a:avLst/>
+          </a:prstGeom>
+          <a:ln>
+            <a:tailEnd type="triangle"/>
+          </a:ln>
+        </p:spPr>
+        <p:style>
+          <a:lnRef idx="1">
+            <a:schemeClr val="dk1"/>
+          </a:lnRef>
+          <a:fillRef idx="0">
+            <a:schemeClr val="dk1"/>
+          </a:fillRef>
+          <a:effectRef idx="0">
+            <a:schemeClr val="dk1"/>
+          </a:effectRef>
+          <a:fontRef idx="minor">
+            <a:schemeClr val="tx1"/>
+          </a:fontRef>
+        </p:style>
+      </p:cxnSp>
+      <p:sp>
+        <p:nvSpPr>
+          <p:cNvPr id="27" name="Textfeld 26">
+            <a:extLst>
+              <a:ext uri="{FF2B5EF4-FFF2-40B4-BE49-F238E27FC236}">
+                <a16:creationId xmlns:a16="http://schemas.microsoft.com/office/drawing/2014/main" id="{846C57A8-298E-453B-9058-B0513606F444}"/>
+              </a:ext>
+            </a:extLst>
+          </p:cNvPr>
+          <p:cNvSpPr txBox="1"/>
+          <p:nvPr/>
+        </p:nvSpPr>
+        <p:spPr>
+          <a:xfrm>
+            <a:off x="4598632" y="3481353"/>
+            <a:ext cx="1417119" cy="646331"/>
+          </a:xfrm>
+          <a:prstGeom prst="rect">
+            <a:avLst/>
+          </a:prstGeom>
+          <a:noFill/>
+        </p:spPr>
+        <p:txBody>
+          <a:bodyPr wrap="none" rtlCol="0">
+            <a:spAutoFit/>
+          </a:bodyPr>
+          <a:lstStyle/>
+          <a:p>
+            <a:r>
+              <a:rPr lang="de-DE" dirty="0" err="1"/>
+              <a:t>TypeScript</a:t>
+            </a:r>
+            <a:r>
+              <a:rPr lang="de-DE" dirty="0"/>
+              <a:t> </a:t>
+            </a:r>
+            <a:r>
+              <a:rPr lang="de-DE" dirty="0" err="1"/>
+              <a:t>or</a:t>
+            </a:r>
+            <a:endParaRPr lang="de-DE" dirty="0"/>
+          </a:p>
+          <a:p>
+            <a:r>
+              <a:rPr lang="de-DE" dirty="0"/>
+              <a:t>REST</a:t>
+            </a:r>
+          </a:p>
+        </p:txBody>
+      </p:sp>
+      <p:sp>
+        <p:nvSpPr>
+          <p:cNvPr id="30" name="Textfeld 29">
+            <a:extLst>
+              <a:ext uri="{FF2B5EF4-FFF2-40B4-BE49-F238E27FC236}">
+                <a16:creationId xmlns:a16="http://schemas.microsoft.com/office/drawing/2014/main" id="{09EF0339-D02A-499B-98C4-419FBF15B727}"/>
+              </a:ext>
+            </a:extLst>
+          </p:cNvPr>
+          <p:cNvSpPr txBox="1"/>
+          <p:nvPr/>
+        </p:nvSpPr>
+        <p:spPr>
+          <a:xfrm>
+            <a:off x="124691" y="159679"/>
+            <a:ext cx="1715021" cy="369332"/>
+          </a:xfrm>
+          <a:prstGeom prst="rect">
+            <a:avLst/>
+          </a:prstGeom>
+          <a:noFill/>
+        </p:spPr>
+        <p:txBody>
+          <a:bodyPr wrap="none" rtlCol="0">
+            <a:spAutoFit/>
+          </a:bodyPr>
+          <a:lstStyle/>
+          <a:p>
+            <a:r>
+              <a:rPr lang="de-DE" b="1" dirty="0" err="1"/>
+              <a:t>Generic</a:t>
+            </a:r>
+            <a:r>
+              <a:rPr lang="de-DE" b="1" dirty="0"/>
+              <a:t> </a:t>
+            </a:r>
+            <a:r>
+              <a:rPr lang="de-DE" b="1" dirty="0" err="1"/>
+              <a:t>Context</a:t>
+            </a:r>
+            <a:endParaRPr lang="de-DE" b="1" dirty="0"/>
+          </a:p>
+        </p:txBody>
+      </p:sp>
+      <p:sp>
+        <p:nvSpPr>
+          <p:cNvPr id="31" name="Rechteck 30">
+            <a:extLst>
+              <a:ext uri="{FF2B5EF4-FFF2-40B4-BE49-F238E27FC236}">
+                <a16:creationId xmlns:a16="http://schemas.microsoft.com/office/drawing/2014/main" id="{44B9E8B9-3F70-4FA8-8CC3-C587FF56DBDD}"/>
+              </a:ext>
+            </a:extLst>
+          </p:cNvPr>
+          <p:cNvSpPr/>
+          <p:nvPr/>
+        </p:nvSpPr>
+        <p:spPr>
+          <a:xfrm>
+            <a:off x="1009228" y="657460"/>
+            <a:ext cx="1862305" cy="369332"/>
+          </a:xfrm>
+          <a:prstGeom prst="rect">
+            <a:avLst/>
+          </a:prstGeom>
+        </p:spPr>
+        <p:txBody>
+          <a:bodyPr wrap="none">
+            <a:spAutoFit/>
+          </a:bodyPr>
+          <a:lstStyle/>
+          <a:p>
+            <a:r>
+              <a:rPr lang="de-DE" b="1" dirty="0"/>
+              <a:t>… </a:t>
+            </a:r>
+            <a:r>
+              <a:rPr lang="de-DE" b="1" dirty="0" err="1"/>
+              <a:t>of</a:t>
+            </a:r>
+            <a:r>
+              <a:rPr lang="de-DE" b="1" dirty="0"/>
+              <a:t> a Web Client</a:t>
+            </a:r>
+          </a:p>
+        </p:txBody>
+      </p:sp>
+      <p:sp>
+        <p:nvSpPr>
+          <p:cNvPr id="32" name="Rechteck 31">
+            <a:extLst>
+              <a:ext uri="{FF2B5EF4-FFF2-40B4-BE49-F238E27FC236}">
+                <a16:creationId xmlns:a16="http://schemas.microsoft.com/office/drawing/2014/main" id="{224078E3-551A-4544-9934-BBCC7910FCB9}"/>
+              </a:ext>
+            </a:extLst>
+          </p:cNvPr>
+          <p:cNvSpPr/>
+          <p:nvPr/>
+        </p:nvSpPr>
+        <p:spPr>
+          <a:xfrm>
+            <a:off x="3698208" y="657460"/>
+            <a:ext cx="2426113" cy="369332"/>
+          </a:xfrm>
+          <a:prstGeom prst="rect">
+            <a:avLst/>
+          </a:prstGeom>
+        </p:spPr>
+        <p:txBody>
+          <a:bodyPr wrap="none">
+            <a:spAutoFit/>
+          </a:bodyPr>
+          <a:lstStyle/>
+          <a:p>
+            <a:r>
+              <a:rPr lang="de-DE" b="1" dirty="0"/>
+              <a:t>… </a:t>
+            </a:r>
+            <a:r>
+              <a:rPr lang="de-DE" b="1" dirty="0" err="1"/>
+              <a:t>of</a:t>
+            </a:r>
+            <a:r>
+              <a:rPr lang="de-DE" b="1" dirty="0"/>
+              <a:t> an Angular Service</a:t>
+            </a:r>
+          </a:p>
+        </p:txBody>
+      </p:sp>
+      <p:sp>
+        <p:nvSpPr>
+          <p:cNvPr id="33" name="Rechteck 32">
+            <a:extLst>
+              <a:ext uri="{FF2B5EF4-FFF2-40B4-BE49-F238E27FC236}">
+                <a16:creationId xmlns:a16="http://schemas.microsoft.com/office/drawing/2014/main" id="{102B66EA-F236-41E2-B247-834CB6AE706E}"/>
+              </a:ext>
+            </a:extLst>
+          </p:cNvPr>
+          <p:cNvSpPr/>
+          <p:nvPr/>
+        </p:nvSpPr>
+        <p:spPr>
+          <a:xfrm>
+            <a:off x="9242668" y="657460"/>
+            <a:ext cx="2585003" cy="369332"/>
+          </a:xfrm>
+          <a:prstGeom prst="rect">
+            <a:avLst/>
+          </a:prstGeom>
+        </p:spPr>
+        <p:txBody>
+          <a:bodyPr wrap="none">
+            <a:spAutoFit/>
+          </a:bodyPr>
+          <a:lstStyle/>
+          <a:p>
+            <a:r>
+              <a:rPr lang="de-DE" b="1" dirty="0"/>
+              <a:t>… </a:t>
+            </a:r>
+            <a:r>
+              <a:rPr lang="de-DE" b="1" dirty="0" err="1"/>
+              <a:t>of</a:t>
+            </a:r>
+            <a:r>
+              <a:rPr lang="de-DE" b="1" dirty="0"/>
+              <a:t> a Repository Service</a:t>
+            </a:r>
+          </a:p>
+        </p:txBody>
+      </p:sp>
+      <p:sp>
+        <p:nvSpPr>
+          <p:cNvPr id="28" name="Rechteck 27">
+            <a:extLst>
+              <a:ext uri="{FF2B5EF4-FFF2-40B4-BE49-F238E27FC236}">
+                <a16:creationId xmlns:a16="http://schemas.microsoft.com/office/drawing/2014/main" id="{2E7F8565-2FFF-4060-99DC-C7300A0145F2}"/>
+              </a:ext>
+            </a:extLst>
+          </p:cNvPr>
+          <p:cNvSpPr/>
+          <p:nvPr/>
+        </p:nvSpPr>
+        <p:spPr>
+          <a:xfrm>
+            <a:off x="6276786" y="3428999"/>
+            <a:ext cx="1977566" cy="1946566"/>
+          </a:xfrm>
+          <a:prstGeom prst="rect">
+            <a:avLst/>
+          </a:prstGeom>
+          <a:ln>
+            <a:prstDash val="dash"/>
+          </a:ln>
         </p:spPr>
         <p:style>
           <a:lnRef idx="2">
@@ -9119,6 +10291,54 @@
           </a:fontRef>
         </p:style>
         <p:txBody>
+          <a:bodyPr rtlCol="0" anchor="b"/>
+          <a:lstStyle/>
+          <a:p>
+            <a:r>
+              <a:rPr lang="de-DE" dirty="0"/>
+              <a:t>Optional</a:t>
+            </a:r>
+          </a:p>
+        </p:txBody>
+      </p:sp>
+      <p:sp>
+        <p:nvSpPr>
+          <p:cNvPr id="34" name="Rechteck 33">
+            <a:extLst>
+              <a:ext uri="{FF2B5EF4-FFF2-40B4-BE49-F238E27FC236}">
+                <a16:creationId xmlns:a16="http://schemas.microsoft.com/office/drawing/2014/main" id="{FDE4D85F-806F-4D21-9190-B04582A2A3B0}"/>
+              </a:ext>
+            </a:extLst>
+          </p:cNvPr>
+          <p:cNvSpPr/>
+          <p:nvPr/>
+        </p:nvSpPr>
+        <p:spPr>
+          <a:xfrm>
+            <a:off x="6470751" y="1122217"/>
+            <a:ext cx="1624613" cy="777873"/>
+          </a:xfrm>
+          <a:prstGeom prst="rect">
+            <a:avLst/>
+          </a:prstGeom>
+        </p:spPr>
+        <p:style>
+          <a:lnRef idx="2">
+            <a:schemeClr val="dk1">
+              <a:shade val="50000"/>
+            </a:schemeClr>
+          </a:lnRef>
+          <a:fillRef idx="1">
+            <a:schemeClr val="dk1"/>
+          </a:fillRef>
+          <a:effectRef idx="0">
+            <a:schemeClr val="dk1"/>
+          </a:effectRef>
+          <a:fontRef idx="minor">
+            <a:schemeClr val="lt1"/>
+          </a:fontRef>
+        </p:style>
+        <p:txBody>
           <a:bodyPr rtlCol="0" anchor="ctr"/>
           <a:lstStyle/>
           <a:p>
@@ -9129,15 +10349,84 @@
                   <a:schemeClr val="bg1"/>
                 </a:solidFill>
               </a:rPr>
-              <a:t>Mock Service</a:t>
+              <a:t>Mock Client</a:t>
             </a:r>
           </a:p>
           <a:p>
             <a:pPr algn="ctr"/>
             <a:r>
+              <a:rPr lang="de-DE" dirty="0" err="1">
+                <a:solidFill>
+                  <a:schemeClr val="bg1"/>
+                </a:solidFill>
+              </a:rPr>
+              <a:t>JUnit</a:t>
+            </a:r>
+            <a:endParaRPr lang="de-DE" dirty="0">
+              <a:solidFill>
+                <a:schemeClr val="bg1"/>
+              </a:solidFill>
+            </a:endParaRPr>
+          </a:p>
+        </p:txBody>
+      </p:sp>
+      <p:sp>
+        <p:nvSpPr>
+          <p:cNvPr id="35" name="Rechteck 34">
+            <a:extLst>
+              <a:ext uri="{FF2B5EF4-FFF2-40B4-BE49-F238E27FC236}">
+                <a16:creationId xmlns:a16="http://schemas.microsoft.com/office/drawing/2014/main" id="{0346E229-8D8A-4AB4-8BA1-7D177A23074D}"/>
+              </a:ext>
+            </a:extLst>
+          </p:cNvPr>
+          <p:cNvSpPr/>
+          <p:nvPr/>
+        </p:nvSpPr>
+        <p:spPr>
+          <a:xfrm>
+            <a:off x="6470751" y="2651126"/>
+            <a:ext cx="1624613" cy="777873"/>
+          </a:xfrm>
+          <a:prstGeom prst="rect">
+            <a:avLst/>
+          </a:prstGeom>
+        </p:spPr>
+        <p:style>
+          <a:lnRef idx="2">
+            <a:schemeClr val="accent1">
+              <a:shade val="50000"/>
+            </a:schemeClr>
+          </a:lnRef>
+          <a:fillRef idx="1">
+            <a:schemeClr val="accent1"/>
+          </a:fillRef>
+          <a:effectRef idx="0">
+            <a:schemeClr val="accent1"/>
+          </a:effectRef>
+          <a:fontRef idx="minor">
+            <a:schemeClr val="lt1"/>
+          </a:fontRef>
+        </p:style>
+        <p:txBody>
+          <a:bodyPr rtlCol="0" anchor="ctr"/>
+          <a:lstStyle/>
+          <a:p>
+            <a:pPr algn="ctr"/>
+            <a:r>
               <a:rPr lang="de-DE" dirty="0">
                 <a:solidFill>
-                  <a:schemeClr val="bg1"/>
+                  <a:schemeClr val="tx1"/>
+                </a:solidFill>
+              </a:rPr>
+              <a:t>Service</a:t>
+            </a:r>
+          </a:p>
+          <a:p>
+            <a:pPr algn="ctr"/>
+            <a:r>
+              <a:rPr lang="de-DE" dirty="0">
+                <a:solidFill>
+                  <a:schemeClr val="tx1"/>
                 </a:solidFill>
               </a:rPr>
               <a:t>Spring</a:t>
@@ -9147,21 +10436,22 @@
       </p:sp>
       <p:cxnSp>
         <p:nvCxnSpPr>
-          <p:cNvPr id="19" name="Gerade Verbindung mit Pfeil 18">
-            <a:extLst>
-              <a:ext uri="{FF2B5EF4-FFF2-40B4-BE49-F238E27FC236}">
-                <a16:creationId xmlns:a16="http://schemas.microsoft.com/office/drawing/2014/main" id="{39172A50-9F62-4D3F-8877-2B937D10B00E}"/>
+          <p:cNvPr id="36" name="Gerade Verbindung mit Pfeil 35">
+            <a:extLst>
+              <a:ext uri="{FF2B5EF4-FFF2-40B4-BE49-F238E27FC236}">
+                <a16:creationId xmlns:a16="http://schemas.microsoft.com/office/drawing/2014/main" id="{E19994ED-0C91-4F96-BB51-DF7BFA867605}"/>
               </a:ext>
             </a:extLst>
           </p:cNvPr>
           <p:cNvCxnSpPr>
-            <a:cxnSpLocks/>
+            <a:stCxn id="34" idx="2"/>
+            <a:endCxn id="35" idx="0"/>
           </p:cNvCxnSpPr>
           <p:nvPr/>
         </p:nvCxnSpPr>
         <p:spPr>
           <a:xfrm>
-            <a:off x="5204199" y="3429002"/>
+            <a:off x="7283058" y="1900090"/>
             <a:ext cx="0" cy="751036"/>
           </a:xfrm>
           <a:prstGeom prst="straightConnector1">
@@ -9188,10 +10478,10 @@
       </p:cxnSp>
       <p:sp>
         <p:nvSpPr>
-          <p:cNvPr id="20" name="Textfeld 19">
-            <a:extLst>
-              <a:ext uri="{FF2B5EF4-FFF2-40B4-BE49-F238E27FC236}">
-                <a16:creationId xmlns:a16="http://schemas.microsoft.com/office/drawing/2014/main" id="{08A5457F-97F6-4489-BE2D-5031956D08FB}"/>
+          <p:cNvPr id="37" name="Textfeld 36">
+            <a:extLst>
+              <a:ext uri="{FF2B5EF4-FFF2-40B4-BE49-F238E27FC236}">
+                <a16:creationId xmlns:a16="http://schemas.microsoft.com/office/drawing/2014/main" id="{7AE96E9E-2E42-45FF-BB97-871CE8FEF960}"/>
               </a:ext>
             </a:extLst>
           </p:cNvPr>
@@ -9200,7 +10490,7 @@
         </p:nvSpPr>
         <p:spPr>
           <a:xfrm>
-            <a:off x="5292316" y="3619851"/>
+            <a:off x="7371175" y="2090942"/>
             <a:ext cx="636072" cy="369332"/>
           </a:xfrm>
           <a:prstGeom prst="rect">
@@ -9223,10 +10513,120 @@
       </p:sp>
       <p:sp>
         <p:nvSpPr>
-          <p:cNvPr id="21" name="Textfeld 20">
-            <a:extLst>
-              <a:ext uri="{FF2B5EF4-FFF2-40B4-BE49-F238E27FC236}">
-                <a16:creationId xmlns:a16="http://schemas.microsoft.com/office/drawing/2014/main" id="{B0F9B15D-B5CB-47AB-88D0-5F58EFB02359}"/>
+          <p:cNvPr id="38" name="Rechteck 37">
+            <a:extLst>
+              <a:ext uri="{FF2B5EF4-FFF2-40B4-BE49-F238E27FC236}">
+                <a16:creationId xmlns:a16="http://schemas.microsoft.com/office/drawing/2014/main" id="{02DB0B7B-B5E7-4834-AFA6-320EA033A8C1}"/>
+              </a:ext>
+            </a:extLst>
+          </p:cNvPr>
+          <p:cNvSpPr/>
+          <p:nvPr/>
+        </p:nvSpPr>
+        <p:spPr>
+          <a:xfrm>
+            <a:off x="6470751" y="4180038"/>
+            <a:ext cx="1624613" cy="777873"/>
+          </a:xfrm>
+          <a:prstGeom prst="rect">
+            <a:avLst/>
+          </a:prstGeom>
+        </p:spPr>
+        <p:style>
+          <a:lnRef idx="2">
+            <a:schemeClr val="dk1">
+              <a:shade val="50000"/>
+            </a:schemeClr>
+          </a:lnRef>
+          <a:fillRef idx="1">
+            <a:schemeClr val="dk1"/>
+          </a:fillRef>
+          <a:effectRef idx="0">
+            <a:schemeClr val="dk1"/>
+          </a:effectRef>
+          <a:fontRef idx="minor">
+            <a:schemeClr val="lt1"/>
+          </a:fontRef>
+        </p:style>
+        <p:txBody>
+          <a:bodyPr rtlCol="0" anchor="ctr"/>
+          <a:lstStyle/>
+          <a:p>
+            <a:pPr algn="ctr"/>
+            <a:r>
+              <a:rPr lang="de-DE" dirty="0">
+                <a:solidFill>
+                  <a:schemeClr val="bg1"/>
+                </a:solidFill>
+              </a:rPr>
+              <a:t>Mock Client</a:t>
+            </a:r>
+          </a:p>
+          <a:p>
+            <a:pPr algn="ctr"/>
+            <a:r>
+              <a:rPr lang="de-DE" dirty="0" err="1">
+                <a:solidFill>
+                  <a:schemeClr val="bg1"/>
+                </a:solidFill>
+              </a:rPr>
+              <a:t>JUnit</a:t>
+            </a:r>
+            <a:endParaRPr lang="de-DE" dirty="0">
+              <a:solidFill>
+                <a:schemeClr val="bg1"/>
+              </a:solidFill>
+            </a:endParaRPr>
+          </a:p>
+        </p:txBody>
+      </p:sp>
+      <p:cxnSp>
+        <p:nvCxnSpPr>
+          <p:cNvPr id="39" name="Gerade Verbindung mit Pfeil 38">
+            <a:extLst>
+              <a:ext uri="{FF2B5EF4-FFF2-40B4-BE49-F238E27FC236}">
+                <a16:creationId xmlns:a16="http://schemas.microsoft.com/office/drawing/2014/main" id="{0F5DAB3D-1C32-4FDC-A0E0-5532B27131F0}"/>
+              </a:ext>
+            </a:extLst>
+          </p:cNvPr>
+          <p:cNvCxnSpPr>
+            <a:cxnSpLocks/>
+          </p:cNvCxnSpPr>
+          <p:nvPr/>
+        </p:nvCxnSpPr>
+        <p:spPr>
+          <a:xfrm>
+            <a:off x="7283058" y="3429002"/>
+            <a:ext cx="0" cy="751036"/>
+          </a:xfrm>
+          <a:prstGeom prst="straightConnector1">
+            <a:avLst/>
+          </a:prstGeom>
+          <a:ln>
+            <a:tailEnd type="triangle"/>
+          </a:ln>
+        </p:spPr>
+        <p:style>
+          <a:lnRef idx="1">
+            <a:schemeClr val="dk1"/>
+          </a:lnRef>
+          <a:fillRef idx="0">
+            <a:schemeClr val="dk1"/>
+          </a:fillRef>
+          <a:effectRef idx="0">
+            <a:schemeClr val="dk1"/>
+          </a:effectRef>
+          <a:fontRef idx="minor">
+            <a:schemeClr val="tx1"/>
+          </a:fontRef>
+        </p:style>
+      </p:cxnSp>
+      <p:sp>
+        <p:nvSpPr>
+          <p:cNvPr id="40" name="Textfeld 39">
+            <a:extLst>
+              <a:ext uri="{FF2B5EF4-FFF2-40B4-BE49-F238E27FC236}">
+                <a16:creationId xmlns:a16="http://schemas.microsoft.com/office/drawing/2014/main" id="{12B2FDD5-F9C9-4B53-ABE4-87A0275EA5DF}"/>
               </a:ext>
             </a:extLst>
           </p:cNvPr>
@@ -9235,8 +10635,8 @@
         </p:nvSpPr>
         <p:spPr>
           <a:xfrm>
-            <a:off x="124691" y="159679"/>
-            <a:ext cx="3132717" cy="369332"/>
+            <a:off x="7371175" y="3619851"/>
+            <a:ext cx="636072" cy="369332"/>
           </a:xfrm>
           <a:prstGeom prst="rect">
             <a:avLst/>
@@ -9250,27 +10650,18 @@
           <a:lstStyle/>
           <a:p>
             <a:r>
-              <a:rPr lang="de-DE" b="1" dirty="0" err="1"/>
-              <a:t>Component</a:t>
-            </a:r>
-            <a:r>
-              <a:rPr lang="de-DE" b="1" dirty="0"/>
-              <a:t> Integration </a:t>
-            </a:r>
-            <a:r>
-              <a:rPr lang="de-DE" b="1" dirty="0" err="1"/>
-              <a:t>Testing</a:t>
-            </a:r>
-            <a:endParaRPr lang="de-DE" b="1" dirty="0"/>
-          </a:p>
-        </p:txBody>
-      </p:sp>
-      <p:sp>
-        <p:nvSpPr>
-          <p:cNvPr id="22" name="Rechteck 21">
-            <a:extLst>
-              <a:ext uri="{FF2B5EF4-FFF2-40B4-BE49-F238E27FC236}">
-                <a16:creationId xmlns:a16="http://schemas.microsoft.com/office/drawing/2014/main" id="{5639CBCB-6891-40D2-93E8-41B7A862108E}"/>
+              <a:rPr lang="de-DE" dirty="0"/>
+              <a:t>REST</a:t>
+            </a:r>
+          </a:p>
+        </p:txBody>
+      </p:sp>
+      <p:sp>
+        <p:nvSpPr>
+          <p:cNvPr id="41" name="Rechteck 40">
+            <a:extLst>
+              <a:ext uri="{FF2B5EF4-FFF2-40B4-BE49-F238E27FC236}">
+                <a16:creationId xmlns:a16="http://schemas.microsoft.com/office/drawing/2014/main" id="{DF46C545-CBA5-4836-A4D4-6B1AE28CAD9B}"/>
               </a:ext>
             </a:extLst>
           </p:cNvPr>
@@ -9279,8 +10670,8 @@
         </p:nvSpPr>
         <p:spPr>
           <a:xfrm>
-            <a:off x="1009228" y="657460"/>
-            <a:ext cx="1612236" cy="369332"/>
+            <a:off x="6470751" y="657460"/>
+            <a:ext cx="2016065" cy="369332"/>
           </a:xfrm>
           <a:prstGeom prst="rect">
             <a:avLst/>
@@ -9294,51 +10685,98 @@
           <a:p>
             <a:r>
               <a:rPr lang="de-DE" b="1" dirty="0"/>
-              <a:t>… a Web Client</a:t>
-            </a:r>
-          </a:p>
-        </p:txBody>
-      </p:sp>
-      <p:sp>
-        <p:nvSpPr>
-          <p:cNvPr id="23" name="Rechteck 22">
-            <a:extLst>
-              <a:ext uri="{FF2B5EF4-FFF2-40B4-BE49-F238E27FC236}">
-                <a16:creationId xmlns:a16="http://schemas.microsoft.com/office/drawing/2014/main" id="{84AD80F6-9FE7-4CDF-AD8C-C78F7A83D920}"/>
-              </a:ext>
-            </a:extLst>
-          </p:cNvPr>
-          <p:cNvSpPr/>
-          <p:nvPr/>
-        </p:nvSpPr>
-        <p:spPr>
-          <a:xfrm>
-            <a:off x="4391892" y="657460"/>
-            <a:ext cx="1252715" cy="369332"/>
+              <a:t>… </a:t>
+            </a:r>
+            <a:r>
+              <a:rPr lang="de-DE" b="1" dirty="0" err="1"/>
+              <a:t>of</a:t>
+            </a:r>
+            <a:r>
+              <a:rPr lang="de-DE" b="1" dirty="0"/>
+              <a:t> a REST Service</a:t>
+            </a:r>
+          </a:p>
+        </p:txBody>
+      </p:sp>
+      <p:sp>
+        <p:nvSpPr>
+          <p:cNvPr id="42" name="Textfeld 41">
+            <a:extLst>
+              <a:ext uri="{FF2B5EF4-FFF2-40B4-BE49-F238E27FC236}">
+                <a16:creationId xmlns:a16="http://schemas.microsoft.com/office/drawing/2014/main" id="{EBEF9BAE-CD1F-4684-8F9E-FA0560DFD499}"/>
+              </a:ext>
+            </a:extLst>
+          </p:cNvPr>
+          <p:cNvSpPr txBox="1"/>
+          <p:nvPr/>
+        </p:nvSpPr>
+        <p:spPr>
+          <a:xfrm>
+            <a:off x="8832139" y="5104735"/>
+            <a:ext cx="2021900" cy="369332"/>
           </a:xfrm>
           <a:prstGeom prst="rect">
             <a:avLst/>
           </a:prstGeom>
-        </p:spPr>
-        <p:txBody>
-          <a:bodyPr wrap="none">
+          <a:noFill/>
+        </p:spPr>
+        <p:txBody>
+          <a:bodyPr wrap="none" rtlCol="0">
             <a:spAutoFit/>
           </a:bodyPr>
           <a:lstStyle/>
           <a:p>
             <a:r>
-              <a:rPr lang="de-DE" b="1" dirty="0"/>
-              <a:t>… a Service</a:t>
-            </a:r>
-          </a:p>
-        </p:txBody>
-      </p:sp>
-      <p:sp>
-        <p:nvSpPr>
-          <p:cNvPr id="24" name="Rechteck 23">
-            <a:extLst>
-              <a:ext uri="{FF2B5EF4-FFF2-40B4-BE49-F238E27FC236}">
-                <a16:creationId xmlns:a16="http://schemas.microsoft.com/office/drawing/2014/main" id="{904A47FC-F6DE-4E4A-91F9-C840C593D514}"/>
+              <a:rPr lang="de-DE" dirty="0"/>
+              <a:t>Repository  Service</a:t>
+            </a:r>
+          </a:p>
+        </p:txBody>
+      </p:sp>
+      <p:cxnSp>
+        <p:nvCxnSpPr>
+          <p:cNvPr id="18" name="Gerader Verbinder 17">
+            <a:extLst>
+              <a:ext uri="{FF2B5EF4-FFF2-40B4-BE49-F238E27FC236}">
+                <a16:creationId xmlns:a16="http://schemas.microsoft.com/office/drawing/2014/main" id="{3E8299EB-F845-4D6E-8519-51480FFA9285}"/>
+              </a:ext>
+            </a:extLst>
+          </p:cNvPr>
+          <p:cNvCxnSpPr>
+            <a:cxnSpLocks/>
+          </p:cNvCxnSpPr>
+          <p:nvPr/>
+        </p:nvCxnSpPr>
+        <p:spPr>
+          <a:xfrm>
+            <a:off x="6169981" y="101138"/>
+            <a:ext cx="0" cy="6461521"/>
+          </a:xfrm>
+          <a:prstGeom prst="line">
+            <a:avLst/>
+          </a:prstGeom>
+        </p:spPr>
+        <p:style>
+          <a:lnRef idx="1">
+            <a:schemeClr val="dk1"/>
+          </a:lnRef>
+          <a:fillRef idx="0">
+            <a:schemeClr val="dk1"/>
+          </a:fillRef>
+          <a:effectRef idx="0">
+            <a:schemeClr val="dk1"/>
+          </a:effectRef>
+          <a:fontRef idx="minor">
+            <a:schemeClr val="tx1"/>
+          </a:fontRef>
+        </p:style>
+      </p:cxnSp>
+      <p:sp>
+        <p:nvSpPr>
+          <p:cNvPr id="20" name="Rechteck 19">
+            <a:extLst>
+              <a:ext uri="{FF2B5EF4-FFF2-40B4-BE49-F238E27FC236}">
+                <a16:creationId xmlns:a16="http://schemas.microsoft.com/office/drawing/2014/main" id="{EB122BAD-4A75-4DCD-85B0-A8131CF97A2F}"/>
               </a:ext>
             </a:extLst>
           </p:cNvPr>
@@ -9347,22 +10785,206 @@
         </p:nvSpPr>
         <p:spPr>
           <a:xfrm>
-            <a:off x="7682144" y="657460"/>
-            <a:ext cx="2334935" cy="369332"/>
+            <a:off x="62151" y="6251940"/>
+            <a:ext cx="6033849" cy="310719"/>
           </a:xfrm>
           <a:prstGeom prst="rect">
             <a:avLst/>
           </a:prstGeom>
         </p:spPr>
-        <p:txBody>
-          <a:bodyPr wrap="none">
-            <a:spAutoFit/>
-          </a:bodyPr>
-          <a:lstStyle/>
-          <a:p>
-            <a:r>
-              <a:rPr lang="de-DE" b="1" dirty="0"/>
-              <a:t>… a Repository Service</a:t>
+        <p:style>
+          <a:lnRef idx="2">
+            <a:schemeClr val="accent1">
+              <a:shade val="50000"/>
+            </a:schemeClr>
+          </a:lnRef>
+          <a:fillRef idx="1">
+            <a:schemeClr val="accent1"/>
+          </a:fillRef>
+          <a:effectRef idx="0">
+            <a:schemeClr val="accent1"/>
+          </a:effectRef>
+          <a:fontRef idx="minor">
+            <a:schemeClr val="lt1"/>
+          </a:fontRef>
+        </p:style>
+        <p:txBody>
+          <a:bodyPr rtlCol="0" anchor="ctr"/>
+          <a:lstStyle/>
+          <a:p>
+            <a:pPr algn="ctr"/>
+            <a:r>
+              <a:rPr lang="de-DE" dirty="0">
+                <a:solidFill>
+                  <a:schemeClr val="tx1"/>
+                </a:solidFill>
+              </a:rPr>
+              <a:t>Client-</a:t>
+            </a:r>
+            <a:r>
+              <a:rPr lang="de-DE" dirty="0" err="1">
+                <a:solidFill>
+                  <a:schemeClr val="tx1"/>
+                </a:solidFill>
+              </a:rPr>
+              <a:t>side</a:t>
+            </a:r>
+            <a:r>
+              <a:rPr lang="de-DE" dirty="0">
+                <a:solidFill>
+                  <a:schemeClr val="tx1"/>
+                </a:solidFill>
+              </a:rPr>
+              <a:t> (</a:t>
+            </a:r>
+            <a:r>
+              <a:rPr lang="de-DE" dirty="0" err="1">
+                <a:solidFill>
+                  <a:schemeClr val="tx1"/>
+                </a:solidFill>
+              </a:rPr>
+              <a:t>runs</a:t>
+            </a:r>
+            <a:r>
+              <a:rPr lang="de-DE" dirty="0">
+                <a:solidFill>
+                  <a:schemeClr val="tx1"/>
+                </a:solidFill>
+              </a:rPr>
+              <a:t> in </a:t>
+            </a:r>
+            <a:r>
+              <a:rPr lang="de-DE" dirty="0" err="1">
+                <a:solidFill>
+                  <a:schemeClr val="tx1"/>
+                </a:solidFill>
+              </a:rPr>
+              <a:t>browser</a:t>
+            </a:r>
+            <a:r>
+              <a:rPr lang="de-DE" dirty="0">
+                <a:solidFill>
+                  <a:schemeClr val="tx1"/>
+                </a:solidFill>
+              </a:rPr>
+              <a:t>)</a:t>
+            </a:r>
+          </a:p>
+        </p:txBody>
+      </p:sp>
+      <p:sp>
+        <p:nvSpPr>
+          <p:cNvPr id="43" name="Rechteck 42">
+            <a:extLst>
+              <a:ext uri="{FF2B5EF4-FFF2-40B4-BE49-F238E27FC236}">
+                <a16:creationId xmlns:a16="http://schemas.microsoft.com/office/drawing/2014/main" id="{8D251701-AE76-4166-BF0D-B58F167E1205}"/>
+              </a:ext>
+            </a:extLst>
+          </p:cNvPr>
+          <p:cNvSpPr/>
+          <p:nvPr/>
+        </p:nvSpPr>
+        <p:spPr>
+          <a:xfrm>
+            <a:off x="6225744" y="6251940"/>
+            <a:ext cx="5904106" cy="310719"/>
+          </a:xfrm>
+          <a:prstGeom prst="rect">
+            <a:avLst/>
+          </a:prstGeom>
+        </p:spPr>
+        <p:style>
+          <a:lnRef idx="2">
+            <a:schemeClr val="accent1">
+              <a:shade val="50000"/>
+            </a:schemeClr>
+          </a:lnRef>
+          <a:fillRef idx="1">
+            <a:schemeClr val="accent1"/>
+          </a:fillRef>
+          <a:effectRef idx="0">
+            <a:schemeClr val="accent1"/>
+          </a:effectRef>
+          <a:fontRef idx="minor">
+            <a:schemeClr val="lt1"/>
+          </a:fontRef>
+        </p:style>
+        <p:txBody>
+          <a:bodyPr rtlCol="0" anchor="ctr"/>
+          <a:lstStyle/>
+          <a:p>
+            <a:pPr algn="ctr"/>
+            <a:r>
+              <a:rPr lang="de-DE" dirty="0">
+                <a:solidFill>
+                  <a:schemeClr val="tx1"/>
+                </a:solidFill>
+              </a:rPr>
+              <a:t>Server-</a:t>
+            </a:r>
+            <a:r>
+              <a:rPr lang="de-DE" dirty="0" err="1">
+                <a:solidFill>
+                  <a:schemeClr val="tx1"/>
+                </a:solidFill>
+              </a:rPr>
+              <a:t>side</a:t>
+            </a:r>
+            <a:r>
+              <a:rPr lang="de-DE" dirty="0">
+                <a:solidFill>
+                  <a:schemeClr val="tx1"/>
+                </a:solidFill>
+              </a:rPr>
+              <a:t> (</a:t>
+            </a:r>
+            <a:r>
+              <a:rPr lang="de-DE" dirty="0" err="1">
+                <a:solidFill>
+                  <a:schemeClr val="tx1"/>
+                </a:solidFill>
+              </a:rPr>
+              <a:t>runs</a:t>
+            </a:r>
+            <a:r>
+              <a:rPr lang="de-DE" dirty="0">
+                <a:solidFill>
+                  <a:schemeClr val="tx1"/>
+                </a:solidFill>
+              </a:rPr>
+              <a:t> on </a:t>
+            </a:r>
+            <a:r>
+              <a:rPr lang="de-DE" dirty="0" err="1">
+                <a:solidFill>
+                  <a:schemeClr val="tx1"/>
+                </a:solidFill>
+              </a:rPr>
+              <a:t>server</a:t>
+            </a:r>
+            <a:r>
+              <a:rPr lang="de-DE" dirty="0">
+                <a:solidFill>
+                  <a:schemeClr val="tx1"/>
+                </a:solidFill>
+              </a:rPr>
+              <a:t>, </a:t>
+            </a:r>
+            <a:r>
+              <a:rPr lang="de-DE" dirty="0" err="1">
+                <a:solidFill>
+                  <a:schemeClr val="tx1"/>
+                </a:solidFill>
+              </a:rPr>
+              <a:t>cloud</a:t>
+            </a:r>
+            <a:r>
+              <a:rPr lang="de-DE" dirty="0">
+                <a:solidFill>
+                  <a:schemeClr val="tx1"/>
+                </a:solidFill>
+              </a:rPr>
+              <a:t>, …)</a:t>
             </a:r>
           </a:p>
         </p:txBody>
@@ -9370,7 +10992,7 @@
     </p:spTree>
     <p:extLst>
       <p:ext uri="{BB962C8B-B14F-4D97-AF65-F5344CB8AC3E}">
-        <p14:creationId xmlns:p14="http://schemas.microsoft.com/office/powerpoint/2010/main" val="3865934509"/>
+        <p14:creationId xmlns:p14="http://schemas.microsoft.com/office/powerpoint/2010/main" val="1706390575"/>
       </p:ext>
     </p:extLst>
   </p:cSld>
@@ -9397,254 +11019,275 @@
           <a:chExt cx="0" cy="0"/>
         </a:xfrm>
       </p:grpSpPr>
-      <p:sp>
-        <p:nvSpPr>
-          <p:cNvPr id="21" name="Textfeld 20">
-            <a:extLst>
-              <a:ext uri="{FF2B5EF4-FFF2-40B4-BE49-F238E27FC236}">
-                <a16:creationId xmlns:a16="http://schemas.microsoft.com/office/drawing/2014/main" id="{B0F9B15D-B5CB-47AB-88D0-5F58EFB02359}"/>
-              </a:ext>
-            </a:extLst>
-          </p:cNvPr>
-          <p:cNvSpPr txBox="1"/>
-          <p:nvPr/>
-        </p:nvSpPr>
-        <p:spPr>
-          <a:xfrm>
-            <a:off x="124691" y="159679"/>
-            <a:ext cx="2695097" cy="369332"/>
-          </a:xfrm>
-          <a:prstGeom prst="rect">
-            <a:avLst/>
-          </a:prstGeom>
-          <a:noFill/>
-        </p:spPr>
-        <p:txBody>
-          <a:bodyPr wrap="none" rtlCol="0">
-            <a:spAutoFit/>
-          </a:bodyPr>
-          <a:lstStyle/>
-          <a:p>
-            <a:r>
-              <a:rPr lang="de-DE" b="1" dirty="0"/>
-              <a:t>System Integration </a:t>
-            </a:r>
-            <a:r>
-              <a:rPr lang="de-DE" b="1" dirty="0" err="1"/>
-              <a:t>Testing</a:t>
-            </a:r>
-            <a:endParaRPr lang="de-DE" b="1" dirty="0"/>
-          </a:p>
-        </p:txBody>
-      </p:sp>
-      <p:sp>
-        <p:nvSpPr>
-          <p:cNvPr id="25" name="Rechteck 24">
-            <a:extLst>
-              <a:ext uri="{FF2B5EF4-FFF2-40B4-BE49-F238E27FC236}">
-                <a16:creationId xmlns:a16="http://schemas.microsoft.com/office/drawing/2014/main" id="{E87AC7E2-575C-460D-BCE2-8261BA43429D}"/>
-              </a:ext>
-            </a:extLst>
-          </p:cNvPr>
-          <p:cNvSpPr/>
-          <p:nvPr/>
-        </p:nvSpPr>
-        <p:spPr>
-          <a:xfrm>
-            <a:off x="387926" y="2292927"/>
-            <a:ext cx="2327564" cy="1136073"/>
-          </a:xfrm>
-          <a:prstGeom prst="rect">
-            <a:avLst/>
-          </a:prstGeom>
-        </p:spPr>
-        <p:style>
-          <a:lnRef idx="2">
-            <a:schemeClr val="accent1">
-              <a:shade val="50000"/>
-            </a:schemeClr>
-          </a:lnRef>
-          <a:fillRef idx="1">
-            <a:schemeClr val="accent1"/>
-          </a:fillRef>
-          <a:effectRef idx="0">
-            <a:schemeClr val="accent1"/>
-          </a:effectRef>
-          <a:fontRef idx="minor">
-            <a:schemeClr val="lt1"/>
-          </a:fontRef>
-        </p:style>
-        <p:txBody>
-          <a:bodyPr rtlCol="0" anchor="ctr"/>
-          <a:lstStyle/>
-          <a:p>
-            <a:pPr algn="ctr"/>
-            <a:r>
-              <a:rPr lang="de-DE" dirty="0">
-                <a:solidFill>
-                  <a:schemeClr val="tx1"/>
-                </a:solidFill>
-              </a:rPr>
-              <a:t>Any valid </a:t>
-            </a:r>
-          </a:p>
-          <a:p>
-            <a:pPr algn="ctr"/>
-            <a:r>
-              <a:rPr lang="de-DE" dirty="0" err="1">
-                <a:solidFill>
-                  <a:schemeClr val="tx1"/>
-                </a:solidFill>
-              </a:rPr>
-              <a:t>Pre</a:t>
-            </a:r>
-            <a:r>
-              <a:rPr lang="de-DE" dirty="0">
-                <a:solidFill>
-                  <a:schemeClr val="tx1"/>
-                </a:solidFill>
-              </a:rPr>
-              <a:t>-Flight</a:t>
-            </a:r>
-          </a:p>
-          <a:p>
-            <a:pPr algn="ctr"/>
-            <a:r>
-              <a:rPr lang="de-DE" dirty="0" err="1">
-                <a:solidFill>
-                  <a:schemeClr val="tx1"/>
-                </a:solidFill>
-              </a:rPr>
-              <a:t>Deployment</a:t>
-            </a:r>
-            <a:endParaRPr lang="de-DE" dirty="0">
-              <a:solidFill>
-                <a:schemeClr val="tx1"/>
-              </a:solidFill>
-            </a:endParaRPr>
-          </a:p>
-        </p:txBody>
-      </p:sp>
-      <p:cxnSp>
-        <p:nvCxnSpPr>
-          <p:cNvPr id="27" name="Gerade Verbindung mit Pfeil 26">
-            <a:extLst>
-              <a:ext uri="{FF2B5EF4-FFF2-40B4-BE49-F238E27FC236}">
-                <a16:creationId xmlns:a16="http://schemas.microsoft.com/office/drawing/2014/main" id="{06D1DCE2-81F4-419B-9865-A968E129D436}"/>
-              </a:ext>
-            </a:extLst>
-          </p:cNvPr>
-          <p:cNvCxnSpPr>
-            <a:cxnSpLocks/>
-            <a:endCxn id="25" idx="0"/>
-          </p:cNvCxnSpPr>
-          <p:nvPr/>
-        </p:nvCxnSpPr>
-        <p:spPr>
-          <a:xfrm>
-            <a:off x="1551708" y="1586345"/>
-            <a:ext cx="0" cy="706582"/>
-          </a:xfrm>
-          <a:prstGeom prst="straightConnector1">
-            <a:avLst/>
-          </a:prstGeom>
-          <a:ln>
-            <a:tailEnd type="triangle"/>
-          </a:ln>
-        </p:spPr>
-        <p:style>
-          <a:lnRef idx="1">
-            <a:schemeClr val="accent1"/>
-          </a:lnRef>
-          <a:fillRef idx="0">
-            <a:schemeClr val="accent1"/>
-          </a:fillRef>
-          <a:effectRef idx="0">
-            <a:schemeClr val="accent1"/>
-          </a:effectRef>
-          <a:fontRef idx="minor">
-            <a:schemeClr val="tx1"/>
-          </a:fontRef>
-        </p:style>
-      </p:cxnSp>
-      <p:sp>
-        <p:nvSpPr>
-          <p:cNvPr id="29" name="Rechteck 28">
-            <a:extLst>
-              <a:ext uri="{FF2B5EF4-FFF2-40B4-BE49-F238E27FC236}">
-                <a16:creationId xmlns:a16="http://schemas.microsoft.com/office/drawing/2014/main" id="{E9F9EA7E-245D-49E2-9BF2-4D03AF1A6F59}"/>
-              </a:ext>
-            </a:extLst>
-          </p:cNvPr>
-          <p:cNvSpPr/>
-          <p:nvPr/>
-        </p:nvSpPr>
-        <p:spPr>
-          <a:xfrm>
-            <a:off x="739401" y="808472"/>
-            <a:ext cx="1624613" cy="777873"/>
-          </a:xfrm>
-          <a:prstGeom prst="rect">
-            <a:avLst/>
-          </a:prstGeom>
-          <a:solidFill>
-            <a:schemeClr val="tx1"/>
-          </a:solidFill>
-        </p:spPr>
-        <p:style>
-          <a:lnRef idx="2">
-            <a:schemeClr val="accent6"/>
-          </a:lnRef>
-          <a:fillRef idx="1">
-            <a:schemeClr val="lt1"/>
-          </a:fillRef>
-          <a:effectRef idx="0">
-            <a:schemeClr val="accent6"/>
-          </a:effectRef>
-          <a:fontRef idx="minor">
-            <a:schemeClr val="dk1"/>
-          </a:fontRef>
-        </p:style>
-        <p:txBody>
-          <a:bodyPr rtlCol="0" anchor="ctr"/>
-          <a:lstStyle/>
-          <a:p>
-            <a:pPr algn="ctr"/>
-            <a:r>
-              <a:rPr lang="de-DE" dirty="0" err="1">
+      <p:grpSp>
+        <p:nvGrpSpPr>
+          <p:cNvPr id="2" name="Gruppieren 1">
+            <a:extLst>
+              <a:ext uri="{FF2B5EF4-FFF2-40B4-BE49-F238E27FC236}">
+                <a16:creationId xmlns:a16="http://schemas.microsoft.com/office/drawing/2014/main" id="{A985E15C-BCF8-41CF-BE01-547494616038}"/>
+              </a:ext>
+            </a:extLst>
+          </p:cNvPr>
+          <p:cNvGrpSpPr/>
+          <p:nvPr/>
+        </p:nvGrpSpPr>
+        <p:grpSpPr>
+          <a:xfrm>
+            <a:off x="222346" y="264051"/>
+            <a:ext cx="10608412" cy="6329898"/>
+            <a:chOff x="124691" y="159679"/>
+            <a:chExt cx="2590799" cy="3269321"/>
+          </a:xfrm>
+        </p:grpSpPr>
+        <p:sp>
+          <p:nvSpPr>
+            <p:cNvPr id="21" name="Textfeld 20">
+              <a:extLst>
+                <a:ext uri="{FF2B5EF4-FFF2-40B4-BE49-F238E27FC236}">
+                  <a16:creationId xmlns:a16="http://schemas.microsoft.com/office/drawing/2014/main" id="{B0F9B15D-B5CB-47AB-88D0-5F58EFB02359}"/>
+                </a:ext>
+              </a:extLst>
+            </p:cNvPr>
+            <p:cNvSpPr txBox="1"/>
+            <p:nvPr/>
+          </p:nvSpPr>
+          <p:spPr>
+            <a:xfrm>
+              <a:off x="124691" y="159679"/>
+              <a:ext cx="1350666" cy="365615"/>
+            </a:xfrm>
+            <a:prstGeom prst="rect">
+              <a:avLst/>
+            </a:prstGeom>
+            <a:noFill/>
+          </p:spPr>
+          <p:txBody>
+            <a:bodyPr wrap="none" rtlCol="0">
+              <a:spAutoFit/>
+            </a:bodyPr>
+            <a:lstStyle/>
+            <a:p>
+              <a:r>
+                <a:rPr lang="de-DE" sz="4000" b="1" dirty="0"/>
+                <a:t>System Integration </a:t>
+              </a:r>
+              <a:r>
+                <a:rPr lang="de-DE" sz="4000" b="1" dirty="0" err="1"/>
+                <a:t>Testing</a:t>
+              </a:r>
+              <a:endParaRPr lang="de-DE" sz="4000" b="1" dirty="0"/>
+            </a:p>
+          </p:txBody>
+        </p:sp>
+        <p:sp>
+          <p:nvSpPr>
+            <p:cNvPr id="25" name="Rechteck 24">
+              <a:extLst>
+                <a:ext uri="{FF2B5EF4-FFF2-40B4-BE49-F238E27FC236}">
+                  <a16:creationId xmlns:a16="http://schemas.microsoft.com/office/drawing/2014/main" id="{E87AC7E2-575C-460D-BCE2-8261BA43429D}"/>
+                </a:ext>
+              </a:extLst>
+            </p:cNvPr>
+            <p:cNvSpPr/>
+            <p:nvPr/>
+          </p:nvSpPr>
+          <p:spPr>
+            <a:xfrm>
+              <a:off x="387926" y="2292927"/>
+              <a:ext cx="2327564" cy="1136073"/>
+            </a:xfrm>
+            <a:prstGeom prst="rect">
+              <a:avLst/>
+            </a:prstGeom>
+          </p:spPr>
+          <p:style>
+            <a:lnRef idx="2">
+              <a:schemeClr val="accent1">
+                <a:shade val="50000"/>
+              </a:schemeClr>
+            </a:lnRef>
+            <a:fillRef idx="1">
+              <a:schemeClr val="accent1"/>
+            </a:fillRef>
+            <a:effectRef idx="0">
+              <a:schemeClr val="accent1"/>
+            </a:effectRef>
+            <a:fontRef idx="minor">
+              <a:schemeClr val="lt1"/>
+            </a:fontRef>
+          </p:style>
+          <p:txBody>
+            <a:bodyPr rtlCol="0" anchor="ctr"/>
+            <a:lstStyle/>
+            <a:p>
+              <a:pPr algn="ctr"/>
+              <a:r>
+                <a:rPr lang="de-DE" sz="4000" dirty="0">
+                  <a:solidFill>
+                    <a:schemeClr val="tx1"/>
+                  </a:solidFill>
+                </a:rPr>
+                <a:t>Any valid </a:t>
+              </a:r>
+            </a:p>
+            <a:p>
+              <a:pPr algn="ctr"/>
+              <a:r>
+                <a:rPr lang="de-DE" sz="4000" dirty="0" err="1">
+                  <a:solidFill>
+                    <a:schemeClr val="tx1"/>
+                  </a:solidFill>
+                </a:rPr>
+                <a:t>Pre</a:t>
+              </a:r>
+              <a:r>
+                <a:rPr lang="de-DE" sz="4000" dirty="0">
+                  <a:solidFill>
+                    <a:schemeClr val="tx1"/>
+                  </a:solidFill>
+                </a:rPr>
+                <a:t>-Flight</a:t>
+              </a:r>
+            </a:p>
+            <a:p>
+              <a:pPr algn="ctr"/>
+              <a:r>
+                <a:rPr lang="de-DE" sz="4000" dirty="0" err="1">
+                  <a:solidFill>
+                    <a:schemeClr val="tx1"/>
+                  </a:solidFill>
+                </a:rPr>
+                <a:t>Deployment</a:t>
+              </a:r>
+              <a:endParaRPr lang="de-DE" sz="4000" dirty="0">
+                <a:solidFill>
+                  <a:schemeClr val="tx1"/>
+                </a:solidFill>
+              </a:endParaRPr>
+            </a:p>
+          </p:txBody>
+        </p:sp>
+        <p:cxnSp>
+          <p:nvCxnSpPr>
+            <p:cNvPr id="27" name="Gerade Verbindung mit Pfeil 26">
+              <a:extLst>
+                <a:ext uri="{FF2B5EF4-FFF2-40B4-BE49-F238E27FC236}">
+                  <a16:creationId xmlns:a16="http://schemas.microsoft.com/office/drawing/2014/main" id="{06D1DCE2-81F4-419B-9865-A968E129D436}"/>
+                </a:ext>
+              </a:extLst>
+            </p:cNvPr>
+            <p:cNvCxnSpPr>
+              <a:cxnSpLocks/>
+              <a:endCxn id="25" idx="0"/>
+            </p:cNvCxnSpPr>
+            <p:nvPr/>
+          </p:nvCxnSpPr>
+          <p:spPr>
+            <a:xfrm>
+              <a:off x="1551708" y="1586345"/>
+              <a:ext cx="0" cy="706582"/>
+            </a:xfrm>
+            <a:prstGeom prst="straightConnector1">
+              <a:avLst/>
+            </a:prstGeom>
+            <a:ln>
+              <a:tailEnd type="triangle"/>
+            </a:ln>
+          </p:spPr>
+          <p:style>
+            <a:lnRef idx="1">
+              <a:schemeClr val="dk1"/>
+            </a:lnRef>
+            <a:fillRef idx="0">
+              <a:schemeClr val="dk1"/>
+            </a:fillRef>
+            <a:effectRef idx="0">
+              <a:schemeClr val="dk1"/>
+            </a:effectRef>
+            <a:fontRef idx="minor">
+              <a:schemeClr val="tx1"/>
+            </a:fontRef>
+          </p:style>
+        </p:cxnSp>
+        <p:sp>
+          <p:nvSpPr>
+            <p:cNvPr id="29" name="Rechteck 28">
+              <a:extLst>
+                <a:ext uri="{FF2B5EF4-FFF2-40B4-BE49-F238E27FC236}">
+                  <a16:creationId xmlns:a16="http://schemas.microsoft.com/office/drawing/2014/main" id="{E9F9EA7E-245D-49E2-9BF2-4D03AF1A6F59}"/>
+                </a:ext>
+              </a:extLst>
+            </p:cNvPr>
+            <p:cNvSpPr/>
+            <p:nvPr/>
+          </p:nvSpPr>
+          <p:spPr>
+            <a:xfrm>
+              <a:off x="739401" y="808472"/>
+              <a:ext cx="1624613" cy="777873"/>
+            </a:xfrm>
+            <a:prstGeom prst="rect">
+              <a:avLst/>
+            </a:prstGeom>
+            <a:solidFill>
+              <a:schemeClr val="tx1"/>
+            </a:solidFill>
+          </p:spPr>
+          <p:style>
+            <a:lnRef idx="2">
+              <a:schemeClr val="accent6"/>
+            </a:lnRef>
+            <a:fillRef idx="1">
+              <a:schemeClr val="lt1"/>
+            </a:fillRef>
+            <a:effectRef idx="0">
+              <a:schemeClr val="accent6"/>
+            </a:effectRef>
+            <a:fontRef idx="minor">
+              <a:schemeClr val="dk1"/>
+            </a:fontRef>
+          </p:style>
+          <p:txBody>
+            <a:bodyPr rtlCol="0" anchor="ctr"/>
+            <a:lstStyle/>
+            <a:p>
+              <a:pPr algn="ctr"/>
+              <a:r>
+                <a:rPr lang="de-DE" sz="4000" dirty="0" err="1">
+                  <a:solidFill>
+                    <a:schemeClr val="bg1"/>
+                  </a:solidFill>
+                </a:rPr>
+                <a:t>Simulated</a:t>
+              </a:r>
+              <a:r>
+                <a:rPr lang="de-DE" sz="4000" dirty="0">
+                  <a:solidFill>
+                    <a:schemeClr val="bg1"/>
+                  </a:solidFill>
+                </a:rPr>
+                <a:t> User</a:t>
+              </a:r>
+            </a:p>
+            <a:p>
+              <a:pPr algn="ctr"/>
+              <a:r>
+                <a:rPr lang="de-DE" sz="4000" dirty="0" err="1">
+                  <a:solidFill>
+                    <a:schemeClr val="bg1"/>
+                  </a:solidFill>
+                </a:rPr>
+                <a:t>Selenium</a:t>
+              </a:r>
+              <a:endParaRPr lang="de-DE" sz="4000" dirty="0">
                 <a:solidFill>
                   <a:schemeClr val="bg1"/>
                 </a:solidFill>
-              </a:rPr>
-              <a:t>Simulated</a:t>
-            </a:r>
-            <a:r>
-              <a:rPr lang="de-DE" dirty="0">
-                <a:solidFill>
-                  <a:schemeClr val="bg1"/>
-                </a:solidFill>
-              </a:rPr>
-              <a:t> User</a:t>
-            </a:r>
-          </a:p>
-          <a:p>
-            <a:pPr algn="ctr"/>
-            <a:r>
-              <a:rPr lang="de-DE" dirty="0" err="1">
-                <a:solidFill>
-                  <a:schemeClr val="bg1"/>
-                </a:solidFill>
-              </a:rPr>
-              <a:t>Selenium</a:t>
-            </a:r>
-            <a:endParaRPr lang="de-DE" dirty="0">
-              <a:solidFill>
-                <a:schemeClr val="bg1"/>
-              </a:solidFill>
-            </a:endParaRPr>
-          </a:p>
-        </p:txBody>
-      </p:sp>
+              </a:endParaRPr>
+            </a:p>
+          </p:txBody>
+        </p:sp>
+      </p:grpSp>
     </p:spTree>
     <p:extLst>
       <p:ext uri="{BB962C8B-B14F-4D97-AF65-F5344CB8AC3E}">
@@ -11205,762 +12848,783 @@
           <a:chExt cx="0" cy="0"/>
         </a:xfrm>
       </p:grpSpPr>
-      <p:sp>
-        <p:nvSpPr>
-          <p:cNvPr id="2" name="Rechteck 1">
-            <a:extLst>
-              <a:ext uri="{FF2B5EF4-FFF2-40B4-BE49-F238E27FC236}">
-                <a16:creationId xmlns:a16="http://schemas.microsoft.com/office/drawing/2014/main" id="{FB4B0D6D-5891-40C6-BE91-4CE912FC33A1}"/>
-              </a:ext>
-            </a:extLst>
-          </p:cNvPr>
-          <p:cNvSpPr/>
-          <p:nvPr/>
-        </p:nvSpPr>
-        <p:spPr>
-          <a:xfrm>
-            <a:off x="1020932" y="1091953"/>
-            <a:ext cx="1837678" cy="1305018"/>
-          </a:xfrm>
-          <a:prstGeom prst="rect">
-            <a:avLst/>
-          </a:prstGeom>
-        </p:spPr>
-        <p:style>
-          <a:lnRef idx="2">
-            <a:schemeClr val="accent1">
-              <a:shade val="50000"/>
-            </a:schemeClr>
-          </a:lnRef>
-          <a:fillRef idx="1">
-            <a:schemeClr val="accent1"/>
-          </a:fillRef>
-          <a:effectRef idx="0">
-            <a:schemeClr val="accent1"/>
-          </a:effectRef>
-          <a:fontRef idx="minor">
-            <a:schemeClr val="lt1"/>
-          </a:fontRef>
-        </p:style>
-        <p:txBody>
-          <a:bodyPr rtlCol="0" anchor="ctr"/>
-          <a:lstStyle/>
-          <a:p>
-            <a:pPr algn="ctr"/>
-            <a:r>
-              <a:rPr lang="de-DE" dirty="0">
-                <a:solidFill>
-                  <a:schemeClr val="tx1"/>
-                </a:solidFill>
-              </a:rPr>
-              <a:t>Web UI</a:t>
-            </a:r>
-          </a:p>
-        </p:txBody>
-      </p:sp>
-      <p:sp>
-        <p:nvSpPr>
-          <p:cNvPr id="3" name="Rechteck 2">
-            <a:extLst>
-              <a:ext uri="{FF2B5EF4-FFF2-40B4-BE49-F238E27FC236}">
-                <a16:creationId xmlns:a16="http://schemas.microsoft.com/office/drawing/2014/main" id="{26C119B7-529B-420B-B7B6-2040FC2A3670}"/>
-              </a:ext>
-            </a:extLst>
-          </p:cNvPr>
-          <p:cNvSpPr/>
-          <p:nvPr/>
-        </p:nvSpPr>
-        <p:spPr>
-          <a:xfrm>
-            <a:off x="4136995" y="1091953"/>
-            <a:ext cx="1837678" cy="1305018"/>
-          </a:xfrm>
-          <a:prstGeom prst="rect">
-            <a:avLst/>
-          </a:prstGeom>
-        </p:spPr>
-        <p:style>
-          <a:lnRef idx="2">
-            <a:schemeClr val="accent1">
-              <a:shade val="50000"/>
-            </a:schemeClr>
-          </a:lnRef>
-          <a:fillRef idx="1">
-            <a:schemeClr val="accent1"/>
-          </a:fillRef>
-          <a:effectRef idx="0">
-            <a:schemeClr val="accent1"/>
-          </a:effectRef>
-          <a:fontRef idx="minor">
-            <a:schemeClr val="lt1"/>
-          </a:fontRef>
-        </p:style>
-        <p:txBody>
-          <a:bodyPr rtlCol="0" anchor="ctr"/>
-          <a:lstStyle/>
-          <a:p>
-            <a:pPr algn="ctr"/>
-            <a:r>
-              <a:rPr lang="de-DE" dirty="0">
-                <a:solidFill>
-                  <a:schemeClr val="tx1"/>
-                </a:solidFill>
-              </a:rPr>
-              <a:t>Flight Editor </a:t>
-            </a:r>
-            <a:r>
-              <a:rPr lang="de-DE" dirty="0" err="1">
-                <a:solidFill>
-                  <a:schemeClr val="tx1"/>
-                </a:solidFill>
-              </a:rPr>
-              <a:t>Component</a:t>
-            </a:r>
-            <a:r>
-              <a:rPr lang="de-DE" dirty="0">
-                <a:solidFill>
-                  <a:schemeClr val="tx1"/>
-                </a:solidFill>
-              </a:rPr>
-              <a:t> (Model: Flight, Route Segments, Trip Segments)</a:t>
-            </a:r>
-          </a:p>
-        </p:txBody>
-      </p:sp>
-      <p:cxnSp>
-        <p:nvCxnSpPr>
-          <p:cNvPr id="5" name="Gerade Verbindung mit Pfeil 4">
-            <a:extLst>
-              <a:ext uri="{FF2B5EF4-FFF2-40B4-BE49-F238E27FC236}">
-                <a16:creationId xmlns:a16="http://schemas.microsoft.com/office/drawing/2014/main" id="{FC4A3FAD-B64E-46D8-9455-C310309A25B9}"/>
-              </a:ext>
-            </a:extLst>
-          </p:cNvPr>
-          <p:cNvCxnSpPr>
-            <a:cxnSpLocks/>
-          </p:cNvCxnSpPr>
-          <p:nvPr/>
-        </p:nvCxnSpPr>
-        <p:spPr>
-          <a:xfrm>
-            <a:off x="2858610" y="1349406"/>
-            <a:ext cx="1278385" cy="0"/>
-          </a:xfrm>
-          <a:prstGeom prst="straightConnector1">
-            <a:avLst/>
-          </a:prstGeom>
-          <a:ln>
-            <a:tailEnd type="triangle"/>
-          </a:ln>
-        </p:spPr>
-        <p:style>
-          <a:lnRef idx="1">
-            <a:schemeClr val="dk1"/>
-          </a:lnRef>
-          <a:fillRef idx="0">
-            <a:schemeClr val="dk1"/>
-          </a:fillRef>
-          <a:effectRef idx="0">
-            <a:schemeClr val="dk1"/>
-          </a:effectRef>
-          <a:fontRef idx="minor">
-            <a:schemeClr val="tx1"/>
-          </a:fontRef>
-        </p:style>
-      </p:cxnSp>
-      <p:sp>
-        <p:nvSpPr>
-          <p:cNvPr id="6" name="Textfeld 5">
-            <a:extLst>
-              <a:ext uri="{FF2B5EF4-FFF2-40B4-BE49-F238E27FC236}">
-                <a16:creationId xmlns:a16="http://schemas.microsoft.com/office/drawing/2014/main" id="{9F564F46-3CC5-4570-914E-E75919EAFE5F}"/>
-              </a:ext>
-            </a:extLst>
-          </p:cNvPr>
-          <p:cNvSpPr txBox="1"/>
-          <p:nvPr/>
-        </p:nvSpPr>
-        <p:spPr>
-          <a:xfrm>
-            <a:off x="2808351" y="1004471"/>
-            <a:ext cx="1378904" cy="1200329"/>
-          </a:xfrm>
-          <a:prstGeom prst="rect">
-            <a:avLst/>
-          </a:prstGeom>
-          <a:noFill/>
-        </p:spPr>
-        <p:txBody>
-          <a:bodyPr wrap="none" rtlCol="0">
-            <a:spAutoFit/>
-          </a:bodyPr>
-          <a:lstStyle/>
-          <a:p>
-            <a:r>
-              <a:rPr lang="de-DE" dirty="0"/>
-              <a:t>Send</a:t>
-            </a:r>
-            <a:br>
-              <a:rPr lang="de-DE" dirty="0"/>
-            </a:br>
-            <a:r>
-              <a:rPr lang="de-DE" dirty="0"/>
-              <a:t>UI </a:t>
-            </a:r>
-            <a:r>
-              <a:rPr lang="de-DE" dirty="0" err="1"/>
-              <a:t>input</a:t>
-            </a:r>
-            <a:endParaRPr lang="de-DE" dirty="0"/>
-          </a:p>
-          <a:p>
-            <a:r>
-              <a:rPr lang="de-DE" dirty="0"/>
-              <a:t>(via </a:t>
-            </a:r>
-            <a:r>
-              <a:rPr lang="de-DE" dirty="0" err="1"/>
-              <a:t>accessor</a:t>
-            </a:r>
-            <a:endParaRPr lang="de-DE" dirty="0"/>
-          </a:p>
-          <a:p>
-            <a:r>
-              <a:rPr lang="de-DE" dirty="0"/>
-              <a:t>Methods)</a:t>
-            </a:r>
-          </a:p>
-        </p:txBody>
-      </p:sp>
-      <p:sp>
-        <p:nvSpPr>
-          <p:cNvPr id="7" name="Rechteck 6">
-            <a:extLst>
-              <a:ext uri="{FF2B5EF4-FFF2-40B4-BE49-F238E27FC236}">
-                <a16:creationId xmlns:a16="http://schemas.microsoft.com/office/drawing/2014/main" id="{1CADF33F-2ADA-494F-94E4-8B122D0726A1}"/>
-              </a:ext>
-            </a:extLst>
-          </p:cNvPr>
-          <p:cNvSpPr/>
-          <p:nvPr/>
-        </p:nvSpPr>
-        <p:spPr>
-          <a:xfrm>
-            <a:off x="7883373" y="1094169"/>
-            <a:ext cx="1837678" cy="510467"/>
-          </a:xfrm>
-          <a:prstGeom prst="rect">
-            <a:avLst/>
-          </a:prstGeom>
-        </p:spPr>
-        <p:style>
-          <a:lnRef idx="2">
-            <a:schemeClr val="accent1">
-              <a:shade val="50000"/>
-            </a:schemeClr>
-          </a:lnRef>
-          <a:fillRef idx="1">
-            <a:schemeClr val="accent1"/>
-          </a:fillRef>
-          <a:effectRef idx="0">
-            <a:schemeClr val="accent1"/>
-          </a:effectRef>
-          <a:fontRef idx="minor">
-            <a:schemeClr val="lt1"/>
-          </a:fontRef>
-        </p:style>
-        <p:txBody>
-          <a:bodyPr rtlCol="0" anchor="ctr"/>
-          <a:lstStyle/>
-          <a:p>
-            <a:pPr algn="ctr"/>
-            <a:r>
-              <a:rPr lang="de-DE" dirty="0">
-                <a:solidFill>
-                  <a:schemeClr val="tx1"/>
-                </a:solidFill>
-              </a:rPr>
-              <a:t>Input </a:t>
-            </a:r>
-            <a:r>
-              <a:rPr lang="de-DE" dirty="0" err="1">
-                <a:solidFill>
-                  <a:schemeClr val="tx1"/>
-                </a:solidFill>
-              </a:rPr>
-              <a:t>Validator</a:t>
-            </a:r>
-            <a:endParaRPr lang="de-DE" dirty="0">
-              <a:solidFill>
-                <a:schemeClr val="tx1"/>
-              </a:solidFill>
-            </a:endParaRPr>
-          </a:p>
-        </p:txBody>
-      </p:sp>
-      <p:cxnSp>
-        <p:nvCxnSpPr>
-          <p:cNvPr id="9" name="Gerade Verbindung mit Pfeil 8">
-            <a:extLst>
-              <a:ext uri="{FF2B5EF4-FFF2-40B4-BE49-F238E27FC236}">
-                <a16:creationId xmlns:a16="http://schemas.microsoft.com/office/drawing/2014/main" id="{276A2D74-F7FB-4198-BED4-586CFFFD5A08}"/>
-              </a:ext>
-            </a:extLst>
-          </p:cNvPr>
-          <p:cNvCxnSpPr>
-            <a:cxnSpLocks/>
-            <a:endCxn id="7" idx="1"/>
-          </p:cNvCxnSpPr>
-          <p:nvPr/>
-        </p:nvCxnSpPr>
-        <p:spPr>
-          <a:xfrm>
-            <a:off x="5974673" y="1349403"/>
-            <a:ext cx="1908700" cy="0"/>
-          </a:xfrm>
-          <a:prstGeom prst="straightConnector1">
-            <a:avLst/>
-          </a:prstGeom>
-          <a:ln>
-            <a:tailEnd type="triangle"/>
-          </a:ln>
-        </p:spPr>
-        <p:style>
-          <a:lnRef idx="1">
-            <a:schemeClr val="dk1"/>
-          </a:lnRef>
-          <a:fillRef idx="0">
-            <a:schemeClr val="dk1"/>
-          </a:fillRef>
-          <a:effectRef idx="0">
-            <a:schemeClr val="dk1"/>
-          </a:effectRef>
-          <a:fontRef idx="minor">
-            <a:schemeClr val="tx1"/>
-          </a:fontRef>
-        </p:style>
-      </p:cxnSp>
-      <p:sp>
-        <p:nvSpPr>
-          <p:cNvPr id="12" name="Rechteck 11">
-            <a:extLst>
-              <a:ext uri="{FF2B5EF4-FFF2-40B4-BE49-F238E27FC236}">
-                <a16:creationId xmlns:a16="http://schemas.microsoft.com/office/drawing/2014/main" id="{4FBFBB6C-A1F0-4D93-9F4E-DEB6704DE3A2}"/>
-              </a:ext>
-            </a:extLst>
-          </p:cNvPr>
-          <p:cNvSpPr/>
-          <p:nvPr/>
-        </p:nvSpPr>
-        <p:spPr>
-          <a:xfrm>
-            <a:off x="7883373" y="1815438"/>
-            <a:ext cx="1837678" cy="510467"/>
-          </a:xfrm>
-          <a:prstGeom prst="rect">
-            <a:avLst/>
-          </a:prstGeom>
-        </p:spPr>
-        <p:style>
-          <a:lnRef idx="2">
-            <a:schemeClr val="accent1">
-              <a:shade val="50000"/>
-            </a:schemeClr>
-          </a:lnRef>
-          <a:fillRef idx="1">
-            <a:schemeClr val="accent1"/>
-          </a:fillRef>
-          <a:effectRef idx="0">
-            <a:schemeClr val="accent1"/>
-          </a:effectRef>
-          <a:fontRef idx="minor">
-            <a:schemeClr val="lt1"/>
-          </a:fontRef>
-        </p:style>
-        <p:txBody>
-          <a:bodyPr rtlCol="0" anchor="ctr"/>
-          <a:lstStyle/>
-          <a:p>
-            <a:pPr algn="ctr"/>
-            <a:r>
-              <a:rPr lang="de-DE" dirty="0">
-                <a:solidFill>
-                  <a:schemeClr val="tx1"/>
-                </a:solidFill>
-              </a:rPr>
-              <a:t>Trip Segment Manager</a:t>
-            </a:r>
-          </a:p>
-        </p:txBody>
-      </p:sp>
-      <p:cxnSp>
-        <p:nvCxnSpPr>
-          <p:cNvPr id="13" name="Gerade Verbindung mit Pfeil 12">
-            <a:extLst>
-              <a:ext uri="{FF2B5EF4-FFF2-40B4-BE49-F238E27FC236}">
-                <a16:creationId xmlns:a16="http://schemas.microsoft.com/office/drawing/2014/main" id="{308C5597-52EC-42F0-8993-64704259EC53}"/>
-              </a:ext>
-            </a:extLst>
-          </p:cNvPr>
-          <p:cNvCxnSpPr>
-            <a:cxnSpLocks/>
-            <a:endCxn id="12" idx="1"/>
-          </p:cNvCxnSpPr>
-          <p:nvPr/>
-        </p:nvCxnSpPr>
-        <p:spPr>
-          <a:xfrm>
-            <a:off x="5974672" y="2070672"/>
-            <a:ext cx="1908701" cy="0"/>
-          </a:xfrm>
-          <a:prstGeom prst="straightConnector1">
-            <a:avLst/>
-          </a:prstGeom>
-          <a:ln>
-            <a:tailEnd type="triangle"/>
-          </a:ln>
-        </p:spPr>
-        <p:style>
-          <a:lnRef idx="1">
-            <a:schemeClr val="dk1"/>
-          </a:lnRef>
-          <a:fillRef idx="0">
-            <a:schemeClr val="dk1"/>
-          </a:fillRef>
-          <a:effectRef idx="0">
-            <a:schemeClr val="dk1"/>
-          </a:effectRef>
-          <a:fontRef idx="minor">
-            <a:schemeClr val="tx1"/>
-          </a:fontRef>
-        </p:style>
-      </p:cxnSp>
-      <p:sp>
-        <p:nvSpPr>
-          <p:cNvPr id="15" name="Rechteck 14">
-            <a:extLst>
-              <a:ext uri="{FF2B5EF4-FFF2-40B4-BE49-F238E27FC236}">
-                <a16:creationId xmlns:a16="http://schemas.microsoft.com/office/drawing/2014/main" id="{6F81F931-2252-4CBF-AB48-024C53E0BE1B}"/>
-              </a:ext>
-            </a:extLst>
-          </p:cNvPr>
-          <p:cNvSpPr/>
-          <p:nvPr/>
-        </p:nvSpPr>
-        <p:spPr>
-          <a:xfrm>
-            <a:off x="4136995" y="3715307"/>
-            <a:ext cx="1837677" cy="1305018"/>
-          </a:xfrm>
-          <a:prstGeom prst="rect">
-            <a:avLst/>
-          </a:prstGeom>
-        </p:spPr>
-        <p:style>
-          <a:lnRef idx="2">
-            <a:schemeClr val="accent1">
-              <a:shade val="50000"/>
-            </a:schemeClr>
-          </a:lnRef>
-          <a:fillRef idx="1">
-            <a:schemeClr val="accent1"/>
-          </a:fillRef>
-          <a:effectRef idx="0">
-            <a:schemeClr val="accent1"/>
-          </a:effectRef>
-          <a:fontRef idx="minor">
-            <a:schemeClr val="lt1"/>
-          </a:fontRef>
-        </p:style>
-        <p:txBody>
-          <a:bodyPr rtlCol="0" anchor="ctr"/>
-          <a:lstStyle/>
-          <a:p>
-            <a:pPr algn="ctr"/>
-            <a:r>
-              <a:rPr lang="de-DE" dirty="0">
-                <a:solidFill>
-                  <a:schemeClr val="tx1"/>
-                </a:solidFill>
-              </a:rPr>
-              <a:t>Trip Computer Service</a:t>
-            </a:r>
-          </a:p>
-        </p:txBody>
-      </p:sp>
-      <p:sp>
-        <p:nvSpPr>
-          <p:cNvPr id="17" name="Textfeld 16">
-            <a:extLst>
-              <a:ext uri="{FF2B5EF4-FFF2-40B4-BE49-F238E27FC236}">
-                <a16:creationId xmlns:a16="http://schemas.microsoft.com/office/drawing/2014/main" id="{39AB554B-B695-4416-AE9F-580CAC7A9BDC}"/>
-              </a:ext>
-            </a:extLst>
-          </p:cNvPr>
-          <p:cNvSpPr txBox="1"/>
-          <p:nvPr/>
-        </p:nvSpPr>
-        <p:spPr>
-          <a:xfrm>
-            <a:off x="5974670" y="1023105"/>
-            <a:ext cx="1510157" cy="646331"/>
-          </a:xfrm>
-          <a:prstGeom prst="rect">
-            <a:avLst/>
-          </a:prstGeom>
-          <a:noFill/>
-        </p:spPr>
-        <p:txBody>
-          <a:bodyPr wrap="none" rtlCol="0">
-            <a:spAutoFit/>
-          </a:bodyPr>
-          <a:lstStyle/>
-          <a:p>
-            <a:r>
-              <a:rPr lang="de-DE" dirty="0"/>
-              <a:t>Send UI </a:t>
-            </a:r>
-            <a:r>
-              <a:rPr lang="de-DE" dirty="0" err="1"/>
-              <a:t>input</a:t>
-            </a:r>
-            <a:r>
-              <a:rPr lang="de-DE" dirty="0"/>
-              <a:t> </a:t>
-            </a:r>
-            <a:br>
-              <a:rPr lang="de-DE" dirty="0"/>
-            </a:br>
-            <a:r>
-              <a:rPr lang="de-DE" dirty="0" err="1"/>
-              <a:t>data</a:t>
-            </a:r>
-            <a:r>
-              <a:rPr lang="de-DE" dirty="0"/>
-              <a:t> </a:t>
-            </a:r>
-            <a:r>
-              <a:rPr lang="de-DE" dirty="0" err="1"/>
-              <a:t>for</a:t>
-            </a:r>
-            <a:r>
-              <a:rPr lang="de-DE" dirty="0"/>
-              <a:t> check</a:t>
-            </a:r>
-          </a:p>
-        </p:txBody>
-      </p:sp>
-      <p:sp>
-        <p:nvSpPr>
-          <p:cNvPr id="18" name="Textfeld 17">
-            <a:extLst>
-              <a:ext uri="{FF2B5EF4-FFF2-40B4-BE49-F238E27FC236}">
-                <a16:creationId xmlns:a16="http://schemas.microsoft.com/office/drawing/2014/main" id="{47DED8D7-331C-4587-AD8F-5E86A3D4523E}"/>
-              </a:ext>
-            </a:extLst>
-          </p:cNvPr>
-          <p:cNvSpPr txBox="1"/>
-          <p:nvPr/>
-        </p:nvSpPr>
-        <p:spPr>
-          <a:xfrm>
-            <a:off x="5974670" y="1718735"/>
-            <a:ext cx="1837677" cy="923330"/>
-          </a:xfrm>
-          <a:prstGeom prst="rect">
-            <a:avLst/>
-          </a:prstGeom>
-          <a:noFill/>
-        </p:spPr>
-        <p:txBody>
-          <a:bodyPr wrap="square" rtlCol="0">
-            <a:spAutoFit/>
-          </a:bodyPr>
-          <a:lstStyle/>
-          <a:p>
-            <a:r>
-              <a:rPr lang="de-DE" dirty="0" err="1"/>
-              <a:t>Requests</a:t>
-            </a:r>
-            <a:r>
-              <a:rPr lang="de-DE" dirty="0"/>
-              <a:t> </a:t>
-            </a:r>
-            <a:r>
-              <a:rPr lang="de-DE" dirty="0" err="1"/>
-              <a:t>add</a:t>
-            </a:r>
-            <a:r>
-              <a:rPr lang="de-DE" dirty="0"/>
-              <a:t>, </a:t>
-            </a:r>
-            <a:r>
-              <a:rPr lang="de-DE" dirty="0" err="1"/>
-              <a:t>remove</a:t>
-            </a:r>
-            <a:r>
-              <a:rPr lang="de-DE" dirty="0"/>
-              <a:t>, </a:t>
-            </a:r>
-            <a:r>
-              <a:rPr lang="de-DE" dirty="0" err="1"/>
-              <a:t>lookup</a:t>
-            </a:r>
-            <a:r>
-              <a:rPr lang="de-DE" dirty="0"/>
-              <a:t> on </a:t>
-            </a:r>
-            <a:r>
-              <a:rPr lang="de-DE" dirty="0" err="1"/>
-              <a:t>data</a:t>
-            </a:r>
-            <a:r>
-              <a:rPr lang="de-DE" dirty="0"/>
-              <a:t> </a:t>
-            </a:r>
-            <a:r>
-              <a:rPr lang="de-DE" dirty="0" err="1"/>
-              <a:t>model</a:t>
-            </a:r>
-            <a:endParaRPr lang="de-DE" dirty="0"/>
-          </a:p>
-        </p:txBody>
-      </p:sp>
-      <p:cxnSp>
-        <p:nvCxnSpPr>
-          <p:cNvPr id="23" name="Gerade Verbindung mit Pfeil 22">
-            <a:extLst>
-              <a:ext uri="{FF2B5EF4-FFF2-40B4-BE49-F238E27FC236}">
-                <a16:creationId xmlns:a16="http://schemas.microsoft.com/office/drawing/2014/main" id="{43432252-ABC3-4C61-BAA4-D1CE15A1C2C8}"/>
-              </a:ext>
-            </a:extLst>
-          </p:cNvPr>
-          <p:cNvCxnSpPr/>
-          <p:nvPr/>
-        </p:nvCxnSpPr>
-        <p:spPr>
-          <a:xfrm>
-            <a:off x="5055833" y="2396971"/>
-            <a:ext cx="0" cy="1293529"/>
-          </a:xfrm>
-          <a:prstGeom prst="straightConnector1">
-            <a:avLst/>
-          </a:prstGeom>
-          <a:ln>
-            <a:tailEnd type="triangle"/>
-          </a:ln>
-        </p:spPr>
-        <p:style>
-          <a:lnRef idx="1">
-            <a:schemeClr val="dk1"/>
-          </a:lnRef>
-          <a:fillRef idx="0">
-            <a:schemeClr val="dk1"/>
-          </a:fillRef>
-          <a:effectRef idx="0">
-            <a:schemeClr val="dk1"/>
-          </a:effectRef>
-          <a:fontRef idx="minor">
-            <a:schemeClr val="tx1"/>
-          </a:fontRef>
-        </p:style>
-      </p:cxnSp>
-      <p:sp>
-        <p:nvSpPr>
-          <p:cNvPr id="24" name="Textfeld 23">
-            <a:extLst>
-              <a:ext uri="{FF2B5EF4-FFF2-40B4-BE49-F238E27FC236}">
-                <a16:creationId xmlns:a16="http://schemas.microsoft.com/office/drawing/2014/main" id="{EC6092E2-C46A-4EA4-8E46-3C1964668F13}"/>
-              </a:ext>
-            </a:extLst>
-          </p:cNvPr>
-          <p:cNvSpPr txBox="1"/>
-          <p:nvPr/>
-        </p:nvSpPr>
-        <p:spPr>
-          <a:xfrm>
-            <a:off x="5055831" y="2578522"/>
-            <a:ext cx="1837677" cy="1200329"/>
-          </a:xfrm>
-          <a:prstGeom prst="rect">
-            <a:avLst/>
-          </a:prstGeom>
-          <a:noFill/>
-        </p:spPr>
-        <p:txBody>
-          <a:bodyPr wrap="square" rtlCol="0">
-            <a:spAutoFit/>
-          </a:bodyPr>
-          <a:lstStyle/>
-          <a:p>
-            <a:r>
-              <a:rPr lang="de-DE" dirty="0"/>
-              <a:t>Send </a:t>
-            </a:r>
-            <a:r>
-              <a:rPr lang="de-DE" dirty="0" err="1"/>
-              <a:t>data</a:t>
-            </a:r>
-            <a:r>
-              <a:rPr lang="de-DE" dirty="0"/>
-              <a:t> </a:t>
-            </a:r>
-            <a:r>
-              <a:rPr lang="de-DE" dirty="0" err="1"/>
-              <a:t>model</a:t>
-            </a:r>
-            <a:r>
-              <a:rPr lang="de-DE" dirty="0"/>
-              <a:t> </a:t>
-            </a:r>
-            <a:r>
-              <a:rPr lang="de-DE" dirty="0" err="1"/>
-              <a:t>with</a:t>
-            </a:r>
-            <a:r>
-              <a:rPr lang="de-DE" dirty="0"/>
-              <a:t> valid UI </a:t>
-            </a:r>
-            <a:r>
-              <a:rPr lang="de-DE" dirty="0" err="1"/>
-              <a:t>input</a:t>
-            </a:r>
-            <a:r>
-              <a:rPr lang="de-DE" dirty="0"/>
-              <a:t> </a:t>
-            </a:r>
-            <a:r>
-              <a:rPr lang="de-DE" dirty="0" err="1"/>
-              <a:t>for</a:t>
-            </a:r>
-            <a:r>
-              <a:rPr lang="de-DE" dirty="0"/>
-              <a:t> </a:t>
-            </a:r>
-            <a:r>
-              <a:rPr lang="de-DE" dirty="0" err="1"/>
-              <a:t>filling</a:t>
-            </a:r>
-            <a:r>
-              <a:rPr lang="de-DE" dirty="0"/>
-              <a:t> </a:t>
-            </a:r>
-            <a:r>
-              <a:rPr lang="de-DE" dirty="0" err="1"/>
-              <a:t>derived</a:t>
-            </a:r>
-            <a:r>
-              <a:rPr lang="de-DE" dirty="0"/>
-              <a:t> </a:t>
-            </a:r>
-            <a:r>
-              <a:rPr lang="de-DE" dirty="0" err="1"/>
-              <a:t>values</a:t>
-            </a:r>
-            <a:endParaRPr lang="de-DE" dirty="0"/>
-          </a:p>
-        </p:txBody>
-      </p:sp>
+      <p:grpSp>
+        <p:nvGrpSpPr>
+          <p:cNvPr id="4" name="Gruppieren 3">
+            <a:extLst>
+              <a:ext uri="{FF2B5EF4-FFF2-40B4-BE49-F238E27FC236}">
+                <a16:creationId xmlns:a16="http://schemas.microsoft.com/office/drawing/2014/main" id="{9BED1644-9B74-43A8-8D88-720E16E1F6B4}"/>
+              </a:ext>
+            </a:extLst>
+          </p:cNvPr>
+          <p:cNvGrpSpPr/>
+          <p:nvPr/>
+        </p:nvGrpSpPr>
+        <p:grpSpPr>
+          <a:xfrm>
+            <a:off x="586596" y="385791"/>
+            <a:ext cx="10892231" cy="6086417"/>
+            <a:chOff x="921059" y="1035928"/>
+            <a:chExt cx="8799992" cy="3984397"/>
+          </a:xfrm>
+        </p:grpSpPr>
+        <p:sp>
+          <p:nvSpPr>
+            <p:cNvPr id="6" name="Textfeld 5">
+              <a:extLst>
+                <a:ext uri="{FF2B5EF4-FFF2-40B4-BE49-F238E27FC236}">
+                  <a16:creationId xmlns:a16="http://schemas.microsoft.com/office/drawing/2014/main" id="{9F564F46-3CC5-4570-914E-E75919EAFE5F}"/>
+                </a:ext>
+              </a:extLst>
+            </p:cNvPr>
+            <p:cNvSpPr txBox="1"/>
+            <p:nvPr/>
+          </p:nvSpPr>
+          <p:spPr>
+            <a:xfrm>
+              <a:off x="2730905" y="1035928"/>
+              <a:ext cx="1433923" cy="1027558"/>
+            </a:xfrm>
+            <a:prstGeom prst="rect">
+              <a:avLst/>
+            </a:prstGeom>
+            <a:noFill/>
+          </p:spPr>
+          <p:txBody>
+            <a:bodyPr wrap="none" rtlCol="0">
+              <a:spAutoFit/>
+            </a:bodyPr>
+            <a:lstStyle/>
+            <a:p>
+              <a:r>
+                <a:rPr lang="de-DE" sz="2400" dirty="0"/>
+                <a:t>Send</a:t>
+              </a:r>
+              <a:br>
+                <a:rPr lang="de-DE" sz="2400" dirty="0"/>
+              </a:br>
+              <a:r>
+                <a:rPr lang="de-DE" sz="2400" dirty="0"/>
+                <a:t>UI </a:t>
+              </a:r>
+              <a:r>
+                <a:rPr lang="de-DE" sz="2400" dirty="0" err="1"/>
+                <a:t>input</a:t>
+              </a:r>
+              <a:endParaRPr lang="de-DE" sz="2400" dirty="0"/>
+            </a:p>
+            <a:p>
+              <a:r>
+                <a:rPr lang="de-DE" sz="2400" dirty="0"/>
+                <a:t>(via </a:t>
+              </a:r>
+              <a:r>
+                <a:rPr lang="de-DE" sz="2400" dirty="0" err="1"/>
+                <a:t>accessor</a:t>
+              </a:r>
+              <a:endParaRPr lang="de-DE" sz="2400" dirty="0"/>
+            </a:p>
+            <a:p>
+              <a:r>
+                <a:rPr lang="de-DE" sz="2400" dirty="0"/>
+                <a:t>Methods)</a:t>
+              </a:r>
+            </a:p>
+          </p:txBody>
+        </p:sp>
+        <p:sp>
+          <p:nvSpPr>
+            <p:cNvPr id="2" name="Rechteck 1">
+              <a:extLst>
+                <a:ext uri="{FF2B5EF4-FFF2-40B4-BE49-F238E27FC236}">
+                  <a16:creationId xmlns:a16="http://schemas.microsoft.com/office/drawing/2014/main" id="{FB4B0D6D-5891-40C6-BE91-4CE912FC33A1}"/>
+                </a:ext>
+              </a:extLst>
+            </p:cNvPr>
+            <p:cNvSpPr/>
+            <p:nvPr/>
+          </p:nvSpPr>
+          <p:spPr>
+            <a:xfrm>
+              <a:off x="921059" y="1091953"/>
+              <a:ext cx="1837678" cy="1305018"/>
+            </a:xfrm>
+            <a:prstGeom prst="rect">
+              <a:avLst/>
+            </a:prstGeom>
+          </p:spPr>
+          <p:style>
+            <a:lnRef idx="2">
+              <a:schemeClr val="accent1">
+                <a:shade val="50000"/>
+              </a:schemeClr>
+            </a:lnRef>
+            <a:fillRef idx="1">
+              <a:schemeClr val="accent1"/>
+            </a:fillRef>
+            <a:effectRef idx="0">
+              <a:schemeClr val="accent1"/>
+            </a:effectRef>
+            <a:fontRef idx="minor">
+              <a:schemeClr val="lt1"/>
+            </a:fontRef>
+          </p:style>
+          <p:txBody>
+            <a:bodyPr rtlCol="0" anchor="ctr"/>
+            <a:lstStyle/>
+            <a:p>
+              <a:pPr algn="ctr"/>
+              <a:r>
+                <a:rPr lang="de-DE" sz="2400" dirty="0">
+                  <a:solidFill>
+                    <a:schemeClr val="tx1"/>
+                  </a:solidFill>
+                </a:rPr>
+                <a:t>Web UI</a:t>
+              </a:r>
+            </a:p>
+          </p:txBody>
+        </p:sp>
+        <p:sp>
+          <p:nvSpPr>
+            <p:cNvPr id="3" name="Rechteck 2">
+              <a:extLst>
+                <a:ext uri="{FF2B5EF4-FFF2-40B4-BE49-F238E27FC236}">
+                  <a16:creationId xmlns:a16="http://schemas.microsoft.com/office/drawing/2014/main" id="{26C119B7-529B-420B-B7B6-2040FC2A3670}"/>
+                </a:ext>
+              </a:extLst>
+            </p:cNvPr>
+            <p:cNvSpPr/>
+            <p:nvPr/>
+          </p:nvSpPr>
+          <p:spPr>
+            <a:xfrm>
+              <a:off x="4136995" y="1091953"/>
+              <a:ext cx="1837678" cy="1305018"/>
+            </a:xfrm>
+            <a:prstGeom prst="rect">
+              <a:avLst/>
+            </a:prstGeom>
+          </p:spPr>
+          <p:style>
+            <a:lnRef idx="2">
+              <a:schemeClr val="accent1">
+                <a:shade val="50000"/>
+              </a:schemeClr>
+            </a:lnRef>
+            <a:fillRef idx="1">
+              <a:schemeClr val="accent1"/>
+            </a:fillRef>
+            <a:effectRef idx="0">
+              <a:schemeClr val="accent1"/>
+            </a:effectRef>
+            <a:fontRef idx="minor">
+              <a:schemeClr val="lt1"/>
+            </a:fontRef>
+          </p:style>
+          <p:txBody>
+            <a:bodyPr rtlCol="0" anchor="ctr"/>
+            <a:lstStyle/>
+            <a:p>
+              <a:pPr algn="ctr"/>
+              <a:r>
+                <a:rPr lang="de-DE" sz="2400" dirty="0">
+                  <a:solidFill>
+                    <a:schemeClr val="tx1"/>
+                  </a:solidFill>
+                </a:rPr>
+                <a:t>Flight Editor </a:t>
+              </a:r>
+              <a:r>
+                <a:rPr lang="de-DE" sz="2400" dirty="0" err="1">
+                  <a:solidFill>
+                    <a:schemeClr val="tx1"/>
+                  </a:solidFill>
+                </a:rPr>
+                <a:t>Component</a:t>
+              </a:r>
+              <a:r>
+                <a:rPr lang="de-DE" sz="2400" dirty="0">
+                  <a:solidFill>
+                    <a:schemeClr val="tx1"/>
+                  </a:solidFill>
+                </a:rPr>
+                <a:t> (Model: Flight, Route Segments, Trip Segments)</a:t>
+              </a:r>
+            </a:p>
+          </p:txBody>
+        </p:sp>
+        <p:cxnSp>
+          <p:nvCxnSpPr>
+            <p:cNvPr id="5" name="Gerade Verbindung mit Pfeil 4">
+              <a:extLst>
+                <a:ext uri="{FF2B5EF4-FFF2-40B4-BE49-F238E27FC236}">
+                  <a16:creationId xmlns:a16="http://schemas.microsoft.com/office/drawing/2014/main" id="{FC4A3FAD-B64E-46D8-9455-C310309A25B9}"/>
+                </a:ext>
+              </a:extLst>
+            </p:cNvPr>
+            <p:cNvCxnSpPr>
+              <a:cxnSpLocks/>
+            </p:cNvCxnSpPr>
+            <p:nvPr/>
+          </p:nvCxnSpPr>
+          <p:spPr>
+            <a:xfrm>
+              <a:off x="2758737" y="1349403"/>
+              <a:ext cx="1378259" cy="3"/>
+            </a:xfrm>
+            <a:prstGeom prst="straightConnector1">
+              <a:avLst/>
+            </a:prstGeom>
+            <a:ln>
+              <a:tailEnd type="triangle"/>
+            </a:ln>
+          </p:spPr>
+          <p:style>
+            <a:lnRef idx="1">
+              <a:schemeClr val="dk1"/>
+            </a:lnRef>
+            <a:fillRef idx="0">
+              <a:schemeClr val="dk1"/>
+            </a:fillRef>
+            <a:effectRef idx="0">
+              <a:schemeClr val="dk1"/>
+            </a:effectRef>
+            <a:fontRef idx="minor">
+              <a:schemeClr val="tx1"/>
+            </a:fontRef>
+          </p:style>
+        </p:cxnSp>
+        <p:sp>
+          <p:nvSpPr>
+            <p:cNvPr id="7" name="Rechteck 6">
+              <a:extLst>
+                <a:ext uri="{FF2B5EF4-FFF2-40B4-BE49-F238E27FC236}">
+                  <a16:creationId xmlns:a16="http://schemas.microsoft.com/office/drawing/2014/main" id="{1CADF33F-2ADA-494F-94E4-8B122D0726A1}"/>
+                </a:ext>
+              </a:extLst>
+            </p:cNvPr>
+            <p:cNvSpPr/>
+            <p:nvPr/>
+          </p:nvSpPr>
+          <p:spPr>
+            <a:xfrm>
+              <a:off x="7883373" y="1094169"/>
+              <a:ext cx="1837678" cy="510467"/>
+            </a:xfrm>
+            <a:prstGeom prst="rect">
+              <a:avLst/>
+            </a:prstGeom>
+          </p:spPr>
+          <p:style>
+            <a:lnRef idx="2">
+              <a:schemeClr val="accent1">
+                <a:shade val="50000"/>
+              </a:schemeClr>
+            </a:lnRef>
+            <a:fillRef idx="1">
+              <a:schemeClr val="accent1"/>
+            </a:fillRef>
+            <a:effectRef idx="0">
+              <a:schemeClr val="accent1"/>
+            </a:effectRef>
+            <a:fontRef idx="minor">
+              <a:schemeClr val="lt1"/>
+            </a:fontRef>
+          </p:style>
+          <p:txBody>
+            <a:bodyPr rtlCol="0" anchor="ctr"/>
+            <a:lstStyle/>
+            <a:p>
+              <a:pPr algn="ctr"/>
+              <a:r>
+                <a:rPr lang="de-DE" sz="2400" dirty="0">
+                  <a:solidFill>
+                    <a:schemeClr val="tx1"/>
+                  </a:solidFill>
+                </a:rPr>
+                <a:t>Input </a:t>
+              </a:r>
+              <a:r>
+                <a:rPr lang="de-DE" sz="2400" dirty="0" err="1">
+                  <a:solidFill>
+                    <a:schemeClr val="tx1"/>
+                  </a:solidFill>
+                </a:rPr>
+                <a:t>Validator</a:t>
+              </a:r>
+              <a:endParaRPr lang="de-DE" sz="2400" dirty="0">
+                <a:solidFill>
+                  <a:schemeClr val="tx1"/>
+                </a:solidFill>
+              </a:endParaRPr>
+            </a:p>
+          </p:txBody>
+        </p:sp>
+        <p:cxnSp>
+          <p:nvCxnSpPr>
+            <p:cNvPr id="9" name="Gerade Verbindung mit Pfeil 8">
+              <a:extLst>
+                <a:ext uri="{FF2B5EF4-FFF2-40B4-BE49-F238E27FC236}">
+                  <a16:creationId xmlns:a16="http://schemas.microsoft.com/office/drawing/2014/main" id="{276A2D74-F7FB-4198-BED4-586CFFFD5A08}"/>
+                </a:ext>
+              </a:extLst>
+            </p:cNvPr>
+            <p:cNvCxnSpPr>
+              <a:cxnSpLocks/>
+              <a:endCxn id="7" idx="1"/>
+            </p:cNvCxnSpPr>
+            <p:nvPr/>
+          </p:nvCxnSpPr>
+          <p:spPr>
+            <a:xfrm>
+              <a:off x="5974673" y="1349403"/>
+              <a:ext cx="1908700" cy="0"/>
+            </a:xfrm>
+            <a:prstGeom prst="straightConnector1">
+              <a:avLst/>
+            </a:prstGeom>
+            <a:ln>
+              <a:tailEnd type="triangle"/>
+            </a:ln>
+          </p:spPr>
+          <p:style>
+            <a:lnRef idx="1">
+              <a:schemeClr val="dk1"/>
+            </a:lnRef>
+            <a:fillRef idx="0">
+              <a:schemeClr val="dk1"/>
+            </a:fillRef>
+            <a:effectRef idx="0">
+              <a:schemeClr val="dk1"/>
+            </a:effectRef>
+            <a:fontRef idx="minor">
+              <a:schemeClr val="tx1"/>
+            </a:fontRef>
+          </p:style>
+        </p:cxnSp>
+        <p:sp>
+          <p:nvSpPr>
+            <p:cNvPr id="12" name="Rechteck 11">
+              <a:extLst>
+                <a:ext uri="{FF2B5EF4-FFF2-40B4-BE49-F238E27FC236}">
+                  <a16:creationId xmlns:a16="http://schemas.microsoft.com/office/drawing/2014/main" id="{4FBFBB6C-A1F0-4D93-9F4E-DEB6704DE3A2}"/>
+                </a:ext>
+              </a:extLst>
+            </p:cNvPr>
+            <p:cNvSpPr/>
+            <p:nvPr/>
+          </p:nvSpPr>
+          <p:spPr>
+            <a:xfrm>
+              <a:off x="7883373" y="1815438"/>
+              <a:ext cx="1837678" cy="510467"/>
+            </a:xfrm>
+            <a:prstGeom prst="rect">
+              <a:avLst/>
+            </a:prstGeom>
+          </p:spPr>
+          <p:style>
+            <a:lnRef idx="2">
+              <a:schemeClr val="accent1">
+                <a:shade val="50000"/>
+              </a:schemeClr>
+            </a:lnRef>
+            <a:fillRef idx="1">
+              <a:schemeClr val="accent1"/>
+            </a:fillRef>
+            <a:effectRef idx="0">
+              <a:schemeClr val="accent1"/>
+            </a:effectRef>
+            <a:fontRef idx="minor">
+              <a:schemeClr val="lt1"/>
+            </a:fontRef>
+          </p:style>
+          <p:txBody>
+            <a:bodyPr rtlCol="0" anchor="ctr"/>
+            <a:lstStyle/>
+            <a:p>
+              <a:pPr algn="ctr"/>
+              <a:r>
+                <a:rPr lang="de-DE" sz="2400" dirty="0">
+                  <a:solidFill>
+                    <a:schemeClr val="tx1"/>
+                  </a:solidFill>
+                </a:rPr>
+                <a:t>Trip Segment Manager</a:t>
+              </a:r>
+            </a:p>
+          </p:txBody>
+        </p:sp>
+        <p:cxnSp>
+          <p:nvCxnSpPr>
+            <p:cNvPr id="13" name="Gerade Verbindung mit Pfeil 12">
+              <a:extLst>
+                <a:ext uri="{FF2B5EF4-FFF2-40B4-BE49-F238E27FC236}">
+                  <a16:creationId xmlns:a16="http://schemas.microsoft.com/office/drawing/2014/main" id="{308C5597-52EC-42F0-8993-64704259EC53}"/>
+                </a:ext>
+              </a:extLst>
+            </p:cNvPr>
+            <p:cNvCxnSpPr>
+              <a:cxnSpLocks/>
+              <a:endCxn id="12" idx="1"/>
+            </p:cNvCxnSpPr>
+            <p:nvPr/>
+          </p:nvCxnSpPr>
+          <p:spPr>
+            <a:xfrm>
+              <a:off x="5974672" y="2070672"/>
+              <a:ext cx="1908701" cy="0"/>
+            </a:xfrm>
+            <a:prstGeom prst="straightConnector1">
+              <a:avLst/>
+            </a:prstGeom>
+            <a:ln>
+              <a:tailEnd type="triangle"/>
+            </a:ln>
+          </p:spPr>
+          <p:style>
+            <a:lnRef idx="1">
+              <a:schemeClr val="dk1"/>
+            </a:lnRef>
+            <a:fillRef idx="0">
+              <a:schemeClr val="dk1"/>
+            </a:fillRef>
+            <a:effectRef idx="0">
+              <a:schemeClr val="dk1"/>
+            </a:effectRef>
+            <a:fontRef idx="minor">
+              <a:schemeClr val="tx1"/>
+            </a:fontRef>
+          </p:style>
+        </p:cxnSp>
+        <p:sp>
+          <p:nvSpPr>
+            <p:cNvPr id="15" name="Rechteck 14">
+              <a:extLst>
+                <a:ext uri="{FF2B5EF4-FFF2-40B4-BE49-F238E27FC236}">
+                  <a16:creationId xmlns:a16="http://schemas.microsoft.com/office/drawing/2014/main" id="{6F81F931-2252-4CBF-AB48-024C53E0BE1B}"/>
+                </a:ext>
+              </a:extLst>
+            </p:cNvPr>
+            <p:cNvSpPr/>
+            <p:nvPr/>
+          </p:nvSpPr>
+          <p:spPr>
+            <a:xfrm>
+              <a:off x="4136995" y="3715307"/>
+              <a:ext cx="1837677" cy="1305018"/>
+            </a:xfrm>
+            <a:prstGeom prst="rect">
+              <a:avLst/>
+            </a:prstGeom>
+          </p:spPr>
+          <p:style>
+            <a:lnRef idx="2">
+              <a:schemeClr val="accent1">
+                <a:shade val="50000"/>
+              </a:schemeClr>
+            </a:lnRef>
+            <a:fillRef idx="1">
+              <a:schemeClr val="accent1"/>
+            </a:fillRef>
+            <a:effectRef idx="0">
+              <a:schemeClr val="accent1"/>
+            </a:effectRef>
+            <a:fontRef idx="minor">
+              <a:schemeClr val="lt1"/>
+            </a:fontRef>
+          </p:style>
+          <p:txBody>
+            <a:bodyPr rtlCol="0" anchor="ctr"/>
+            <a:lstStyle/>
+            <a:p>
+              <a:pPr algn="ctr"/>
+              <a:r>
+                <a:rPr lang="de-DE" sz="2400" dirty="0">
+                  <a:solidFill>
+                    <a:schemeClr val="tx1"/>
+                  </a:solidFill>
+                </a:rPr>
+                <a:t>Trip Computer Service</a:t>
+              </a:r>
+            </a:p>
+          </p:txBody>
+        </p:sp>
+        <p:sp>
+          <p:nvSpPr>
+            <p:cNvPr id="17" name="Textfeld 16">
+              <a:extLst>
+                <a:ext uri="{FF2B5EF4-FFF2-40B4-BE49-F238E27FC236}">
+                  <a16:creationId xmlns:a16="http://schemas.microsoft.com/office/drawing/2014/main" id="{39AB554B-B695-4416-AE9F-580CAC7A9BDC}"/>
+                </a:ext>
+              </a:extLst>
+            </p:cNvPr>
+            <p:cNvSpPr txBox="1"/>
+            <p:nvPr/>
+          </p:nvSpPr>
+          <p:spPr>
+            <a:xfrm>
+              <a:off x="5996192" y="1078701"/>
+              <a:ext cx="1573534" cy="544002"/>
+            </a:xfrm>
+            <a:prstGeom prst="rect">
+              <a:avLst/>
+            </a:prstGeom>
+            <a:noFill/>
+          </p:spPr>
+          <p:txBody>
+            <a:bodyPr wrap="none" rtlCol="0">
+              <a:spAutoFit/>
+            </a:bodyPr>
+            <a:lstStyle/>
+            <a:p>
+              <a:r>
+                <a:rPr lang="de-DE" sz="2400" dirty="0"/>
+                <a:t>Send UI </a:t>
+              </a:r>
+              <a:r>
+                <a:rPr lang="de-DE" sz="2400" dirty="0" err="1"/>
+                <a:t>input</a:t>
+              </a:r>
+              <a:r>
+                <a:rPr lang="de-DE" sz="2400" dirty="0"/>
+                <a:t> </a:t>
+              </a:r>
+              <a:br>
+                <a:rPr lang="de-DE" sz="2400" dirty="0"/>
+              </a:br>
+              <a:r>
+                <a:rPr lang="de-DE" sz="2400" dirty="0" err="1"/>
+                <a:t>data</a:t>
+              </a:r>
+              <a:r>
+                <a:rPr lang="de-DE" sz="2400" dirty="0"/>
+                <a:t> </a:t>
+              </a:r>
+              <a:r>
+                <a:rPr lang="de-DE" sz="2400" dirty="0" err="1"/>
+                <a:t>for</a:t>
+              </a:r>
+              <a:r>
+                <a:rPr lang="de-DE" sz="2400" dirty="0"/>
+                <a:t> check</a:t>
+              </a:r>
+            </a:p>
+          </p:txBody>
+        </p:sp>
+        <p:sp>
+          <p:nvSpPr>
+            <p:cNvPr id="18" name="Textfeld 17">
+              <a:extLst>
+                <a:ext uri="{FF2B5EF4-FFF2-40B4-BE49-F238E27FC236}">
+                  <a16:creationId xmlns:a16="http://schemas.microsoft.com/office/drawing/2014/main" id="{47DED8D7-331C-4587-AD8F-5E86A3D4523E}"/>
+                </a:ext>
+              </a:extLst>
+            </p:cNvPr>
+            <p:cNvSpPr txBox="1"/>
+            <p:nvPr/>
+          </p:nvSpPr>
+          <p:spPr>
+            <a:xfrm>
+              <a:off x="5996192" y="1792742"/>
+              <a:ext cx="1837677" cy="785780"/>
+            </a:xfrm>
+            <a:prstGeom prst="rect">
+              <a:avLst/>
+            </a:prstGeom>
+            <a:noFill/>
+          </p:spPr>
+          <p:txBody>
+            <a:bodyPr wrap="square" rtlCol="0">
+              <a:spAutoFit/>
+            </a:bodyPr>
+            <a:lstStyle/>
+            <a:p>
+              <a:r>
+                <a:rPr lang="de-DE" sz="2400" dirty="0" err="1"/>
+                <a:t>Requests</a:t>
+              </a:r>
+              <a:r>
+                <a:rPr lang="de-DE" sz="2400" dirty="0"/>
+                <a:t> </a:t>
+              </a:r>
+              <a:r>
+                <a:rPr lang="de-DE" sz="2400" dirty="0" err="1"/>
+                <a:t>add</a:t>
+              </a:r>
+              <a:r>
+                <a:rPr lang="de-DE" sz="2400" dirty="0"/>
+                <a:t>, </a:t>
+              </a:r>
+              <a:r>
+                <a:rPr lang="de-DE" sz="2400" dirty="0" err="1"/>
+                <a:t>remove</a:t>
+              </a:r>
+              <a:r>
+                <a:rPr lang="de-DE" sz="2400" dirty="0"/>
+                <a:t>, </a:t>
+              </a:r>
+              <a:r>
+                <a:rPr lang="de-DE" sz="2400" dirty="0" err="1"/>
+                <a:t>lookup</a:t>
+              </a:r>
+              <a:r>
+                <a:rPr lang="de-DE" sz="2400" dirty="0"/>
+                <a:t> on </a:t>
+              </a:r>
+              <a:r>
+                <a:rPr lang="de-DE" sz="2400" dirty="0" err="1"/>
+                <a:t>data</a:t>
+              </a:r>
+              <a:r>
+                <a:rPr lang="de-DE" sz="2400" dirty="0"/>
+                <a:t> </a:t>
+              </a:r>
+              <a:r>
+                <a:rPr lang="de-DE" sz="2400" dirty="0" err="1"/>
+                <a:t>model</a:t>
+              </a:r>
+              <a:endParaRPr lang="de-DE" sz="2400" dirty="0"/>
+            </a:p>
+          </p:txBody>
+        </p:sp>
+        <p:cxnSp>
+          <p:nvCxnSpPr>
+            <p:cNvPr id="23" name="Gerade Verbindung mit Pfeil 22">
+              <a:extLst>
+                <a:ext uri="{FF2B5EF4-FFF2-40B4-BE49-F238E27FC236}">
+                  <a16:creationId xmlns:a16="http://schemas.microsoft.com/office/drawing/2014/main" id="{43432252-ABC3-4C61-BAA4-D1CE15A1C2C8}"/>
+                </a:ext>
+              </a:extLst>
+            </p:cNvPr>
+            <p:cNvCxnSpPr/>
+            <p:nvPr/>
+          </p:nvCxnSpPr>
+          <p:spPr>
+            <a:xfrm>
+              <a:off x="5055833" y="2396971"/>
+              <a:ext cx="0" cy="1293529"/>
+            </a:xfrm>
+            <a:prstGeom prst="straightConnector1">
+              <a:avLst/>
+            </a:prstGeom>
+            <a:ln>
+              <a:tailEnd type="triangle"/>
+            </a:ln>
+          </p:spPr>
+          <p:style>
+            <a:lnRef idx="1">
+              <a:schemeClr val="dk1"/>
+            </a:lnRef>
+            <a:fillRef idx="0">
+              <a:schemeClr val="dk1"/>
+            </a:fillRef>
+            <a:effectRef idx="0">
+              <a:schemeClr val="dk1"/>
+            </a:effectRef>
+            <a:fontRef idx="minor">
+              <a:schemeClr val="tx1"/>
+            </a:fontRef>
+          </p:style>
+        </p:cxnSp>
+        <p:sp>
+          <p:nvSpPr>
+            <p:cNvPr id="24" name="Textfeld 23">
+              <a:extLst>
+                <a:ext uri="{FF2B5EF4-FFF2-40B4-BE49-F238E27FC236}">
+                  <a16:creationId xmlns:a16="http://schemas.microsoft.com/office/drawing/2014/main" id="{EC6092E2-C46A-4EA4-8E46-3C1964668F13}"/>
+                </a:ext>
+              </a:extLst>
+            </p:cNvPr>
+            <p:cNvSpPr txBox="1"/>
+            <p:nvPr/>
+          </p:nvSpPr>
+          <p:spPr>
+            <a:xfrm>
+              <a:off x="5055833" y="2604460"/>
+              <a:ext cx="1837677" cy="1027558"/>
+            </a:xfrm>
+            <a:prstGeom prst="rect">
+              <a:avLst/>
+            </a:prstGeom>
+            <a:noFill/>
+          </p:spPr>
+          <p:txBody>
+            <a:bodyPr wrap="square" rtlCol="0">
+              <a:spAutoFit/>
+            </a:bodyPr>
+            <a:lstStyle/>
+            <a:p>
+              <a:r>
+                <a:rPr lang="de-DE" sz="2400" dirty="0"/>
+                <a:t>Send </a:t>
+              </a:r>
+              <a:r>
+                <a:rPr lang="de-DE" sz="2400" dirty="0" err="1"/>
+                <a:t>data</a:t>
+              </a:r>
+              <a:r>
+                <a:rPr lang="de-DE" sz="2400" dirty="0"/>
+                <a:t> </a:t>
+              </a:r>
+              <a:r>
+                <a:rPr lang="de-DE" sz="2400" dirty="0" err="1"/>
+                <a:t>model</a:t>
+              </a:r>
+              <a:r>
+                <a:rPr lang="de-DE" sz="2400" dirty="0"/>
+                <a:t> </a:t>
+              </a:r>
+              <a:r>
+                <a:rPr lang="de-DE" sz="2400" dirty="0" err="1"/>
+                <a:t>with</a:t>
+              </a:r>
+              <a:r>
+                <a:rPr lang="de-DE" sz="2400" dirty="0"/>
+                <a:t> valid UI </a:t>
+              </a:r>
+              <a:r>
+                <a:rPr lang="de-DE" sz="2400" dirty="0" err="1"/>
+                <a:t>input</a:t>
+              </a:r>
+              <a:r>
+                <a:rPr lang="de-DE" sz="2400" dirty="0"/>
+                <a:t> </a:t>
+              </a:r>
+              <a:r>
+                <a:rPr lang="de-DE" sz="2400" dirty="0" err="1"/>
+                <a:t>for</a:t>
+              </a:r>
+              <a:r>
+                <a:rPr lang="de-DE" sz="2400" dirty="0"/>
+                <a:t> </a:t>
+              </a:r>
+              <a:r>
+                <a:rPr lang="de-DE" sz="2400" dirty="0" err="1"/>
+                <a:t>filling</a:t>
+              </a:r>
+              <a:r>
+                <a:rPr lang="de-DE" sz="2400" dirty="0"/>
+                <a:t> </a:t>
+              </a:r>
+              <a:r>
+                <a:rPr lang="de-DE" sz="2400" dirty="0" err="1"/>
+                <a:t>derived</a:t>
+              </a:r>
+              <a:r>
+                <a:rPr lang="de-DE" sz="2400" dirty="0"/>
+                <a:t> </a:t>
+              </a:r>
+              <a:r>
+                <a:rPr lang="de-DE" sz="2400" dirty="0" err="1"/>
+                <a:t>values</a:t>
+              </a:r>
+              <a:endParaRPr lang="de-DE" sz="2400" dirty="0"/>
+            </a:p>
+          </p:txBody>
+        </p:sp>
+      </p:grpSp>
     </p:spTree>
     <p:extLst>
       <p:ext uri="{BB962C8B-B14F-4D97-AF65-F5344CB8AC3E}">
